--- a/random/fig/fig.pptx
+++ b/random/fig/fig.pptx
@@ -5,9 +5,10 @@
     <p:sldMasterId id="2147483660" r:id="rId1"/>
   </p:sldMasterIdLst>
   <p:sldIdLst>
-    <p:sldId id="256" r:id="rId2"/>
-    <p:sldId id="257" r:id="rId3"/>
-    <p:sldId id="258" r:id="rId4"/>
+    <p:sldId id="259" r:id="rId2"/>
+    <p:sldId id="256" r:id="rId3"/>
+    <p:sldId id="257" r:id="rId4"/>
+    <p:sldId id="258" r:id="rId5"/>
   </p:sldIdLst>
   <p:sldSz cx="9144000" cy="6858000" type="screen4x3"/>
   <p:notesSz cx="6858000" cy="9144000"/>
@@ -490,6 +491,1953 @@
       </p:grpSpPr>
       <p:pic>
         <p:nvPicPr>
+          <p:cNvPr id="2" name="図 1">
+            <a:extLst>
+              <a:ext uri="{FF2B5EF4-FFF2-40B4-BE49-F238E27FC236}">
+                <a16:creationId xmlns:a16="http://schemas.microsoft.com/office/drawing/2014/main" id="{BA75B55E-4EE9-3E46-9E5A-4CC434D2218C}"/>
+              </a:ext>
+            </a:extLst>
+          </p:cNvPr>
+          <p:cNvPicPr>
+            <a:picLocks noChangeAspect="1"/>
+          </p:cNvPicPr>
+          <p:nvPr/>
+        </p:nvPicPr>
+        <p:blipFill>
+          <a:blip r:embed="rId2"/>
+          <a:stretch>
+            <a:fillRect/>
+          </a:stretch>
+        </p:blipFill>
+        <p:spPr>
+          <a:xfrm>
+            <a:off x="6660232" y="116632"/>
+            <a:ext cx="2232248" cy="1366136"/>
+          </a:xfrm>
+          <a:prstGeom prst="rect">
+            <a:avLst/>
+          </a:prstGeom>
+        </p:spPr>
+      </p:pic>
+      <p:pic>
+        <p:nvPicPr>
+          <p:cNvPr id="3" name="図 2">
+            <a:extLst>
+              <a:ext uri="{FF2B5EF4-FFF2-40B4-BE49-F238E27FC236}">
+                <a16:creationId xmlns:a16="http://schemas.microsoft.com/office/drawing/2014/main" id="{BEDE7276-D341-0346-9CF5-7AB8A63FF2F0}"/>
+              </a:ext>
+            </a:extLst>
+          </p:cNvPr>
+          <p:cNvPicPr>
+            <a:picLocks noChangeAspect="1"/>
+          </p:cNvPicPr>
+          <p:nvPr/>
+        </p:nvPicPr>
+        <p:blipFill>
+          <a:blip r:embed="rId3"/>
+          <a:stretch>
+            <a:fillRect/>
+          </a:stretch>
+        </p:blipFill>
+        <p:spPr>
+          <a:xfrm flipH="1">
+            <a:off x="3541511" y="1255628"/>
+            <a:ext cx="514286" cy="514286"/>
+          </a:xfrm>
+          <a:prstGeom prst="rect">
+            <a:avLst/>
+          </a:prstGeom>
+        </p:spPr>
+      </p:pic>
+      <p:pic>
+        <p:nvPicPr>
+          <p:cNvPr id="4" name="図 3">
+            <a:extLst>
+              <a:ext uri="{FF2B5EF4-FFF2-40B4-BE49-F238E27FC236}">
+                <a16:creationId xmlns:a16="http://schemas.microsoft.com/office/drawing/2014/main" id="{90E98BFE-6A33-6843-97B3-7B1AEF845800}"/>
+              </a:ext>
+            </a:extLst>
+          </p:cNvPr>
+          <p:cNvPicPr>
+            <a:picLocks noChangeAspect="1"/>
+          </p:cNvPicPr>
+          <p:nvPr/>
+        </p:nvPicPr>
+        <p:blipFill>
+          <a:blip r:embed="rId4"/>
+          <a:stretch>
+            <a:fillRect/>
+          </a:stretch>
+        </p:blipFill>
+        <p:spPr>
+          <a:xfrm flipH="1">
+            <a:off x="2639927" y="1138746"/>
+            <a:ext cx="575065" cy="631168"/>
+          </a:xfrm>
+          <a:prstGeom prst="rect">
+            <a:avLst/>
+          </a:prstGeom>
+        </p:spPr>
+      </p:pic>
+      <p:pic>
+        <p:nvPicPr>
+          <p:cNvPr id="5" name="図 4">
+            <a:extLst>
+              <a:ext uri="{FF2B5EF4-FFF2-40B4-BE49-F238E27FC236}">
+                <a16:creationId xmlns:a16="http://schemas.microsoft.com/office/drawing/2014/main" id="{A71B6E72-071C-E94D-B677-5AD41CE58C52}"/>
+              </a:ext>
+            </a:extLst>
+          </p:cNvPr>
+          <p:cNvPicPr>
+            <a:picLocks noChangeAspect="1"/>
+          </p:cNvPicPr>
+          <p:nvPr/>
+        </p:nvPicPr>
+        <p:blipFill>
+          <a:blip r:embed="rId5"/>
+          <a:stretch>
+            <a:fillRect/>
+          </a:stretch>
+        </p:blipFill>
+        <p:spPr>
+          <a:xfrm flipH="1">
+            <a:off x="794681" y="1148095"/>
+            <a:ext cx="677922" cy="621819"/>
+          </a:xfrm>
+          <a:prstGeom prst="rect">
+            <a:avLst/>
+          </a:prstGeom>
+        </p:spPr>
+      </p:pic>
+      <p:pic>
+        <p:nvPicPr>
+          <p:cNvPr id="6" name="図 5">
+            <a:extLst>
+              <a:ext uri="{FF2B5EF4-FFF2-40B4-BE49-F238E27FC236}">
+                <a16:creationId xmlns:a16="http://schemas.microsoft.com/office/drawing/2014/main" id="{E65D7C63-8237-964B-B571-058375AC36A0}"/>
+              </a:ext>
+            </a:extLst>
+          </p:cNvPr>
+          <p:cNvPicPr>
+            <a:picLocks noChangeAspect="1"/>
+          </p:cNvPicPr>
+          <p:nvPr/>
+        </p:nvPicPr>
+        <p:blipFill>
+          <a:blip r:embed="rId3"/>
+          <a:stretch>
+            <a:fillRect/>
+          </a:stretch>
+        </p:blipFill>
+        <p:spPr>
+          <a:xfrm flipH="1">
+            <a:off x="1799122" y="1255628"/>
+            <a:ext cx="514286" cy="514286"/>
+          </a:xfrm>
+          <a:prstGeom prst="rect">
+            <a:avLst/>
+          </a:prstGeom>
+        </p:spPr>
+      </p:pic>
+      <p:pic>
+        <p:nvPicPr>
+          <p:cNvPr id="7" name="図 6">
+            <a:extLst>
+              <a:ext uri="{FF2B5EF4-FFF2-40B4-BE49-F238E27FC236}">
+                <a16:creationId xmlns:a16="http://schemas.microsoft.com/office/drawing/2014/main" id="{DB3768EC-D83F-EE42-9D3E-35E3D5272B2C}"/>
+              </a:ext>
+            </a:extLst>
+          </p:cNvPr>
+          <p:cNvPicPr>
+            <a:picLocks noChangeAspect="1"/>
+          </p:cNvPicPr>
+          <p:nvPr/>
+        </p:nvPicPr>
+        <p:blipFill>
+          <a:blip r:embed="rId5"/>
+          <a:stretch>
+            <a:fillRect/>
+          </a:stretch>
+        </p:blipFill>
+        <p:spPr>
+          <a:xfrm flipH="1">
+            <a:off x="4382316" y="1148095"/>
+            <a:ext cx="677922" cy="621819"/>
+          </a:xfrm>
+          <a:prstGeom prst="rect">
+            <a:avLst/>
+          </a:prstGeom>
+        </p:spPr>
+      </p:pic>
+      <p:pic>
+        <p:nvPicPr>
+          <p:cNvPr id="8" name="図 7">
+            <a:extLst>
+              <a:ext uri="{FF2B5EF4-FFF2-40B4-BE49-F238E27FC236}">
+                <a16:creationId xmlns:a16="http://schemas.microsoft.com/office/drawing/2014/main" id="{10B737A7-9983-FC4D-B925-E129AD449AFB}"/>
+              </a:ext>
+            </a:extLst>
+          </p:cNvPr>
+          <p:cNvPicPr>
+            <a:picLocks noChangeAspect="1"/>
+          </p:cNvPicPr>
+          <p:nvPr/>
+        </p:nvPicPr>
+        <p:blipFill>
+          <a:blip r:embed="rId3"/>
+          <a:stretch>
+            <a:fillRect/>
+          </a:stretch>
+        </p:blipFill>
+        <p:spPr>
+          <a:xfrm flipH="1">
+            <a:off x="5386757" y="1255628"/>
+            <a:ext cx="514286" cy="514286"/>
+          </a:xfrm>
+          <a:prstGeom prst="rect">
+            <a:avLst/>
+          </a:prstGeom>
+        </p:spPr>
+      </p:pic>
+      <p:sp>
+        <p:nvSpPr>
+          <p:cNvPr id="9" name="テキスト ボックス 8">
+            <a:extLst>
+              <a:ext uri="{FF2B5EF4-FFF2-40B4-BE49-F238E27FC236}">
+                <a16:creationId xmlns:a16="http://schemas.microsoft.com/office/drawing/2014/main" id="{FE3C0419-0979-0947-B710-5E8DB02C56D7}"/>
+              </a:ext>
+            </a:extLst>
+          </p:cNvPr>
+          <p:cNvSpPr txBox="1"/>
+          <p:nvPr/>
+        </p:nvSpPr>
+        <p:spPr>
+          <a:xfrm flipH="1">
+            <a:off x="1511707" y="1062028"/>
+            <a:ext cx="248311" cy="707886"/>
+          </a:xfrm>
+          <a:prstGeom prst="rect">
+            <a:avLst/>
+          </a:prstGeom>
+          <a:noFill/>
+        </p:spPr>
+        <p:txBody>
+          <a:bodyPr wrap="square" rtlCol="0">
+            <a:spAutoFit/>
+          </a:bodyPr>
+          <a:lstStyle/>
+          <a:p>
+            <a:r>
+              <a:rPr lang="en-US" altLang="ja-JP" sz="4000"/>
+              <a:t>,</a:t>
+            </a:r>
+            <a:endParaRPr kumimoji="1" lang="ja-JP" altLang="en-US" sz="4000"/>
+          </a:p>
+        </p:txBody>
+      </p:sp>
+      <p:sp>
+        <p:nvSpPr>
+          <p:cNvPr id="10" name="テキスト ボックス 9">
+            <a:extLst>
+              <a:ext uri="{FF2B5EF4-FFF2-40B4-BE49-F238E27FC236}">
+                <a16:creationId xmlns:a16="http://schemas.microsoft.com/office/drawing/2014/main" id="{E0FE6BEC-959D-1644-BDA3-4579E1C320CB}"/>
+              </a:ext>
+            </a:extLst>
+          </p:cNvPr>
+          <p:cNvSpPr txBox="1"/>
+          <p:nvPr/>
+        </p:nvSpPr>
+        <p:spPr>
+          <a:xfrm flipH="1">
+            <a:off x="395536" y="836712"/>
+            <a:ext cx="360041" cy="1077218"/>
+          </a:xfrm>
+          <a:prstGeom prst="rect">
+            <a:avLst/>
+          </a:prstGeom>
+          <a:noFill/>
+        </p:spPr>
+        <p:txBody>
+          <a:bodyPr wrap="square" rtlCol="0">
+            <a:spAutoFit/>
+          </a:bodyPr>
+          <a:lstStyle/>
+          <a:p>
+            <a:r>
+              <a:rPr kumimoji="1" lang="en-US" altLang="ja-JP" sz="6400"/>
+              <a:t>[</a:t>
+            </a:r>
+            <a:endParaRPr kumimoji="1" lang="ja-JP" altLang="en-US" sz="6400"/>
+          </a:p>
+        </p:txBody>
+      </p:sp>
+      <p:sp>
+        <p:nvSpPr>
+          <p:cNvPr id="11" name="テキスト ボックス 10">
+            <a:extLst>
+              <a:ext uri="{FF2B5EF4-FFF2-40B4-BE49-F238E27FC236}">
+                <a16:creationId xmlns:a16="http://schemas.microsoft.com/office/drawing/2014/main" id="{45EB4154-0617-734F-BFE1-309C92ACEF17}"/>
+              </a:ext>
+            </a:extLst>
+          </p:cNvPr>
+          <p:cNvSpPr txBox="1"/>
+          <p:nvPr/>
+        </p:nvSpPr>
+        <p:spPr>
+          <a:xfrm flipH="1">
+            <a:off x="5940152" y="836712"/>
+            <a:ext cx="446756" cy="1077218"/>
+          </a:xfrm>
+          <a:prstGeom prst="rect">
+            <a:avLst/>
+          </a:prstGeom>
+          <a:noFill/>
+        </p:spPr>
+        <p:txBody>
+          <a:bodyPr wrap="square" rtlCol="0">
+            <a:spAutoFit/>
+          </a:bodyPr>
+          <a:lstStyle/>
+          <a:p>
+            <a:r>
+              <a:rPr lang="en-US" altLang="ja-JP" sz="6400"/>
+              <a:t>]</a:t>
+            </a:r>
+            <a:endParaRPr kumimoji="1" lang="ja-JP" altLang="en-US" sz="6400"/>
+          </a:p>
+        </p:txBody>
+      </p:sp>
+      <p:sp>
+        <p:nvSpPr>
+          <p:cNvPr id="12" name="テキスト ボックス 11">
+            <a:extLst>
+              <a:ext uri="{FF2B5EF4-FFF2-40B4-BE49-F238E27FC236}">
+                <a16:creationId xmlns:a16="http://schemas.microsoft.com/office/drawing/2014/main" id="{F6B6E80F-BB12-FA45-A5B0-6700C15250AD}"/>
+              </a:ext>
+            </a:extLst>
+          </p:cNvPr>
+          <p:cNvSpPr txBox="1"/>
+          <p:nvPr/>
+        </p:nvSpPr>
+        <p:spPr>
+          <a:xfrm flipH="1">
+            <a:off x="2352512" y="1062028"/>
+            <a:ext cx="248311" cy="707886"/>
+          </a:xfrm>
+          <a:prstGeom prst="rect">
+            <a:avLst/>
+          </a:prstGeom>
+          <a:noFill/>
+        </p:spPr>
+        <p:txBody>
+          <a:bodyPr wrap="square" rtlCol="0">
+            <a:spAutoFit/>
+          </a:bodyPr>
+          <a:lstStyle/>
+          <a:p>
+            <a:r>
+              <a:rPr lang="en-US" altLang="ja-JP" sz="4000"/>
+              <a:t>,</a:t>
+            </a:r>
+            <a:endParaRPr kumimoji="1" lang="ja-JP" altLang="en-US" sz="4000"/>
+          </a:p>
+        </p:txBody>
+      </p:sp>
+      <p:sp>
+        <p:nvSpPr>
+          <p:cNvPr id="13" name="テキスト ボックス 12">
+            <a:extLst>
+              <a:ext uri="{FF2B5EF4-FFF2-40B4-BE49-F238E27FC236}">
+                <a16:creationId xmlns:a16="http://schemas.microsoft.com/office/drawing/2014/main" id="{5AAF0FDB-0AFA-604A-A0CA-C693FEEB6C05}"/>
+              </a:ext>
+            </a:extLst>
+          </p:cNvPr>
+          <p:cNvSpPr txBox="1"/>
+          <p:nvPr/>
+        </p:nvSpPr>
+        <p:spPr>
+          <a:xfrm flipH="1">
+            <a:off x="3254096" y="1062028"/>
+            <a:ext cx="248311" cy="707886"/>
+          </a:xfrm>
+          <a:prstGeom prst="rect">
+            <a:avLst/>
+          </a:prstGeom>
+          <a:noFill/>
+        </p:spPr>
+        <p:txBody>
+          <a:bodyPr wrap="square" rtlCol="0">
+            <a:spAutoFit/>
+          </a:bodyPr>
+          <a:lstStyle/>
+          <a:p>
+            <a:r>
+              <a:rPr lang="en-US" altLang="ja-JP" sz="4000"/>
+              <a:t>,</a:t>
+            </a:r>
+            <a:endParaRPr kumimoji="1" lang="ja-JP" altLang="en-US" sz="4000"/>
+          </a:p>
+        </p:txBody>
+      </p:sp>
+      <p:sp>
+        <p:nvSpPr>
+          <p:cNvPr id="14" name="テキスト ボックス 13">
+            <a:extLst>
+              <a:ext uri="{FF2B5EF4-FFF2-40B4-BE49-F238E27FC236}">
+                <a16:creationId xmlns:a16="http://schemas.microsoft.com/office/drawing/2014/main" id="{B4AF8617-13D4-5447-9F2C-201C5B354B9E}"/>
+              </a:ext>
+            </a:extLst>
+          </p:cNvPr>
+          <p:cNvSpPr txBox="1"/>
+          <p:nvPr/>
+        </p:nvSpPr>
+        <p:spPr>
+          <a:xfrm flipH="1">
+            <a:off x="4094901" y="1062028"/>
+            <a:ext cx="248311" cy="707886"/>
+          </a:xfrm>
+          <a:prstGeom prst="rect">
+            <a:avLst/>
+          </a:prstGeom>
+          <a:noFill/>
+        </p:spPr>
+        <p:txBody>
+          <a:bodyPr wrap="square" rtlCol="0">
+            <a:spAutoFit/>
+          </a:bodyPr>
+          <a:lstStyle/>
+          <a:p>
+            <a:r>
+              <a:rPr lang="en-US" altLang="ja-JP" sz="4000"/>
+              <a:t>,</a:t>
+            </a:r>
+            <a:endParaRPr kumimoji="1" lang="ja-JP" altLang="en-US" sz="4000"/>
+          </a:p>
+        </p:txBody>
+      </p:sp>
+      <p:sp>
+        <p:nvSpPr>
+          <p:cNvPr id="15" name="テキスト ボックス 14">
+            <a:extLst>
+              <a:ext uri="{FF2B5EF4-FFF2-40B4-BE49-F238E27FC236}">
+                <a16:creationId xmlns:a16="http://schemas.microsoft.com/office/drawing/2014/main" id="{48D29970-502A-6742-BA94-27957D5B7620}"/>
+              </a:ext>
+            </a:extLst>
+          </p:cNvPr>
+          <p:cNvSpPr txBox="1"/>
+          <p:nvPr/>
+        </p:nvSpPr>
+        <p:spPr>
+          <a:xfrm flipH="1">
+            <a:off x="5099342" y="1062028"/>
+            <a:ext cx="248311" cy="707886"/>
+          </a:xfrm>
+          <a:prstGeom prst="rect">
+            <a:avLst/>
+          </a:prstGeom>
+          <a:noFill/>
+        </p:spPr>
+        <p:txBody>
+          <a:bodyPr wrap="square" rtlCol="0">
+            <a:spAutoFit/>
+          </a:bodyPr>
+          <a:lstStyle/>
+          <a:p>
+            <a:r>
+              <a:rPr lang="en-US" altLang="ja-JP" sz="4000"/>
+              <a:t>,</a:t>
+            </a:r>
+            <a:endParaRPr kumimoji="1" lang="ja-JP" altLang="en-US" sz="4000"/>
+          </a:p>
+        </p:txBody>
+      </p:sp>
+      <p:pic>
+        <p:nvPicPr>
+          <p:cNvPr id="16" name="図 15">
+            <a:extLst>
+              <a:ext uri="{FF2B5EF4-FFF2-40B4-BE49-F238E27FC236}">
+                <a16:creationId xmlns:a16="http://schemas.microsoft.com/office/drawing/2014/main" id="{03C43C5C-257A-F840-A8EB-47CD35AEE8E9}"/>
+              </a:ext>
+            </a:extLst>
+          </p:cNvPr>
+          <p:cNvPicPr>
+            <a:picLocks noChangeAspect="1"/>
+          </p:cNvPicPr>
+          <p:nvPr/>
+        </p:nvPicPr>
+        <p:blipFill>
+          <a:blip r:embed="rId3"/>
+          <a:stretch>
+            <a:fillRect/>
+          </a:stretch>
+        </p:blipFill>
+        <p:spPr>
+          <a:xfrm flipH="1">
+            <a:off x="4477615" y="2767796"/>
+            <a:ext cx="514286" cy="514286"/>
+          </a:xfrm>
+          <a:prstGeom prst="rect">
+            <a:avLst/>
+          </a:prstGeom>
+        </p:spPr>
+      </p:pic>
+      <p:pic>
+        <p:nvPicPr>
+          <p:cNvPr id="17" name="図 16">
+            <a:extLst>
+              <a:ext uri="{FF2B5EF4-FFF2-40B4-BE49-F238E27FC236}">
+                <a16:creationId xmlns:a16="http://schemas.microsoft.com/office/drawing/2014/main" id="{FC63C8BD-3030-5C47-8116-3BCF0638DAF8}"/>
+              </a:ext>
+            </a:extLst>
+          </p:cNvPr>
+          <p:cNvPicPr>
+            <a:picLocks noChangeAspect="1"/>
+          </p:cNvPicPr>
+          <p:nvPr/>
+        </p:nvPicPr>
+        <p:blipFill>
+          <a:blip r:embed="rId4"/>
+          <a:stretch>
+            <a:fillRect/>
+          </a:stretch>
+        </p:blipFill>
+        <p:spPr>
+          <a:xfrm flipH="1">
+            <a:off x="3576031" y="2650914"/>
+            <a:ext cx="575065" cy="631168"/>
+          </a:xfrm>
+          <a:prstGeom prst="rect">
+            <a:avLst/>
+          </a:prstGeom>
+        </p:spPr>
+      </p:pic>
+      <p:pic>
+        <p:nvPicPr>
+          <p:cNvPr id="18" name="図 17">
+            <a:extLst>
+              <a:ext uri="{FF2B5EF4-FFF2-40B4-BE49-F238E27FC236}">
+                <a16:creationId xmlns:a16="http://schemas.microsoft.com/office/drawing/2014/main" id="{9BB3E7E4-C410-0F4A-A89F-491912A06B69}"/>
+              </a:ext>
+            </a:extLst>
+          </p:cNvPr>
+          <p:cNvPicPr>
+            <a:picLocks noChangeAspect="1"/>
+          </p:cNvPicPr>
+          <p:nvPr/>
+        </p:nvPicPr>
+        <p:blipFill>
+          <a:blip r:embed="rId5"/>
+          <a:stretch>
+            <a:fillRect/>
+          </a:stretch>
+        </p:blipFill>
+        <p:spPr>
+          <a:xfrm flipH="1">
+            <a:off x="1730785" y="2660263"/>
+            <a:ext cx="677922" cy="621819"/>
+          </a:xfrm>
+          <a:prstGeom prst="rect">
+            <a:avLst/>
+          </a:prstGeom>
+        </p:spPr>
+      </p:pic>
+      <p:pic>
+        <p:nvPicPr>
+          <p:cNvPr id="19" name="図 18">
+            <a:extLst>
+              <a:ext uri="{FF2B5EF4-FFF2-40B4-BE49-F238E27FC236}">
+                <a16:creationId xmlns:a16="http://schemas.microsoft.com/office/drawing/2014/main" id="{269FD4F9-8F77-654E-83AF-2C1507A02EAC}"/>
+              </a:ext>
+            </a:extLst>
+          </p:cNvPr>
+          <p:cNvPicPr>
+            <a:picLocks noChangeAspect="1"/>
+          </p:cNvPicPr>
+          <p:nvPr/>
+        </p:nvPicPr>
+        <p:blipFill>
+          <a:blip r:embed="rId3"/>
+          <a:stretch>
+            <a:fillRect/>
+          </a:stretch>
+        </p:blipFill>
+        <p:spPr>
+          <a:xfrm flipH="1">
+            <a:off x="2735226" y="2767796"/>
+            <a:ext cx="514286" cy="514286"/>
+          </a:xfrm>
+          <a:prstGeom prst="rect">
+            <a:avLst/>
+          </a:prstGeom>
+        </p:spPr>
+      </p:pic>
+      <p:pic>
+        <p:nvPicPr>
+          <p:cNvPr id="20" name="図 19">
+            <a:extLst>
+              <a:ext uri="{FF2B5EF4-FFF2-40B4-BE49-F238E27FC236}">
+                <a16:creationId xmlns:a16="http://schemas.microsoft.com/office/drawing/2014/main" id="{D8A2F1F1-19AC-EB49-9072-F59926FD934B}"/>
+              </a:ext>
+            </a:extLst>
+          </p:cNvPr>
+          <p:cNvPicPr>
+            <a:picLocks noChangeAspect="1"/>
+          </p:cNvPicPr>
+          <p:nvPr/>
+        </p:nvPicPr>
+        <p:blipFill>
+          <a:blip r:embed="rId5"/>
+          <a:stretch>
+            <a:fillRect/>
+          </a:stretch>
+        </p:blipFill>
+        <p:spPr>
+          <a:xfrm flipH="1">
+            <a:off x="5318420" y="2660263"/>
+            <a:ext cx="677922" cy="621819"/>
+          </a:xfrm>
+          <a:prstGeom prst="rect">
+            <a:avLst/>
+          </a:prstGeom>
+        </p:spPr>
+      </p:pic>
+      <p:pic>
+        <p:nvPicPr>
+          <p:cNvPr id="21" name="図 20">
+            <a:extLst>
+              <a:ext uri="{FF2B5EF4-FFF2-40B4-BE49-F238E27FC236}">
+                <a16:creationId xmlns:a16="http://schemas.microsoft.com/office/drawing/2014/main" id="{FFAFE344-564F-3A44-AC3C-36125709B108}"/>
+              </a:ext>
+            </a:extLst>
+          </p:cNvPr>
+          <p:cNvPicPr>
+            <a:picLocks noChangeAspect="1"/>
+          </p:cNvPicPr>
+          <p:nvPr/>
+        </p:nvPicPr>
+        <p:blipFill>
+          <a:blip r:embed="rId3"/>
+          <a:stretch>
+            <a:fillRect/>
+          </a:stretch>
+        </p:blipFill>
+        <p:spPr>
+          <a:xfrm flipH="1">
+            <a:off x="6322861" y="2767796"/>
+            <a:ext cx="514286" cy="514286"/>
+          </a:xfrm>
+          <a:prstGeom prst="rect">
+            <a:avLst/>
+          </a:prstGeom>
+        </p:spPr>
+      </p:pic>
+      <p:sp>
+        <p:nvSpPr>
+          <p:cNvPr id="22" name="テキスト ボックス 21">
+            <a:extLst>
+              <a:ext uri="{FF2B5EF4-FFF2-40B4-BE49-F238E27FC236}">
+                <a16:creationId xmlns:a16="http://schemas.microsoft.com/office/drawing/2014/main" id="{BD16E6B2-3A63-AF48-9A77-849B99E2C47F}"/>
+              </a:ext>
+            </a:extLst>
+          </p:cNvPr>
+          <p:cNvSpPr txBox="1"/>
+          <p:nvPr/>
+        </p:nvSpPr>
+        <p:spPr>
+          <a:xfrm flipH="1">
+            <a:off x="2447811" y="2574196"/>
+            <a:ext cx="248311" cy="707886"/>
+          </a:xfrm>
+          <a:prstGeom prst="rect">
+            <a:avLst/>
+          </a:prstGeom>
+          <a:noFill/>
+        </p:spPr>
+        <p:txBody>
+          <a:bodyPr wrap="square" rtlCol="0">
+            <a:spAutoFit/>
+          </a:bodyPr>
+          <a:lstStyle/>
+          <a:p>
+            <a:r>
+              <a:rPr lang="en-US" altLang="ja-JP" sz="4000"/>
+              <a:t>,</a:t>
+            </a:r>
+            <a:endParaRPr kumimoji="1" lang="ja-JP" altLang="en-US" sz="4000"/>
+          </a:p>
+        </p:txBody>
+      </p:sp>
+      <p:sp>
+        <p:nvSpPr>
+          <p:cNvPr id="23" name="テキスト ボックス 22">
+            <a:extLst>
+              <a:ext uri="{FF2B5EF4-FFF2-40B4-BE49-F238E27FC236}">
+                <a16:creationId xmlns:a16="http://schemas.microsoft.com/office/drawing/2014/main" id="{A873399D-8D6C-FF49-A5A0-2BD220540609}"/>
+              </a:ext>
+            </a:extLst>
+          </p:cNvPr>
+          <p:cNvSpPr txBox="1"/>
+          <p:nvPr/>
+        </p:nvSpPr>
+        <p:spPr>
+          <a:xfrm flipH="1">
+            <a:off x="179512" y="2348880"/>
+            <a:ext cx="1728193" cy="1077218"/>
+          </a:xfrm>
+          <a:prstGeom prst="rect">
+            <a:avLst/>
+          </a:prstGeom>
+          <a:noFill/>
+        </p:spPr>
+        <p:txBody>
+          <a:bodyPr wrap="square" rtlCol="0">
+            <a:spAutoFit/>
+          </a:bodyPr>
+          <a:lstStyle/>
+          <a:p>
+            <a:r>
+              <a:rPr kumimoji="1" lang="en-US" altLang="ja-JP" sz="6400">
+                <a:solidFill>
+                  <a:srgbClr val="FF0000"/>
+                </a:solidFill>
+              </a:rPr>
+              <a:t>set(</a:t>
+            </a:r>
+            <a:r>
+              <a:rPr kumimoji="1" lang="en-US" altLang="ja-JP" sz="6400"/>
+              <a:t>[</a:t>
+            </a:r>
+            <a:endParaRPr kumimoji="1" lang="ja-JP" altLang="en-US" sz="6400"/>
+          </a:p>
+        </p:txBody>
+      </p:sp>
+      <p:sp>
+        <p:nvSpPr>
+          <p:cNvPr id="24" name="テキスト ボックス 23">
+            <a:extLst>
+              <a:ext uri="{FF2B5EF4-FFF2-40B4-BE49-F238E27FC236}">
+                <a16:creationId xmlns:a16="http://schemas.microsoft.com/office/drawing/2014/main" id="{4092B2D3-97B9-5740-BC3C-F60BD635B189}"/>
+              </a:ext>
+            </a:extLst>
+          </p:cNvPr>
+          <p:cNvSpPr txBox="1"/>
+          <p:nvPr/>
+        </p:nvSpPr>
+        <p:spPr>
+          <a:xfrm flipH="1">
+            <a:off x="6876256" y="2348880"/>
+            <a:ext cx="720080" cy="1077218"/>
+          </a:xfrm>
+          <a:prstGeom prst="rect">
+            <a:avLst/>
+          </a:prstGeom>
+          <a:noFill/>
+        </p:spPr>
+        <p:txBody>
+          <a:bodyPr wrap="square" rtlCol="0">
+            <a:spAutoFit/>
+          </a:bodyPr>
+          <a:lstStyle/>
+          <a:p>
+            <a:r>
+              <a:rPr lang="en-US" altLang="ja-JP" sz="6400"/>
+              <a:t>]</a:t>
+            </a:r>
+            <a:r>
+              <a:rPr lang="en-US" altLang="ja-JP" sz="6400">
+                <a:solidFill>
+                  <a:srgbClr val="FF0000"/>
+                </a:solidFill>
+              </a:rPr>
+              <a:t>)</a:t>
+            </a:r>
+            <a:endParaRPr kumimoji="1" lang="ja-JP" altLang="en-US" sz="6400">
+              <a:solidFill>
+                <a:srgbClr val="FF0000"/>
+              </a:solidFill>
+            </a:endParaRPr>
+          </a:p>
+        </p:txBody>
+      </p:sp>
+      <p:sp>
+        <p:nvSpPr>
+          <p:cNvPr id="25" name="テキスト ボックス 24">
+            <a:extLst>
+              <a:ext uri="{FF2B5EF4-FFF2-40B4-BE49-F238E27FC236}">
+                <a16:creationId xmlns:a16="http://schemas.microsoft.com/office/drawing/2014/main" id="{BCCBC08E-2C92-BE48-956C-F0A98EA26D71}"/>
+              </a:ext>
+            </a:extLst>
+          </p:cNvPr>
+          <p:cNvSpPr txBox="1"/>
+          <p:nvPr/>
+        </p:nvSpPr>
+        <p:spPr>
+          <a:xfrm flipH="1">
+            <a:off x="3288616" y="2574196"/>
+            <a:ext cx="248311" cy="707886"/>
+          </a:xfrm>
+          <a:prstGeom prst="rect">
+            <a:avLst/>
+          </a:prstGeom>
+          <a:noFill/>
+        </p:spPr>
+        <p:txBody>
+          <a:bodyPr wrap="square" rtlCol="0">
+            <a:spAutoFit/>
+          </a:bodyPr>
+          <a:lstStyle/>
+          <a:p>
+            <a:r>
+              <a:rPr lang="en-US" altLang="ja-JP" sz="4000"/>
+              <a:t>,</a:t>
+            </a:r>
+            <a:endParaRPr kumimoji="1" lang="ja-JP" altLang="en-US" sz="4000"/>
+          </a:p>
+        </p:txBody>
+      </p:sp>
+      <p:sp>
+        <p:nvSpPr>
+          <p:cNvPr id="26" name="テキスト ボックス 25">
+            <a:extLst>
+              <a:ext uri="{FF2B5EF4-FFF2-40B4-BE49-F238E27FC236}">
+                <a16:creationId xmlns:a16="http://schemas.microsoft.com/office/drawing/2014/main" id="{9DF0865B-4636-6645-8B24-B8F072CD7BF0}"/>
+              </a:ext>
+            </a:extLst>
+          </p:cNvPr>
+          <p:cNvSpPr txBox="1"/>
+          <p:nvPr/>
+        </p:nvSpPr>
+        <p:spPr>
+          <a:xfrm flipH="1">
+            <a:off x="4190200" y="2574196"/>
+            <a:ext cx="248311" cy="707886"/>
+          </a:xfrm>
+          <a:prstGeom prst="rect">
+            <a:avLst/>
+          </a:prstGeom>
+          <a:noFill/>
+        </p:spPr>
+        <p:txBody>
+          <a:bodyPr wrap="square" rtlCol="0">
+            <a:spAutoFit/>
+          </a:bodyPr>
+          <a:lstStyle/>
+          <a:p>
+            <a:r>
+              <a:rPr lang="en-US" altLang="ja-JP" sz="4000"/>
+              <a:t>,</a:t>
+            </a:r>
+            <a:endParaRPr kumimoji="1" lang="ja-JP" altLang="en-US" sz="4000"/>
+          </a:p>
+        </p:txBody>
+      </p:sp>
+      <p:sp>
+        <p:nvSpPr>
+          <p:cNvPr id="27" name="テキスト ボックス 26">
+            <a:extLst>
+              <a:ext uri="{FF2B5EF4-FFF2-40B4-BE49-F238E27FC236}">
+                <a16:creationId xmlns:a16="http://schemas.microsoft.com/office/drawing/2014/main" id="{4C1877F2-6B28-FD4A-B3BB-B0296873DAAA}"/>
+              </a:ext>
+            </a:extLst>
+          </p:cNvPr>
+          <p:cNvSpPr txBox="1"/>
+          <p:nvPr/>
+        </p:nvSpPr>
+        <p:spPr>
+          <a:xfrm flipH="1">
+            <a:off x="5031005" y="2574196"/>
+            <a:ext cx="248311" cy="707886"/>
+          </a:xfrm>
+          <a:prstGeom prst="rect">
+            <a:avLst/>
+          </a:prstGeom>
+          <a:noFill/>
+        </p:spPr>
+        <p:txBody>
+          <a:bodyPr wrap="square" rtlCol="0">
+            <a:spAutoFit/>
+          </a:bodyPr>
+          <a:lstStyle/>
+          <a:p>
+            <a:r>
+              <a:rPr lang="en-US" altLang="ja-JP" sz="4000"/>
+              <a:t>,</a:t>
+            </a:r>
+            <a:endParaRPr kumimoji="1" lang="ja-JP" altLang="en-US" sz="4000"/>
+          </a:p>
+        </p:txBody>
+      </p:sp>
+      <p:sp>
+        <p:nvSpPr>
+          <p:cNvPr id="28" name="テキスト ボックス 27">
+            <a:extLst>
+              <a:ext uri="{FF2B5EF4-FFF2-40B4-BE49-F238E27FC236}">
+                <a16:creationId xmlns:a16="http://schemas.microsoft.com/office/drawing/2014/main" id="{8074F62A-17D2-AB4E-B436-DB483A93CC99}"/>
+              </a:ext>
+            </a:extLst>
+          </p:cNvPr>
+          <p:cNvSpPr txBox="1"/>
+          <p:nvPr/>
+        </p:nvSpPr>
+        <p:spPr>
+          <a:xfrm flipH="1">
+            <a:off x="6035446" y="2574196"/>
+            <a:ext cx="248311" cy="707886"/>
+          </a:xfrm>
+          <a:prstGeom prst="rect">
+            <a:avLst/>
+          </a:prstGeom>
+          <a:noFill/>
+        </p:spPr>
+        <p:txBody>
+          <a:bodyPr wrap="square" rtlCol="0">
+            <a:spAutoFit/>
+          </a:bodyPr>
+          <a:lstStyle/>
+          <a:p>
+            <a:r>
+              <a:rPr lang="en-US" altLang="ja-JP" sz="4000"/>
+              <a:t>,</a:t>
+            </a:r>
+            <a:endParaRPr kumimoji="1" lang="ja-JP" altLang="en-US" sz="4000"/>
+          </a:p>
+        </p:txBody>
+      </p:sp>
+      <p:sp>
+        <p:nvSpPr>
+          <p:cNvPr id="29" name="テキスト ボックス 28">
+            <a:extLst>
+              <a:ext uri="{FF2B5EF4-FFF2-40B4-BE49-F238E27FC236}">
+                <a16:creationId xmlns:a16="http://schemas.microsoft.com/office/drawing/2014/main" id="{E6C93EDC-80F0-8A49-8075-82FD9F1553F7}"/>
+              </a:ext>
+            </a:extLst>
+          </p:cNvPr>
+          <p:cNvSpPr txBox="1"/>
+          <p:nvPr/>
+        </p:nvSpPr>
+        <p:spPr>
+          <a:xfrm flipH="1">
+            <a:off x="1403648" y="3429000"/>
+            <a:ext cx="936104" cy="1077218"/>
+          </a:xfrm>
+          <a:prstGeom prst="rect">
+            <a:avLst/>
+          </a:prstGeom>
+          <a:noFill/>
+        </p:spPr>
+        <p:txBody>
+          <a:bodyPr wrap="square" rtlCol="0">
+            <a:spAutoFit/>
+          </a:bodyPr>
+          <a:lstStyle/>
+          <a:p>
+            <a:r>
+              <a:rPr kumimoji="1" lang="en-US" altLang="ja-JP" sz="6400"/>
+              <a:t>=</a:t>
+            </a:r>
+            <a:r>
+              <a:rPr kumimoji="1" lang="en-US" altLang="ja-JP" sz="6400">
+                <a:solidFill>
+                  <a:srgbClr val="0070C0"/>
+                </a:solidFill>
+              </a:rPr>
+              <a:t>{</a:t>
+            </a:r>
+            <a:endParaRPr kumimoji="1" lang="ja-JP" altLang="en-US" sz="6400">
+              <a:solidFill>
+                <a:srgbClr val="0070C0"/>
+              </a:solidFill>
+            </a:endParaRPr>
+          </a:p>
+        </p:txBody>
+      </p:sp>
+      <p:sp>
+        <p:nvSpPr>
+          <p:cNvPr id="30" name="テキスト ボックス 29">
+            <a:extLst>
+              <a:ext uri="{FF2B5EF4-FFF2-40B4-BE49-F238E27FC236}">
+                <a16:creationId xmlns:a16="http://schemas.microsoft.com/office/drawing/2014/main" id="{91D62A27-6844-9D45-B538-4D3861985AED}"/>
+              </a:ext>
+            </a:extLst>
+          </p:cNvPr>
+          <p:cNvSpPr txBox="1"/>
+          <p:nvPr/>
+        </p:nvSpPr>
+        <p:spPr>
+          <a:xfrm flipH="1">
+            <a:off x="4427984" y="3429000"/>
+            <a:ext cx="504056" cy="1077218"/>
+          </a:xfrm>
+          <a:prstGeom prst="rect">
+            <a:avLst/>
+          </a:prstGeom>
+          <a:noFill/>
+        </p:spPr>
+        <p:txBody>
+          <a:bodyPr wrap="square" rtlCol="0">
+            <a:spAutoFit/>
+          </a:bodyPr>
+          <a:lstStyle/>
+          <a:p>
+            <a:r>
+              <a:rPr kumimoji="1" lang="en-US" altLang="ja-JP" sz="6400">
+                <a:solidFill>
+                  <a:srgbClr val="0070C0"/>
+                </a:solidFill>
+              </a:rPr>
+              <a:t>}</a:t>
+            </a:r>
+            <a:endParaRPr kumimoji="1" lang="ja-JP" altLang="en-US" sz="6400">
+              <a:solidFill>
+                <a:srgbClr val="0070C0"/>
+              </a:solidFill>
+            </a:endParaRPr>
+          </a:p>
+        </p:txBody>
+      </p:sp>
+      <p:pic>
+        <p:nvPicPr>
+          <p:cNvPr id="31" name="図 30">
+            <a:extLst>
+              <a:ext uri="{FF2B5EF4-FFF2-40B4-BE49-F238E27FC236}">
+                <a16:creationId xmlns:a16="http://schemas.microsoft.com/office/drawing/2014/main" id="{6A5FD4E8-310D-8345-963A-3D4A53E43FBA}"/>
+              </a:ext>
+            </a:extLst>
+          </p:cNvPr>
+          <p:cNvPicPr>
+            <a:picLocks noChangeAspect="1"/>
+          </p:cNvPicPr>
+          <p:nvPr/>
+        </p:nvPicPr>
+        <p:blipFill>
+          <a:blip r:embed="rId4"/>
+          <a:stretch>
+            <a:fillRect/>
+          </a:stretch>
+        </p:blipFill>
+        <p:spPr>
+          <a:xfrm flipH="1">
+            <a:off x="3995936" y="3717032"/>
+            <a:ext cx="575065" cy="631168"/>
+          </a:xfrm>
+          <a:prstGeom prst="rect">
+            <a:avLst/>
+          </a:prstGeom>
+        </p:spPr>
+      </p:pic>
+      <p:pic>
+        <p:nvPicPr>
+          <p:cNvPr id="32" name="図 31">
+            <a:extLst>
+              <a:ext uri="{FF2B5EF4-FFF2-40B4-BE49-F238E27FC236}">
+                <a16:creationId xmlns:a16="http://schemas.microsoft.com/office/drawing/2014/main" id="{E52D9F1F-4134-9545-9813-F0F83E8766CC}"/>
+              </a:ext>
+            </a:extLst>
+          </p:cNvPr>
+          <p:cNvPicPr>
+            <a:picLocks noChangeAspect="1"/>
+          </p:cNvPicPr>
+          <p:nvPr/>
+        </p:nvPicPr>
+        <p:blipFill>
+          <a:blip r:embed="rId5"/>
+          <a:stretch>
+            <a:fillRect/>
+          </a:stretch>
+        </p:blipFill>
+        <p:spPr>
+          <a:xfrm flipH="1">
+            <a:off x="2150690" y="3726381"/>
+            <a:ext cx="677922" cy="621819"/>
+          </a:xfrm>
+          <a:prstGeom prst="rect">
+            <a:avLst/>
+          </a:prstGeom>
+        </p:spPr>
+      </p:pic>
+      <p:pic>
+        <p:nvPicPr>
+          <p:cNvPr id="33" name="図 32">
+            <a:extLst>
+              <a:ext uri="{FF2B5EF4-FFF2-40B4-BE49-F238E27FC236}">
+                <a16:creationId xmlns:a16="http://schemas.microsoft.com/office/drawing/2014/main" id="{AF34C420-92D7-B24B-B4DA-B5C513BB8267}"/>
+              </a:ext>
+            </a:extLst>
+          </p:cNvPr>
+          <p:cNvPicPr>
+            <a:picLocks noChangeAspect="1"/>
+          </p:cNvPicPr>
+          <p:nvPr/>
+        </p:nvPicPr>
+        <p:blipFill>
+          <a:blip r:embed="rId3"/>
+          <a:stretch>
+            <a:fillRect/>
+          </a:stretch>
+        </p:blipFill>
+        <p:spPr>
+          <a:xfrm flipH="1">
+            <a:off x="3155131" y="3833914"/>
+            <a:ext cx="514286" cy="514286"/>
+          </a:xfrm>
+          <a:prstGeom prst="rect">
+            <a:avLst/>
+          </a:prstGeom>
+        </p:spPr>
+      </p:pic>
+      <p:sp>
+        <p:nvSpPr>
+          <p:cNvPr id="34" name="テキスト ボックス 33">
+            <a:extLst>
+              <a:ext uri="{FF2B5EF4-FFF2-40B4-BE49-F238E27FC236}">
+                <a16:creationId xmlns:a16="http://schemas.microsoft.com/office/drawing/2014/main" id="{53C989DF-7805-6A42-A9EC-7965B1BDBB26}"/>
+              </a:ext>
+            </a:extLst>
+          </p:cNvPr>
+          <p:cNvSpPr txBox="1"/>
+          <p:nvPr/>
+        </p:nvSpPr>
+        <p:spPr>
+          <a:xfrm flipH="1">
+            <a:off x="2867716" y="3640314"/>
+            <a:ext cx="248311" cy="707886"/>
+          </a:xfrm>
+          <a:prstGeom prst="rect">
+            <a:avLst/>
+          </a:prstGeom>
+          <a:noFill/>
+        </p:spPr>
+        <p:txBody>
+          <a:bodyPr wrap="square" rtlCol="0">
+            <a:spAutoFit/>
+          </a:bodyPr>
+          <a:lstStyle/>
+          <a:p>
+            <a:r>
+              <a:rPr lang="en-US" altLang="ja-JP" sz="4000"/>
+              <a:t>,</a:t>
+            </a:r>
+            <a:endParaRPr kumimoji="1" lang="ja-JP" altLang="en-US" sz="4000"/>
+          </a:p>
+        </p:txBody>
+      </p:sp>
+      <p:sp>
+        <p:nvSpPr>
+          <p:cNvPr id="35" name="テキスト ボックス 34">
+            <a:extLst>
+              <a:ext uri="{FF2B5EF4-FFF2-40B4-BE49-F238E27FC236}">
+                <a16:creationId xmlns:a16="http://schemas.microsoft.com/office/drawing/2014/main" id="{08B85184-6B85-3440-9C89-34854BA500D4}"/>
+              </a:ext>
+            </a:extLst>
+          </p:cNvPr>
+          <p:cNvSpPr txBox="1"/>
+          <p:nvPr/>
+        </p:nvSpPr>
+        <p:spPr>
+          <a:xfrm flipH="1">
+            <a:off x="3708521" y="3640314"/>
+            <a:ext cx="248311" cy="707886"/>
+          </a:xfrm>
+          <a:prstGeom prst="rect">
+            <a:avLst/>
+          </a:prstGeom>
+          <a:noFill/>
+        </p:spPr>
+        <p:txBody>
+          <a:bodyPr wrap="square" rtlCol="0">
+            <a:spAutoFit/>
+          </a:bodyPr>
+          <a:lstStyle/>
+          <a:p>
+            <a:r>
+              <a:rPr lang="en-US" altLang="ja-JP" sz="4000"/>
+              <a:t>,</a:t>
+            </a:r>
+            <a:endParaRPr kumimoji="1" lang="ja-JP" altLang="en-US" sz="4000"/>
+          </a:p>
+        </p:txBody>
+      </p:sp>
+      <p:sp>
+        <p:nvSpPr>
+          <p:cNvPr id="36" name="テキスト ボックス 35">
+            <a:extLst>
+              <a:ext uri="{FF2B5EF4-FFF2-40B4-BE49-F238E27FC236}">
+                <a16:creationId xmlns:a16="http://schemas.microsoft.com/office/drawing/2014/main" id="{252CE3B3-BA64-1F44-B217-7149B8B746B1}"/>
+              </a:ext>
+            </a:extLst>
+          </p:cNvPr>
+          <p:cNvSpPr txBox="1"/>
+          <p:nvPr/>
+        </p:nvSpPr>
+        <p:spPr>
+          <a:xfrm>
+            <a:off x="1691680" y="332656"/>
+            <a:ext cx="2880917" cy="523220"/>
+          </a:xfrm>
+          <a:prstGeom prst="rect">
+            <a:avLst/>
+          </a:prstGeom>
+          <a:noFill/>
+        </p:spPr>
+        <p:txBody>
+          <a:bodyPr wrap="none" rtlCol="0">
+            <a:spAutoFit/>
+          </a:bodyPr>
+          <a:lstStyle/>
+          <a:p>
+            <a:r>
+              <a:rPr kumimoji="1" lang="en-US" altLang="ja-JP" sz="2800"/>
+              <a:t>6</a:t>
+            </a:r>
+            <a:r>
+              <a:rPr kumimoji="1" lang="ja-JP" altLang="en-US" sz="2800"/>
+              <a:t>人の手のリスト</a:t>
+            </a:r>
+          </a:p>
+        </p:txBody>
+      </p:sp>
+      <p:sp>
+        <p:nvSpPr>
+          <p:cNvPr id="37" name="テキスト ボックス 36">
+            <a:extLst>
+              <a:ext uri="{FF2B5EF4-FFF2-40B4-BE49-F238E27FC236}">
+                <a16:creationId xmlns:a16="http://schemas.microsoft.com/office/drawing/2014/main" id="{F8B9A02A-9EDA-E24E-B3D4-796C5C4AA629}"/>
+              </a:ext>
+            </a:extLst>
+          </p:cNvPr>
+          <p:cNvSpPr txBox="1"/>
+          <p:nvPr/>
+        </p:nvSpPr>
+        <p:spPr>
+          <a:xfrm>
+            <a:off x="4860032" y="3789040"/>
+            <a:ext cx="4134465" cy="523220"/>
+          </a:xfrm>
+          <a:prstGeom prst="rect">
+            <a:avLst/>
+          </a:prstGeom>
+          <a:noFill/>
+        </p:spPr>
+        <p:txBody>
+          <a:bodyPr wrap="none" rtlCol="0">
+            <a:spAutoFit/>
+          </a:bodyPr>
+          <a:lstStyle/>
+          <a:p>
+            <a:r>
+              <a:rPr kumimoji="1" lang="ja-JP" altLang="en-US" sz="2800"/>
+              <a:t>三種類なので「あいこ」</a:t>
+            </a:r>
+          </a:p>
+        </p:txBody>
+      </p:sp>
+      <p:pic>
+        <p:nvPicPr>
+          <p:cNvPr id="38" name="図 37">
+            <a:extLst>
+              <a:ext uri="{FF2B5EF4-FFF2-40B4-BE49-F238E27FC236}">
+                <a16:creationId xmlns:a16="http://schemas.microsoft.com/office/drawing/2014/main" id="{AD88080E-45CD-2746-A2EC-1F35C15B00BD}"/>
+              </a:ext>
+            </a:extLst>
+          </p:cNvPr>
+          <p:cNvPicPr>
+            <a:picLocks noChangeAspect="1"/>
+          </p:cNvPicPr>
+          <p:nvPr/>
+        </p:nvPicPr>
+        <p:blipFill>
+          <a:blip r:embed="rId3"/>
+          <a:stretch>
+            <a:fillRect/>
+          </a:stretch>
+        </p:blipFill>
+        <p:spPr>
+          <a:xfrm flipH="1">
+            <a:off x="5436096" y="4869160"/>
+            <a:ext cx="514286" cy="514286"/>
+          </a:xfrm>
+          <a:prstGeom prst="rect">
+            <a:avLst/>
+          </a:prstGeom>
+        </p:spPr>
+      </p:pic>
+      <p:pic>
+        <p:nvPicPr>
+          <p:cNvPr id="40" name="図 39">
+            <a:extLst>
+              <a:ext uri="{FF2B5EF4-FFF2-40B4-BE49-F238E27FC236}">
+                <a16:creationId xmlns:a16="http://schemas.microsoft.com/office/drawing/2014/main" id="{A9B46650-E138-D64A-A267-16F8AA523C8E}"/>
+              </a:ext>
+            </a:extLst>
+          </p:cNvPr>
+          <p:cNvPicPr>
+            <a:picLocks noChangeAspect="1"/>
+          </p:cNvPicPr>
+          <p:nvPr/>
+        </p:nvPicPr>
+        <p:blipFill>
+          <a:blip r:embed="rId5"/>
+          <a:stretch>
+            <a:fillRect/>
+          </a:stretch>
+        </p:blipFill>
+        <p:spPr>
+          <a:xfrm flipH="1">
+            <a:off x="1730785" y="4748495"/>
+            <a:ext cx="677922" cy="621819"/>
+          </a:xfrm>
+          <a:prstGeom prst="rect">
+            <a:avLst/>
+          </a:prstGeom>
+        </p:spPr>
+      </p:pic>
+      <p:pic>
+        <p:nvPicPr>
+          <p:cNvPr id="41" name="図 40">
+            <a:extLst>
+              <a:ext uri="{FF2B5EF4-FFF2-40B4-BE49-F238E27FC236}">
+                <a16:creationId xmlns:a16="http://schemas.microsoft.com/office/drawing/2014/main" id="{9B5DA989-9F90-B14D-A779-3229BBB8EBEA}"/>
+              </a:ext>
+            </a:extLst>
+          </p:cNvPr>
+          <p:cNvPicPr>
+            <a:picLocks noChangeAspect="1"/>
+          </p:cNvPicPr>
+          <p:nvPr/>
+        </p:nvPicPr>
+        <p:blipFill>
+          <a:blip r:embed="rId3"/>
+          <a:stretch>
+            <a:fillRect/>
+          </a:stretch>
+        </p:blipFill>
+        <p:spPr>
+          <a:xfrm flipH="1">
+            <a:off x="2735226" y="4856028"/>
+            <a:ext cx="514286" cy="514286"/>
+          </a:xfrm>
+          <a:prstGeom prst="rect">
+            <a:avLst/>
+          </a:prstGeom>
+        </p:spPr>
+      </p:pic>
+      <p:pic>
+        <p:nvPicPr>
+          <p:cNvPr id="42" name="図 41">
+            <a:extLst>
+              <a:ext uri="{FF2B5EF4-FFF2-40B4-BE49-F238E27FC236}">
+                <a16:creationId xmlns:a16="http://schemas.microsoft.com/office/drawing/2014/main" id="{0AFAF413-68C1-B541-83CA-6DD9A5E1A19E}"/>
+              </a:ext>
+            </a:extLst>
+          </p:cNvPr>
+          <p:cNvPicPr>
+            <a:picLocks noChangeAspect="1"/>
+          </p:cNvPicPr>
+          <p:nvPr/>
+        </p:nvPicPr>
+        <p:blipFill>
+          <a:blip r:embed="rId5"/>
+          <a:stretch>
+            <a:fillRect/>
+          </a:stretch>
+        </p:blipFill>
+        <p:spPr>
+          <a:xfrm flipH="1">
+            <a:off x="4427984" y="4725144"/>
+            <a:ext cx="677922" cy="621819"/>
+          </a:xfrm>
+          <a:prstGeom prst="rect">
+            <a:avLst/>
+          </a:prstGeom>
+        </p:spPr>
+      </p:pic>
+      <p:pic>
+        <p:nvPicPr>
+          <p:cNvPr id="43" name="図 42">
+            <a:extLst>
+              <a:ext uri="{FF2B5EF4-FFF2-40B4-BE49-F238E27FC236}">
+                <a16:creationId xmlns:a16="http://schemas.microsoft.com/office/drawing/2014/main" id="{F9DEC025-76B9-3246-B4FA-6D0FAC1FAF1F}"/>
+              </a:ext>
+            </a:extLst>
+          </p:cNvPr>
+          <p:cNvPicPr>
+            <a:picLocks noChangeAspect="1"/>
+          </p:cNvPicPr>
+          <p:nvPr/>
+        </p:nvPicPr>
+        <p:blipFill>
+          <a:blip r:embed="rId3"/>
+          <a:stretch>
+            <a:fillRect/>
+          </a:stretch>
+        </p:blipFill>
+        <p:spPr>
+          <a:xfrm flipH="1">
+            <a:off x="6322861" y="4856028"/>
+            <a:ext cx="514286" cy="514286"/>
+          </a:xfrm>
+          <a:prstGeom prst="rect">
+            <a:avLst/>
+          </a:prstGeom>
+        </p:spPr>
+      </p:pic>
+      <p:sp>
+        <p:nvSpPr>
+          <p:cNvPr id="44" name="テキスト ボックス 43">
+            <a:extLst>
+              <a:ext uri="{FF2B5EF4-FFF2-40B4-BE49-F238E27FC236}">
+                <a16:creationId xmlns:a16="http://schemas.microsoft.com/office/drawing/2014/main" id="{C832159F-6850-2C44-B3C8-5978496A1441}"/>
+              </a:ext>
+            </a:extLst>
+          </p:cNvPr>
+          <p:cNvSpPr txBox="1"/>
+          <p:nvPr/>
+        </p:nvSpPr>
+        <p:spPr>
+          <a:xfrm flipH="1">
+            <a:off x="2447811" y="4662428"/>
+            <a:ext cx="248311" cy="707886"/>
+          </a:xfrm>
+          <a:prstGeom prst="rect">
+            <a:avLst/>
+          </a:prstGeom>
+          <a:noFill/>
+        </p:spPr>
+        <p:txBody>
+          <a:bodyPr wrap="square" rtlCol="0">
+            <a:spAutoFit/>
+          </a:bodyPr>
+          <a:lstStyle/>
+          <a:p>
+            <a:r>
+              <a:rPr lang="en-US" altLang="ja-JP" sz="4000"/>
+              <a:t>,</a:t>
+            </a:r>
+            <a:endParaRPr kumimoji="1" lang="ja-JP" altLang="en-US" sz="4000"/>
+          </a:p>
+        </p:txBody>
+      </p:sp>
+      <p:sp>
+        <p:nvSpPr>
+          <p:cNvPr id="47" name="テキスト ボックス 46">
+            <a:extLst>
+              <a:ext uri="{FF2B5EF4-FFF2-40B4-BE49-F238E27FC236}">
+                <a16:creationId xmlns:a16="http://schemas.microsoft.com/office/drawing/2014/main" id="{599EE95E-1930-D84F-8AFF-C6580D622303}"/>
+              </a:ext>
+            </a:extLst>
+          </p:cNvPr>
+          <p:cNvSpPr txBox="1"/>
+          <p:nvPr/>
+        </p:nvSpPr>
+        <p:spPr>
+          <a:xfrm flipH="1">
+            <a:off x="3288616" y="4662428"/>
+            <a:ext cx="248311" cy="707886"/>
+          </a:xfrm>
+          <a:prstGeom prst="rect">
+            <a:avLst/>
+          </a:prstGeom>
+          <a:noFill/>
+        </p:spPr>
+        <p:txBody>
+          <a:bodyPr wrap="square" rtlCol="0">
+            <a:spAutoFit/>
+          </a:bodyPr>
+          <a:lstStyle/>
+          <a:p>
+            <a:r>
+              <a:rPr lang="en-US" altLang="ja-JP" sz="4000"/>
+              <a:t>,</a:t>
+            </a:r>
+            <a:endParaRPr kumimoji="1" lang="ja-JP" altLang="en-US" sz="4000"/>
+          </a:p>
+        </p:txBody>
+      </p:sp>
+      <p:sp>
+        <p:nvSpPr>
+          <p:cNvPr id="48" name="テキスト ボックス 47">
+            <a:extLst>
+              <a:ext uri="{FF2B5EF4-FFF2-40B4-BE49-F238E27FC236}">
+                <a16:creationId xmlns:a16="http://schemas.microsoft.com/office/drawing/2014/main" id="{FA557A77-B0EF-9943-99B1-BD7E223DE7CB}"/>
+              </a:ext>
+            </a:extLst>
+          </p:cNvPr>
+          <p:cNvSpPr txBox="1"/>
+          <p:nvPr/>
+        </p:nvSpPr>
+        <p:spPr>
+          <a:xfrm flipH="1">
+            <a:off x="4190200" y="4662428"/>
+            <a:ext cx="248311" cy="707886"/>
+          </a:xfrm>
+          <a:prstGeom prst="rect">
+            <a:avLst/>
+          </a:prstGeom>
+          <a:noFill/>
+        </p:spPr>
+        <p:txBody>
+          <a:bodyPr wrap="square" rtlCol="0">
+            <a:spAutoFit/>
+          </a:bodyPr>
+          <a:lstStyle/>
+          <a:p>
+            <a:r>
+              <a:rPr lang="en-US" altLang="ja-JP" sz="4000"/>
+              <a:t>,</a:t>
+            </a:r>
+            <a:endParaRPr kumimoji="1" lang="ja-JP" altLang="en-US" sz="4000"/>
+          </a:p>
+        </p:txBody>
+      </p:sp>
+      <p:sp>
+        <p:nvSpPr>
+          <p:cNvPr id="49" name="テキスト ボックス 48">
+            <a:extLst>
+              <a:ext uri="{FF2B5EF4-FFF2-40B4-BE49-F238E27FC236}">
+                <a16:creationId xmlns:a16="http://schemas.microsoft.com/office/drawing/2014/main" id="{6FF59E90-24FD-A04C-8F36-1667D658DF39}"/>
+              </a:ext>
+            </a:extLst>
+          </p:cNvPr>
+          <p:cNvSpPr txBox="1"/>
+          <p:nvPr/>
+        </p:nvSpPr>
+        <p:spPr>
+          <a:xfrm flipH="1">
+            <a:off x="5031005" y="4662428"/>
+            <a:ext cx="248311" cy="707886"/>
+          </a:xfrm>
+          <a:prstGeom prst="rect">
+            <a:avLst/>
+          </a:prstGeom>
+          <a:noFill/>
+        </p:spPr>
+        <p:txBody>
+          <a:bodyPr wrap="square" rtlCol="0">
+            <a:spAutoFit/>
+          </a:bodyPr>
+          <a:lstStyle/>
+          <a:p>
+            <a:r>
+              <a:rPr lang="en-US" altLang="ja-JP" sz="4000"/>
+              <a:t>,</a:t>
+            </a:r>
+            <a:endParaRPr kumimoji="1" lang="ja-JP" altLang="en-US" sz="4000"/>
+          </a:p>
+        </p:txBody>
+      </p:sp>
+      <p:sp>
+        <p:nvSpPr>
+          <p:cNvPr id="50" name="テキスト ボックス 49">
+            <a:extLst>
+              <a:ext uri="{FF2B5EF4-FFF2-40B4-BE49-F238E27FC236}">
+                <a16:creationId xmlns:a16="http://schemas.microsoft.com/office/drawing/2014/main" id="{4C4757E8-20D4-6142-AECF-586BA642DE3A}"/>
+              </a:ext>
+            </a:extLst>
+          </p:cNvPr>
+          <p:cNvSpPr txBox="1"/>
+          <p:nvPr/>
+        </p:nvSpPr>
+        <p:spPr>
+          <a:xfrm flipH="1">
+            <a:off x="6035446" y="4662428"/>
+            <a:ext cx="248311" cy="707886"/>
+          </a:xfrm>
+          <a:prstGeom prst="rect">
+            <a:avLst/>
+          </a:prstGeom>
+          <a:noFill/>
+        </p:spPr>
+        <p:txBody>
+          <a:bodyPr wrap="square" rtlCol="0">
+            <a:spAutoFit/>
+          </a:bodyPr>
+          <a:lstStyle/>
+          <a:p>
+            <a:r>
+              <a:rPr lang="en-US" altLang="ja-JP" sz="4000"/>
+              <a:t>,</a:t>
+            </a:r>
+            <a:endParaRPr kumimoji="1" lang="ja-JP" altLang="en-US" sz="4000"/>
+          </a:p>
+        </p:txBody>
+      </p:sp>
+      <p:pic>
+        <p:nvPicPr>
+          <p:cNvPr id="51" name="図 50">
+            <a:extLst>
+              <a:ext uri="{FF2B5EF4-FFF2-40B4-BE49-F238E27FC236}">
+                <a16:creationId xmlns:a16="http://schemas.microsoft.com/office/drawing/2014/main" id="{0F4E0089-EA72-0244-B61C-5F1E8855C851}"/>
+              </a:ext>
+            </a:extLst>
+          </p:cNvPr>
+          <p:cNvPicPr>
+            <a:picLocks noChangeAspect="1"/>
+          </p:cNvPicPr>
+          <p:nvPr/>
+        </p:nvPicPr>
+        <p:blipFill>
+          <a:blip r:embed="rId5"/>
+          <a:stretch>
+            <a:fillRect/>
+          </a:stretch>
+        </p:blipFill>
+        <p:spPr>
+          <a:xfrm flipH="1">
+            <a:off x="3563888" y="4725144"/>
+            <a:ext cx="677922" cy="621819"/>
+          </a:xfrm>
+          <a:prstGeom prst="rect">
+            <a:avLst/>
+          </a:prstGeom>
+        </p:spPr>
+      </p:pic>
+      <p:sp>
+        <p:nvSpPr>
+          <p:cNvPr id="52" name="テキスト ボックス 51">
+            <a:extLst>
+              <a:ext uri="{FF2B5EF4-FFF2-40B4-BE49-F238E27FC236}">
+                <a16:creationId xmlns:a16="http://schemas.microsoft.com/office/drawing/2014/main" id="{3AC0C610-607C-2341-A1FF-D204F53E9E1A}"/>
+              </a:ext>
+            </a:extLst>
+          </p:cNvPr>
+          <p:cNvSpPr txBox="1"/>
+          <p:nvPr/>
+        </p:nvSpPr>
+        <p:spPr>
+          <a:xfrm flipH="1">
+            <a:off x="179512" y="4437112"/>
+            <a:ext cx="1728193" cy="1077218"/>
+          </a:xfrm>
+          <a:prstGeom prst="rect">
+            <a:avLst/>
+          </a:prstGeom>
+          <a:noFill/>
+        </p:spPr>
+        <p:txBody>
+          <a:bodyPr wrap="square" rtlCol="0">
+            <a:spAutoFit/>
+          </a:bodyPr>
+          <a:lstStyle/>
+          <a:p>
+            <a:r>
+              <a:rPr kumimoji="1" lang="en-US" altLang="ja-JP" sz="6400">
+                <a:solidFill>
+                  <a:srgbClr val="FF0000"/>
+                </a:solidFill>
+              </a:rPr>
+              <a:t>set(</a:t>
+            </a:r>
+            <a:r>
+              <a:rPr kumimoji="1" lang="en-US" altLang="ja-JP" sz="6400"/>
+              <a:t>[</a:t>
+            </a:r>
+            <a:endParaRPr kumimoji="1" lang="ja-JP" altLang="en-US" sz="6400"/>
+          </a:p>
+        </p:txBody>
+      </p:sp>
+      <p:sp>
+        <p:nvSpPr>
+          <p:cNvPr id="53" name="テキスト ボックス 52">
+            <a:extLst>
+              <a:ext uri="{FF2B5EF4-FFF2-40B4-BE49-F238E27FC236}">
+                <a16:creationId xmlns:a16="http://schemas.microsoft.com/office/drawing/2014/main" id="{D3FBCB69-1E7B-8F45-8B82-1A47BFB1DD6A}"/>
+              </a:ext>
+            </a:extLst>
+          </p:cNvPr>
+          <p:cNvSpPr txBox="1"/>
+          <p:nvPr/>
+        </p:nvSpPr>
+        <p:spPr>
+          <a:xfrm flipH="1">
+            <a:off x="6876256" y="4509120"/>
+            <a:ext cx="720080" cy="1077218"/>
+          </a:xfrm>
+          <a:prstGeom prst="rect">
+            <a:avLst/>
+          </a:prstGeom>
+          <a:noFill/>
+        </p:spPr>
+        <p:txBody>
+          <a:bodyPr wrap="square" rtlCol="0">
+            <a:spAutoFit/>
+          </a:bodyPr>
+          <a:lstStyle/>
+          <a:p>
+            <a:r>
+              <a:rPr lang="en-US" altLang="ja-JP" sz="6400"/>
+              <a:t>]</a:t>
+            </a:r>
+            <a:r>
+              <a:rPr lang="en-US" altLang="ja-JP" sz="6400">
+                <a:solidFill>
+                  <a:srgbClr val="FF0000"/>
+                </a:solidFill>
+              </a:rPr>
+              <a:t>)</a:t>
+            </a:r>
+            <a:endParaRPr kumimoji="1" lang="ja-JP" altLang="en-US" sz="6400">
+              <a:solidFill>
+                <a:srgbClr val="FF0000"/>
+              </a:solidFill>
+            </a:endParaRPr>
+          </a:p>
+        </p:txBody>
+      </p:sp>
+      <p:sp>
+        <p:nvSpPr>
+          <p:cNvPr id="54" name="テキスト ボックス 53">
+            <a:extLst>
+              <a:ext uri="{FF2B5EF4-FFF2-40B4-BE49-F238E27FC236}">
+                <a16:creationId xmlns:a16="http://schemas.microsoft.com/office/drawing/2014/main" id="{F1A7BB9F-5CF4-F246-9D3B-FCC1A731C449}"/>
+              </a:ext>
+            </a:extLst>
+          </p:cNvPr>
+          <p:cNvSpPr txBox="1"/>
+          <p:nvPr/>
+        </p:nvSpPr>
+        <p:spPr>
+          <a:xfrm flipH="1">
+            <a:off x="1403648" y="5517232"/>
+            <a:ext cx="936104" cy="1077218"/>
+          </a:xfrm>
+          <a:prstGeom prst="rect">
+            <a:avLst/>
+          </a:prstGeom>
+          <a:noFill/>
+        </p:spPr>
+        <p:txBody>
+          <a:bodyPr wrap="square" rtlCol="0">
+            <a:spAutoFit/>
+          </a:bodyPr>
+          <a:lstStyle/>
+          <a:p>
+            <a:r>
+              <a:rPr kumimoji="1" lang="en-US" altLang="ja-JP" sz="6400"/>
+              <a:t>=</a:t>
+            </a:r>
+            <a:r>
+              <a:rPr kumimoji="1" lang="en-US" altLang="ja-JP" sz="6400">
+                <a:solidFill>
+                  <a:srgbClr val="0070C0"/>
+                </a:solidFill>
+              </a:rPr>
+              <a:t>{</a:t>
+            </a:r>
+            <a:endParaRPr kumimoji="1" lang="ja-JP" altLang="en-US" sz="6400">
+              <a:solidFill>
+                <a:srgbClr val="0070C0"/>
+              </a:solidFill>
+            </a:endParaRPr>
+          </a:p>
+        </p:txBody>
+      </p:sp>
+      <p:sp>
+        <p:nvSpPr>
+          <p:cNvPr id="55" name="テキスト ボックス 54">
+            <a:extLst>
+              <a:ext uri="{FF2B5EF4-FFF2-40B4-BE49-F238E27FC236}">
+                <a16:creationId xmlns:a16="http://schemas.microsoft.com/office/drawing/2014/main" id="{2B496684-BF40-AB4B-9FC2-EF77B3016E48}"/>
+              </a:ext>
+            </a:extLst>
+          </p:cNvPr>
+          <p:cNvSpPr txBox="1"/>
+          <p:nvPr/>
+        </p:nvSpPr>
+        <p:spPr>
+          <a:xfrm flipH="1">
+            <a:off x="3635896" y="5517232"/>
+            <a:ext cx="504056" cy="1077218"/>
+          </a:xfrm>
+          <a:prstGeom prst="rect">
+            <a:avLst/>
+          </a:prstGeom>
+          <a:noFill/>
+        </p:spPr>
+        <p:txBody>
+          <a:bodyPr wrap="square" rtlCol="0">
+            <a:spAutoFit/>
+          </a:bodyPr>
+          <a:lstStyle/>
+          <a:p>
+            <a:r>
+              <a:rPr kumimoji="1" lang="en-US" altLang="ja-JP" sz="6400">
+                <a:solidFill>
+                  <a:srgbClr val="0070C0"/>
+                </a:solidFill>
+              </a:rPr>
+              <a:t>}</a:t>
+            </a:r>
+            <a:endParaRPr kumimoji="1" lang="ja-JP" altLang="en-US" sz="6400">
+              <a:solidFill>
+                <a:srgbClr val="0070C0"/>
+              </a:solidFill>
+            </a:endParaRPr>
+          </a:p>
+        </p:txBody>
+      </p:sp>
+      <p:pic>
+        <p:nvPicPr>
+          <p:cNvPr id="57" name="図 56">
+            <a:extLst>
+              <a:ext uri="{FF2B5EF4-FFF2-40B4-BE49-F238E27FC236}">
+                <a16:creationId xmlns:a16="http://schemas.microsoft.com/office/drawing/2014/main" id="{706DEE4E-9DA2-6744-9018-C5A0D970ABD3}"/>
+              </a:ext>
+            </a:extLst>
+          </p:cNvPr>
+          <p:cNvPicPr>
+            <a:picLocks noChangeAspect="1"/>
+          </p:cNvPicPr>
+          <p:nvPr/>
+        </p:nvPicPr>
+        <p:blipFill>
+          <a:blip r:embed="rId5"/>
+          <a:stretch>
+            <a:fillRect/>
+          </a:stretch>
+        </p:blipFill>
+        <p:spPr>
+          <a:xfrm flipH="1">
+            <a:off x="2150690" y="5814613"/>
+            <a:ext cx="677922" cy="621819"/>
+          </a:xfrm>
+          <a:prstGeom prst="rect">
+            <a:avLst/>
+          </a:prstGeom>
+        </p:spPr>
+      </p:pic>
+      <p:pic>
+        <p:nvPicPr>
+          <p:cNvPr id="58" name="図 57">
+            <a:extLst>
+              <a:ext uri="{FF2B5EF4-FFF2-40B4-BE49-F238E27FC236}">
+                <a16:creationId xmlns:a16="http://schemas.microsoft.com/office/drawing/2014/main" id="{66B9C79A-04DC-1340-A613-9A3DB341BDC6}"/>
+              </a:ext>
+            </a:extLst>
+          </p:cNvPr>
+          <p:cNvPicPr>
+            <a:picLocks noChangeAspect="1"/>
+          </p:cNvPicPr>
+          <p:nvPr/>
+        </p:nvPicPr>
+        <p:blipFill>
+          <a:blip r:embed="rId3"/>
+          <a:stretch>
+            <a:fillRect/>
+          </a:stretch>
+        </p:blipFill>
+        <p:spPr>
+          <a:xfrm flipH="1">
+            <a:off x="3155131" y="5922146"/>
+            <a:ext cx="514286" cy="514286"/>
+          </a:xfrm>
+          <a:prstGeom prst="rect">
+            <a:avLst/>
+          </a:prstGeom>
+        </p:spPr>
+      </p:pic>
+      <p:sp>
+        <p:nvSpPr>
+          <p:cNvPr id="59" name="テキスト ボックス 58">
+            <a:extLst>
+              <a:ext uri="{FF2B5EF4-FFF2-40B4-BE49-F238E27FC236}">
+                <a16:creationId xmlns:a16="http://schemas.microsoft.com/office/drawing/2014/main" id="{4744C264-B3A7-DE4E-9F3B-DCAD1930D0B1}"/>
+              </a:ext>
+            </a:extLst>
+          </p:cNvPr>
+          <p:cNvSpPr txBox="1"/>
+          <p:nvPr/>
+        </p:nvSpPr>
+        <p:spPr>
+          <a:xfrm flipH="1">
+            <a:off x="2867716" y="5728546"/>
+            <a:ext cx="248311" cy="707886"/>
+          </a:xfrm>
+          <a:prstGeom prst="rect">
+            <a:avLst/>
+          </a:prstGeom>
+          <a:noFill/>
+        </p:spPr>
+        <p:txBody>
+          <a:bodyPr wrap="square" rtlCol="0">
+            <a:spAutoFit/>
+          </a:bodyPr>
+          <a:lstStyle/>
+          <a:p>
+            <a:r>
+              <a:rPr lang="en-US" altLang="ja-JP" sz="4000"/>
+              <a:t>,</a:t>
+            </a:r>
+            <a:endParaRPr kumimoji="1" lang="ja-JP" altLang="en-US" sz="4000"/>
+          </a:p>
+        </p:txBody>
+      </p:sp>
+      <p:sp>
+        <p:nvSpPr>
+          <p:cNvPr id="61" name="テキスト ボックス 60">
+            <a:extLst>
+              <a:ext uri="{FF2B5EF4-FFF2-40B4-BE49-F238E27FC236}">
+                <a16:creationId xmlns:a16="http://schemas.microsoft.com/office/drawing/2014/main" id="{23830A3C-1CA1-B64B-A630-A938B53283F8}"/>
+              </a:ext>
+            </a:extLst>
+          </p:cNvPr>
+          <p:cNvSpPr txBox="1"/>
+          <p:nvPr/>
+        </p:nvSpPr>
+        <p:spPr>
+          <a:xfrm>
+            <a:off x="4211960" y="5877272"/>
+            <a:ext cx="4493538" cy="523220"/>
+          </a:xfrm>
+          <a:prstGeom prst="rect">
+            <a:avLst/>
+          </a:prstGeom>
+          <a:noFill/>
+        </p:spPr>
+        <p:txBody>
+          <a:bodyPr wrap="none" rtlCol="0">
+            <a:spAutoFit/>
+          </a:bodyPr>
+          <a:lstStyle/>
+          <a:p>
+            <a:r>
+              <a:rPr kumimoji="1" lang="ja-JP" altLang="en-US" sz="2800"/>
+              <a:t>二種類なので「勝負あり」</a:t>
+            </a:r>
+          </a:p>
+        </p:txBody>
+      </p:sp>
+    </p:spTree>
+    <p:extLst>
+      <p:ext uri="{BB962C8B-B14F-4D97-AF65-F5344CB8AC3E}">
+        <p14:creationId xmlns:p14="http://schemas.microsoft.com/office/powerpoint/2010/main" val="1703045561"/>
+      </p:ext>
+    </p:extLst>
+  </p:cSld>
+  <p:clrMapOvr>
+    <a:masterClrMapping/>
+  </p:clrMapOvr>
+</p:sld>
+</file>
+
+<file path=ppt/slides/slide2.xml><?xml version="1.0" encoding="utf-8"?>
+<p:sld xmlns:a="http://schemas.openxmlformats.org/drawingml/2006/main" xmlns:r="http://schemas.openxmlformats.org/officeDocument/2006/relationships" xmlns:p="http://schemas.openxmlformats.org/presentationml/2006/main">
+  <p:cSld>
+    <p:spTree>
+      <p:nvGrpSpPr>
+        <p:cNvPr id="1" name=""/>
+        <p:cNvGrpSpPr/>
+        <p:nvPr/>
+      </p:nvGrpSpPr>
+      <p:grpSpPr>
+        <a:xfrm>
+          <a:off x="0" y="0"/>
+          <a:ext cx="0" cy="0"/>
+          <a:chOff x="0" y="0"/>
+          <a:chExt cx="0" cy="0"/>
+        </a:xfrm>
+      </p:grpSpPr>
+      <p:pic>
+        <p:nvPicPr>
           <p:cNvPr id="1026" name="Picture 2" descr="éããå®ç®±ã®ã¤ã©ã¹ã"/>
           <p:cNvPicPr>
             <a:picLocks noChangeAspect="1" noChangeArrowheads="1"/>
@@ -803,10 +2751,9 @@
           <a:lstStyle/>
           <a:p>
             <a:r>
-              <a:rPr kumimoji="1" lang="ja-JP" altLang="en-US" sz="2800" dirty="0" smtClean="0"/>
+              <a:rPr kumimoji="1" lang="ja-JP" altLang="en-US" sz="2800" dirty="0"/>
               <a:t>モンティ・ホール問題</a:t>
             </a:r>
-            <a:endParaRPr kumimoji="1" lang="ja-JP" altLang="en-US" sz="2800" dirty="0"/>
           </a:p>
         </p:txBody>
       </p:sp>
@@ -833,10 +2780,9 @@
           <a:lstStyle/>
           <a:p>
             <a:r>
-              <a:rPr kumimoji="1" lang="ja-JP" altLang="en-US" dirty="0" smtClean="0"/>
+              <a:rPr kumimoji="1" lang="ja-JP" altLang="en-US" dirty="0"/>
               <a:t>三つの箱があり、一つは当たり、二つは外れ</a:t>
             </a:r>
-            <a:endParaRPr kumimoji="1" lang="ja-JP" altLang="en-US" dirty="0"/>
           </a:p>
         </p:txBody>
       </p:sp>
@@ -853,7 +2799,7 @@
 </p:sld>
 </file>
 
-<file path=ppt/slides/slide2.xml><?xml version="1.0" encoding="utf-8"?>
+<file path=ppt/slides/slide3.xml><?xml version="1.0" encoding="utf-8"?>
 <p:sld xmlns:a="http://schemas.openxmlformats.org/drawingml/2006/main" xmlns:r="http://schemas.openxmlformats.org/officeDocument/2006/relationships" xmlns:p="http://schemas.openxmlformats.org/presentationml/2006/main">
   <p:cSld>
     <p:spTree>
@@ -1597,7 +3543,7 @@
               <a:buAutoNum type="arabicPeriod"/>
             </a:pPr>
             <a:r>
-              <a:rPr lang="ja-JP" altLang="en-US" dirty="0" smtClean="0"/>
+              <a:rPr lang="ja-JP" altLang="en-US" dirty="0"/>
               <a:t>プレイヤーは、まず三つの箱のうちの一つを選ぶ。</a:t>
             </a:r>
             <a:endParaRPr kumimoji="1" lang="ja-JP" altLang="en-US" dirty="0"/>
@@ -1627,23 +3573,23 @@
           <a:lstStyle/>
           <a:p>
             <a:r>
-              <a:rPr kumimoji="1" lang="en-US" altLang="ja-JP" dirty="0" smtClean="0"/>
+              <a:rPr kumimoji="1" lang="en-US" altLang="ja-JP" dirty="0"/>
               <a:t>2. </a:t>
             </a:r>
             <a:r>
-              <a:rPr kumimoji="1" lang="ja-JP" altLang="en-US" dirty="0" smtClean="0"/>
+              <a:rPr kumimoji="1" lang="ja-JP" altLang="en-US" dirty="0"/>
               <a:t>司会者は、選ばれていない二つのうち、外れの箱を一つ開ける。</a:t>
             </a:r>
             <a:r>
-              <a:rPr kumimoji="1" lang="en-US" altLang="ja-JP" dirty="0" smtClean="0"/>
+              <a:rPr kumimoji="1" lang="en-US" altLang="ja-JP" dirty="0"/>
               <a:t>(</a:t>
             </a:r>
             <a:r>
-              <a:rPr kumimoji="1" lang="ja-JP" altLang="en-US" dirty="0" smtClean="0"/>
+              <a:rPr kumimoji="1" lang="ja-JP" altLang="en-US" dirty="0"/>
               <a:t>二つとも外れの場合があるが、一つだけ開ける</a:t>
             </a:r>
             <a:r>
-              <a:rPr kumimoji="1" lang="en-US" altLang="ja-JP" dirty="0" smtClean="0"/>
+              <a:rPr kumimoji="1" lang="en-US" altLang="ja-JP" dirty="0"/>
               <a:t>)</a:t>
             </a:r>
             <a:endParaRPr kumimoji="1" lang="ja-JP" altLang="en-US" dirty="0"/>
@@ -1673,19 +3619,19 @@
           <a:lstStyle/>
           <a:p>
             <a:r>
-              <a:rPr lang="en-US" altLang="ja-JP" dirty="0" smtClean="0"/>
+              <a:rPr lang="en-US" altLang="ja-JP" dirty="0"/>
               <a:t>3</a:t>
             </a:r>
             <a:r>
-              <a:rPr kumimoji="1" lang="en-US" altLang="ja-JP" dirty="0" smtClean="0"/>
+              <a:rPr kumimoji="1" lang="en-US" altLang="ja-JP" dirty="0"/>
               <a:t>. </a:t>
             </a:r>
             <a:r>
-              <a:rPr kumimoji="1" lang="ja-JP" altLang="en-US" dirty="0" smtClean="0"/>
+              <a:rPr kumimoji="1" lang="ja-JP" altLang="en-US" dirty="0"/>
               <a:t>ここでプレイヤーは、</a:t>
             </a:r>
             <a:r>
-              <a:rPr lang="ja-JP" altLang="en-US" dirty="0" smtClean="0"/>
+              <a:rPr lang="ja-JP" altLang="en-US" dirty="0"/>
               <a:t>空いていないもう一つの箱に選択を変えることができる。選択を変える方が得だろうか？それとも当たる確率は同じだろうか？</a:t>
             </a:r>
             <a:endParaRPr kumimoji="1" lang="ja-JP" altLang="en-US" dirty="0"/>
@@ -1705,7 +3651,7 @@
 </p:sld>
 </file>
 
-<file path=ppt/slides/slide3.xml><?xml version="1.0" encoding="utf-8"?>
+<file path=ppt/slides/slide4.xml><?xml version="1.0" encoding="utf-8"?>
 <p:sld xmlns:a="http://schemas.openxmlformats.org/drawingml/2006/main" xmlns:r="http://schemas.openxmlformats.org/officeDocument/2006/relationships" xmlns:p="http://schemas.openxmlformats.org/presentationml/2006/main">
   <p:cSld>
     <p:spTree>
@@ -2577,12 +4523,8 @@
             <a:lstStyle/>
             <a:p>
               <a:r>
-                <a:rPr lang="ja-JP" altLang="en-US" sz="2400" dirty="0" smtClean="0"/>
-                <a:t>ボンド</a:t>
-              </a:r>
-              <a:r>
                 <a:rPr lang="ja-JP" altLang="en-US" sz="2400" dirty="0"/>
-                <a:t>パーコレーション</a:t>
+                <a:t>ボンドパーコレーション</a:t>
               </a:r>
               <a:endParaRPr kumimoji="1" lang="ja-JP" altLang="en-US" sz="2400" dirty="0"/>
             </a:p>
@@ -2612,11 +4554,7 @@
             <a:p>
               <a:r>
                 <a:rPr lang="ja-JP" altLang="en-US" sz="2400" dirty="0"/>
-                <a:t>サイト</a:t>
-              </a:r>
-              <a:r>
-                <a:rPr lang="ja-JP" altLang="en-US" sz="2400" dirty="0" smtClean="0"/>
-                <a:t>パーコレーション</a:t>
+                <a:t>サイトパーコレーション</a:t>
               </a:r>
               <a:endParaRPr kumimoji="1" lang="ja-JP" altLang="en-US" sz="2400" dirty="0"/>
             </a:p>
@@ -4211,7 +6149,7 @@
           <a:lstStyle/>
           <a:p>
             <a:r>
-              <a:rPr lang="ja-JP" altLang="en-US" dirty="0" smtClean="0"/>
+              <a:rPr lang="ja-JP" altLang="en-US" dirty="0"/>
               <a:t>辺だけを通って向こう岸に行きたい</a:t>
             </a:r>
             <a:endParaRPr kumimoji="1" lang="ja-JP" altLang="en-US" dirty="0"/>
@@ -4242,11 +6180,7 @@
           <a:p>
             <a:r>
               <a:rPr lang="ja-JP" altLang="en-US" dirty="0"/>
-              <a:t>パネル</a:t>
-            </a:r>
-            <a:r>
-              <a:rPr lang="ja-JP" altLang="en-US" dirty="0" smtClean="0"/>
-              <a:t>だけを通って向こう岸に行きたい</a:t>
+              <a:t>パネルだけを通って向こう岸に行きたい</a:t>
             </a:r>
             <a:endParaRPr kumimoji="1" lang="ja-JP" altLang="en-US" dirty="0"/>
           </a:p>

--- a/random/fig/fig.pptx
+++ b/random/fig/fig.pptx
@@ -12426,7 +12426,7 @@
         </p:nvSpPr>
         <p:spPr>
           <a:xfrm>
-            <a:off x="2267744" y="260648"/>
+            <a:off x="2339752" y="0"/>
             <a:ext cx="4495141" cy="584775"/>
           </a:xfrm>
           <a:prstGeom prst="rect">
@@ -12449,42 +12449,6 @@
               <a:t>アルゴリズム</a:t>
             </a:r>
             <a:endParaRPr kumimoji="1" lang="ja-JP" altLang="en-US" sz="3200"/>
-          </a:p>
-        </p:txBody>
-      </p:sp>
-      <p:sp>
-        <p:nvSpPr>
-          <p:cNvPr id="3" name="テキスト ボックス 2">
-            <a:extLst>
-              <a:ext uri="{FF2B5EF4-FFF2-40B4-BE49-F238E27FC236}">
-                <a16:creationId xmlns:a16="http://schemas.microsoft.com/office/drawing/2014/main" id="{47AD7025-1EED-2344-816B-216496D2DF0B}"/>
-              </a:ext>
-            </a:extLst>
-          </p:cNvPr>
-          <p:cNvSpPr txBox="1"/>
-          <p:nvPr/>
-        </p:nvSpPr>
-        <p:spPr>
-          <a:xfrm>
-            <a:off x="323528" y="1916832"/>
-            <a:ext cx="809837" cy="523220"/>
-          </a:xfrm>
-          <a:prstGeom prst="rect">
-            <a:avLst/>
-          </a:prstGeom>
-          <a:noFill/>
-        </p:spPr>
-        <p:txBody>
-          <a:bodyPr wrap="none" rtlCol="0">
-            <a:spAutoFit/>
-          </a:bodyPr>
-          <a:lstStyle/>
-          <a:p>
-            <a:r>
-              <a:rPr kumimoji="1" lang="en-US" altLang="ja-JP" sz="2800"/>
-              <a:t>Find</a:t>
-            </a:r>
-            <a:endParaRPr kumimoji="1" lang="ja-JP" altLang="en-US" sz="2800"/>
           </a:p>
         </p:txBody>
       </p:sp>
@@ -12894,7 +12858,7 @@
         <p:spPr>
           <a:xfrm>
             <a:off x="3923928" y="1700808"/>
-            <a:ext cx="1342034" cy="923330"/>
+            <a:ext cx="1803699" cy="923330"/>
           </a:xfrm>
           <a:prstGeom prst="rect">
             <a:avLst/>
@@ -12941,11 +12905,15 @@
             </a:r>
             <a:r>
               <a:rPr lang="ja-JP" altLang="en-US"/>
-              <a:t>に上司は</a:t>
+              <a:t>の上司は</a:t>
             </a:r>
             <a:r>
               <a:rPr lang="en-US" altLang="ja-JP"/>
               <a:t>1</a:t>
+            </a:r>
+            <a:r>
+              <a:rPr lang="ja-JP" altLang="en-US"/>
+              <a:t>自身</a:t>
             </a:r>
             <a:endParaRPr kumimoji="1" lang="ja-JP" altLang="en-US"/>
           </a:p>
@@ -13062,42 +13030,6 @@
       </p:sp>
       <p:sp>
         <p:nvSpPr>
-          <p:cNvPr id="25" name="テキスト ボックス 24">
-            <a:extLst>
-              <a:ext uri="{FF2B5EF4-FFF2-40B4-BE49-F238E27FC236}">
-                <a16:creationId xmlns:a16="http://schemas.microsoft.com/office/drawing/2014/main" id="{A2211FA3-EF9C-654F-A351-055EC24C7BD3}"/>
-              </a:ext>
-            </a:extLst>
-          </p:cNvPr>
-          <p:cNvSpPr txBox="1"/>
-          <p:nvPr/>
-        </p:nvSpPr>
-        <p:spPr>
-          <a:xfrm>
-            <a:off x="251520" y="3933056"/>
-            <a:ext cx="1064715" cy="523220"/>
-          </a:xfrm>
-          <a:prstGeom prst="rect">
-            <a:avLst/>
-          </a:prstGeom>
-          <a:noFill/>
-        </p:spPr>
-        <p:txBody>
-          <a:bodyPr wrap="none" rtlCol="0">
-            <a:spAutoFit/>
-          </a:bodyPr>
-          <a:lstStyle/>
-          <a:p>
-            <a:r>
-              <a:rPr kumimoji="1" lang="en-US" altLang="ja-JP" sz="2800"/>
-              <a:t>Union</a:t>
-            </a:r>
-            <a:endParaRPr kumimoji="1" lang="ja-JP" altLang="en-US" sz="2800"/>
-          </a:p>
-        </p:txBody>
-      </p:sp>
-      <p:sp>
-        <p:nvSpPr>
           <p:cNvPr id="26" name="円/楕円 25">
             <a:extLst>
               <a:ext uri="{FF2B5EF4-FFF2-40B4-BE49-F238E27FC236}">
@@ -13110,7 +13042,7 @@
         </p:nvSpPr>
         <p:spPr>
           <a:xfrm>
-            <a:off x="1763688" y="3861048"/>
+            <a:off x="1691680" y="4078813"/>
             <a:ext cx="432048" cy="432048"/>
           </a:xfrm>
           <a:prstGeom prst="ellipse">
@@ -13176,7 +13108,7 @@
         </p:nvSpPr>
         <p:spPr>
           <a:xfrm>
-            <a:off x="1331640" y="4509120"/>
+            <a:off x="1259632" y="4726885"/>
             <a:ext cx="432048" cy="432048"/>
           </a:xfrm>
           <a:prstGeom prst="ellipse">
@@ -13240,7 +13172,7 @@
         </p:nvSpPr>
         <p:spPr>
           <a:xfrm>
-            <a:off x="2123728" y="4509120"/>
+            <a:off x="2051720" y="4726885"/>
             <a:ext cx="432048" cy="432048"/>
           </a:xfrm>
           <a:prstGeom prst="ellipse">
@@ -13313,7 +13245,7 @@
         </p:nvCxnSpPr>
         <p:spPr>
           <a:xfrm flipH="1">
-            <a:off x="1547664" y="4229824"/>
+            <a:off x="1475656" y="4447589"/>
             <a:ext cx="279296" cy="279296"/>
           </a:xfrm>
           <a:prstGeom prst="line">
@@ -13360,7 +13292,7 @@
         </p:nvCxnSpPr>
         <p:spPr>
           <a:xfrm>
-            <a:off x="2132464" y="4229824"/>
+            <a:off x="2060456" y="4447589"/>
             <a:ext cx="207288" cy="279296"/>
           </a:xfrm>
           <a:prstGeom prst="line">
@@ -13403,7 +13335,7 @@
         </p:nvSpPr>
         <p:spPr>
           <a:xfrm>
-            <a:off x="3275856" y="3861048"/>
+            <a:off x="3203848" y="4078813"/>
             <a:ext cx="432048" cy="432048"/>
           </a:xfrm>
           <a:prstGeom prst="ellipse">
@@ -13469,7 +13401,7 @@
         </p:nvSpPr>
         <p:spPr>
           <a:xfrm>
-            <a:off x="2843808" y="4509120"/>
+            <a:off x="2771800" y="4726885"/>
             <a:ext cx="432048" cy="432048"/>
           </a:xfrm>
           <a:prstGeom prst="ellipse">
@@ -13538,7 +13470,7 @@
         </p:nvSpPr>
         <p:spPr>
           <a:xfrm>
-            <a:off x="3635896" y="4509120"/>
+            <a:off x="3563888" y="4726885"/>
             <a:ext cx="432048" cy="432048"/>
           </a:xfrm>
           <a:prstGeom prst="ellipse">
@@ -13604,7 +13536,7 @@
         </p:nvSpPr>
         <p:spPr>
           <a:xfrm>
-            <a:off x="1043608" y="5085184"/>
+            <a:off x="971600" y="5302949"/>
             <a:ext cx="3650358" cy="369332"/>
           </a:xfrm>
           <a:prstGeom prst="rect">
@@ -13651,7 +13583,7 @@
         </p:nvSpPr>
         <p:spPr>
           <a:xfrm>
-            <a:off x="5940152" y="3861048"/>
+            <a:off x="5868144" y="4078813"/>
             <a:ext cx="432048" cy="432048"/>
           </a:xfrm>
           <a:prstGeom prst="ellipse">
@@ -13717,7 +13649,7 @@
         </p:nvSpPr>
         <p:spPr>
           <a:xfrm>
-            <a:off x="5148064" y="4509120"/>
+            <a:off x="5076056" y="4726885"/>
             <a:ext cx="432048" cy="432048"/>
           </a:xfrm>
           <a:prstGeom prst="ellipse">
@@ -13781,7 +13713,7 @@
         </p:nvSpPr>
         <p:spPr>
           <a:xfrm>
-            <a:off x="5940152" y="4509120"/>
+            <a:off x="5868144" y="4726885"/>
             <a:ext cx="432048" cy="432048"/>
           </a:xfrm>
           <a:prstGeom prst="ellipse">
@@ -13851,7 +13783,7 @@
         </p:nvCxnSpPr>
         <p:spPr>
           <a:xfrm flipH="1">
-            <a:off x="5364088" y="4229824"/>
+            <a:off x="5292080" y="4447589"/>
             <a:ext cx="639336" cy="279296"/>
           </a:xfrm>
           <a:prstGeom prst="line">
@@ -13898,7 +13830,7 @@
         </p:nvCxnSpPr>
         <p:spPr>
           <a:xfrm>
-            <a:off x="6156176" y="4293096"/>
+            <a:off x="6084168" y="4510861"/>
             <a:ext cx="0" cy="216024"/>
           </a:xfrm>
           <a:prstGeom prst="line">
@@ -13941,7 +13873,7 @@
         </p:nvSpPr>
         <p:spPr>
           <a:xfrm>
-            <a:off x="6732240" y="4509120"/>
+            <a:off x="6660232" y="4726885"/>
             <a:ext cx="432048" cy="432048"/>
           </a:xfrm>
           <a:prstGeom prst="ellipse">
@@ -14007,7 +13939,7 @@
         </p:nvSpPr>
         <p:spPr>
           <a:xfrm>
-            <a:off x="6300192" y="5157192"/>
+            <a:off x="6228184" y="5374957"/>
             <a:ext cx="432048" cy="432048"/>
           </a:xfrm>
           <a:prstGeom prst="ellipse">
@@ -14071,7 +14003,7 @@
         </p:nvSpPr>
         <p:spPr>
           <a:xfrm>
-            <a:off x="7092280" y="5157192"/>
+            <a:off x="7020272" y="5374957"/>
             <a:ext cx="432048" cy="432048"/>
           </a:xfrm>
           <a:prstGeom prst="ellipse">
@@ -14141,7 +14073,7 @@
         </p:nvCxnSpPr>
         <p:spPr>
           <a:xfrm>
-            <a:off x="6308928" y="4229824"/>
+            <a:off x="6236920" y="4447589"/>
             <a:ext cx="639336" cy="279296"/>
           </a:xfrm>
           <a:prstGeom prst="line">
@@ -14184,7 +14116,7 @@
         </p:nvSpPr>
         <p:spPr>
           <a:xfrm>
-            <a:off x="4355976" y="4221088"/>
+            <a:off x="4283968" y="4438853"/>
             <a:ext cx="378957" cy="295763"/>
           </a:xfrm>
           <a:prstGeom prst="rightArrow">
@@ -14238,7 +14170,7 @@
         </p:nvSpPr>
         <p:spPr>
           <a:xfrm>
-            <a:off x="1115616" y="5589240"/>
+            <a:off x="1043608" y="5807005"/>
             <a:ext cx="2957861" cy="646331"/>
           </a:xfrm>
           <a:prstGeom prst="rect">
@@ -14300,7 +14232,7 @@
         </p:nvSpPr>
         <p:spPr>
           <a:xfrm>
-            <a:off x="5292080" y="5733256"/>
+            <a:off x="5220072" y="5877272"/>
             <a:ext cx="2265364" cy="369332"/>
           </a:xfrm>
           <a:prstGeom prst="rect">
@@ -14348,8 +14280,8 @@
         </p:nvSpPr>
         <p:spPr>
           <a:xfrm>
-            <a:off x="4932040" y="6165304"/>
-            <a:ext cx="3791423" cy="369332"/>
+            <a:off x="4716016" y="6237312"/>
+            <a:ext cx="4139275" cy="369332"/>
           </a:xfrm>
           <a:prstGeom prst="rect">
             <a:avLst/>
@@ -14368,7 +14300,15 @@
             </a:r>
             <a:r>
               <a:rPr lang="ja-JP" altLang="en-US"/>
-              <a:t>の部下は自動的に</a:t>
+              <a:t>の部下の</a:t>
+            </a:r>
+            <a:r>
+              <a:rPr lang="en-US" altLang="ja-JP"/>
+              <a:t>6</a:t>
+            </a:r>
+            <a:r>
+              <a:rPr lang="ja-JP" altLang="en-US"/>
+              <a:t>は自動的に</a:t>
             </a:r>
             <a:r>
               <a:rPr lang="en-US" altLang="ja-JP"/>
@@ -14522,7 +14462,7 @@
         </p:nvSpPr>
         <p:spPr>
           <a:xfrm>
-            <a:off x="2051720" y="3645024"/>
+            <a:off x="1979712" y="3862789"/>
             <a:ext cx="373277" cy="410592"/>
           </a:xfrm>
           <a:custGeom>
@@ -14644,7 +14584,7 @@
         </p:nvSpPr>
         <p:spPr>
           <a:xfrm>
-            <a:off x="3563888" y="3645024"/>
+            <a:off x="3491880" y="3862789"/>
             <a:ext cx="373277" cy="410592"/>
           </a:xfrm>
           <a:custGeom>
@@ -14766,7 +14706,7 @@
         </p:nvSpPr>
         <p:spPr>
           <a:xfrm>
-            <a:off x="6228184" y="3645024"/>
+            <a:off x="6156176" y="3862789"/>
             <a:ext cx="373277" cy="410592"/>
           </a:xfrm>
           <a:custGeom>
@@ -14890,7 +14830,7 @@
         </p:nvCxnSpPr>
         <p:spPr>
           <a:xfrm flipH="1">
-            <a:off x="3051096" y="4221088"/>
+            <a:off x="2979088" y="4438853"/>
             <a:ext cx="279296" cy="279296"/>
           </a:xfrm>
           <a:prstGeom prst="line">
@@ -14935,7 +14875,7 @@
         </p:nvCxnSpPr>
         <p:spPr>
           <a:xfrm>
-            <a:off x="3635896" y="4221088"/>
+            <a:off x="3563888" y="4438853"/>
             <a:ext cx="207288" cy="279296"/>
           </a:xfrm>
           <a:prstGeom prst="line">
@@ -15207,7 +15147,7 @@
         </p:nvCxnSpPr>
         <p:spPr>
           <a:xfrm flipH="1">
-            <a:off x="6516216" y="4877896"/>
+            <a:off x="6444208" y="5095661"/>
             <a:ext cx="279296" cy="279296"/>
           </a:xfrm>
           <a:prstGeom prst="line">
@@ -15254,7 +15194,7 @@
         </p:nvCxnSpPr>
         <p:spPr>
           <a:xfrm>
-            <a:off x="7101016" y="4877896"/>
+            <a:off x="7029008" y="5095661"/>
             <a:ext cx="207288" cy="279296"/>
           </a:xfrm>
           <a:prstGeom prst="line">
@@ -15283,6 +15223,209 @@
           </a:fontRef>
         </p:style>
       </p:cxnSp>
+      <p:sp>
+        <p:nvSpPr>
+          <p:cNvPr id="85" name="角丸四角形 84">
+            <a:extLst>
+              <a:ext uri="{FF2B5EF4-FFF2-40B4-BE49-F238E27FC236}">
+                <a16:creationId xmlns:a16="http://schemas.microsoft.com/office/drawing/2014/main" id="{7B0B659A-EF62-104C-8D34-20EC51A6FB42}"/>
+              </a:ext>
+            </a:extLst>
+          </p:cNvPr>
+          <p:cNvSpPr/>
+          <p:nvPr/>
+        </p:nvSpPr>
+        <p:spPr>
+          <a:xfrm>
+            <a:off x="395536" y="836712"/>
+            <a:ext cx="8280920" cy="2304256"/>
+          </a:xfrm>
+          <a:prstGeom prst="roundRect">
+            <a:avLst>
+              <a:gd name="adj" fmla="val 14462"/>
+            </a:avLst>
+          </a:prstGeom>
+          <a:noFill/>
+          <a:ln w="12700">
+            <a:solidFill>
+              <a:schemeClr val="tx1"/>
+            </a:solidFill>
+            <a:prstDash val="dash"/>
+          </a:ln>
+        </p:spPr>
+        <p:style>
+          <a:lnRef idx="2">
+            <a:schemeClr val="accent1">
+              <a:shade val="50000"/>
+            </a:schemeClr>
+          </a:lnRef>
+          <a:fillRef idx="1">
+            <a:schemeClr val="accent1"/>
+          </a:fillRef>
+          <a:effectRef idx="0">
+            <a:schemeClr val="accent1"/>
+          </a:effectRef>
+          <a:fontRef idx="minor">
+            <a:schemeClr val="lt1"/>
+          </a:fontRef>
+        </p:style>
+        <p:txBody>
+          <a:bodyPr rtlCol="0" anchor="ctr"/>
+          <a:lstStyle/>
+          <a:p>
+            <a:pPr algn="ctr"/>
+            <a:endParaRPr kumimoji="1" lang="ja-JP" altLang="en-US"/>
+          </a:p>
+        </p:txBody>
+      </p:sp>
+      <p:sp>
+        <p:nvSpPr>
+          <p:cNvPr id="3" name="テキスト ボックス 2">
+            <a:extLst>
+              <a:ext uri="{FF2B5EF4-FFF2-40B4-BE49-F238E27FC236}">
+                <a16:creationId xmlns:a16="http://schemas.microsoft.com/office/drawing/2014/main" id="{47AD7025-1EED-2344-816B-216496D2DF0B}"/>
+              </a:ext>
+            </a:extLst>
+          </p:cNvPr>
+          <p:cNvSpPr txBox="1"/>
+          <p:nvPr/>
+        </p:nvSpPr>
+        <p:spPr>
+          <a:xfrm>
+            <a:off x="608420" y="548680"/>
+            <a:ext cx="3264035" cy="461665"/>
+          </a:xfrm>
+          <a:prstGeom prst="rect">
+            <a:avLst/>
+          </a:prstGeom>
+          <a:solidFill>
+            <a:schemeClr val="bg1"/>
+          </a:solidFill>
+          <a:ln>
+            <a:solidFill>
+              <a:schemeClr val="tx1"/>
+            </a:solidFill>
+          </a:ln>
+        </p:spPr>
+        <p:txBody>
+          <a:bodyPr wrap="none" rtlCol="0">
+            <a:spAutoFit/>
+          </a:bodyPr>
+          <a:lstStyle/>
+          <a:p>
+            <a:r>
+              <a:rPr kumimoji="1" lang="en-US" altLang="ja-JP" sz="2400"/>
+              <a:t>Find:</a:t>
+            </a:r>
+            <a:r>
+              <a:rPr lang="ja-JP" altLang="en-US" sz="2400"/>
+              <a:t>自社の社長を探す</a:t>
+            </a:r>
+            <a:endParaRPr kumimoji="1" lang="ja-JP" altLang="en-US" sz="2400"/>
+          </a:p>
+        </p:txBody>
+      </p:sp>
+      <p:sp>
+        <p:nvSpPr>
+          <p:cNvPr id="86" name="角丸四角形 85">
+            <a:extLst>
+              <a:ext uri="{FF2B5EF4-FFF2-40B4-BE49-F238E27FC236}">
+                <a16:creationId xmlns:a16="http://schemas.microsoft.com/office/drawing/2014/main" id="{FC22EB42-B8C9-384E-9FF9-5519527D0D09}"/>
+              </a:ext>
+            </a:extLst>
+          </p:cNvPr>
+          <p:cNvSpPr/>
+          <p:nvPr/>
+        </p:nvSpPr>
+        <p:spPr>
+          <a:xfrm>
+            <a:off x="395536" y="3573016"/>
+            <a:ext cx="8424936" cy="3096344"/>
+          </a:xfrm>
+          <a:prstGeom prst="roundRect">
+            <a:avLst>
+              <a:gd name="adj" fmla="val 7899"/>
+            </a:avLst>
+          </a:prstGeom>
+          <a:noFill/>
+          <a:ln w="12700">
+            <a:solidFill>
+              <a:schemeClr val="tx1"/>
+            </a:solidFill>
+            <a:prstDash val="dash"/>
+          </a:ln>
+        </p:spPr>
+        <p:style>
+          <a:lnRef idx="2">
+            <a:schemeClr val="accent1">
+              <a:shade val="50000"/>
+            </a:schemeClr>
+          </a:lnRef>
+          <a:fillRef idx="1">
+            <a:schemeClr val="accent1"/>
+          </a:fillRef>
+          <a:effectRef idx="0">
+            <a:schemeClr val="accent1"/>
+          </a:effectRef>
+          <a:fontRef idx="minor">
+            <a:schemeClr val="lt1"/>
+          </a:fontRef>
+        </p:style>
+        <p:txBody>
+          <a:bodyPr rtlCol="0" anchor="ctr"/>
+          <a:lstStyle/>
+          <a:p>
+            <a:pPr algn="ctr"/>
+            <a:endParaRPr kumimoji="1" lang="ja-JP" altLang="en-US"/>
+          </a:p>
+        </p:txBody>
+      </p:sp>
+      <p:sp>
+        <p:nvSpPr>
+          <p:cNvPr id="25" name="テキスト ボックス 24">
+            <a:extLst>
+              <a:ext uri="{FF2B5EF4-FFF2-40B4-BE49-F238E27FC236}">
+                <a16:creationId xmlns:a16="http://schemas.microsoft.com/office/drawing/2014/main" id="{A2211FA3-EF9C-654F-A351-055EC24C7BD3}"/>
+              </a:ext>
+            </a:extLst>
+          </p:cNvPr>
+          <p:cNvSpPr txBox="1"/>
+          <p:nvPr/>
+        </p:nvSpPr>
+        <p:spPr>
+          <a:xfrm>
+            <a:off x="608420" y="3284984"/>
+            <a:ext cx="4323620" cy="461665"/>
+          </a:xfrm>
+          <a:prstGeom prst="rect">
+            <a:avLst/>
+          </a:prstGeom>
+          <a:solidFill>
+            <a:schemeClr val="bg1"/>
+          </a:solidFill>
+          <a:ln>
+            <a:solidFill>
+              <a:schemeClr val="tx1"/>
+            </a:solidFill>
+          </a:ln>
+        </p:spPr>
+        <p:txBody>
+          <a:bodyPr wrap="none" rtlCol="0">
+            <a:spAutoFit/>
+          </a:bodyPr>
+          <a:lstStyle/>
+          <a:p>
+            <a:r>
+              <a:rPr kumimoji="1" lang="en-US" altLang="ja-JP" sz="2400"/>
+              <a:t>Union</a:t>
+            </a:r>
+            <a:r>
+              <a:rPr kumimoji="1" lang="ja-JP" altLang="en-US" sz="2400"/>
+              <a:t>：二つの会社を合併する</a:t>
+            </a:r>
+          </a:p>
+        </p:txBody>
+      </p:sp>
     </p:spTree>
     <p:extLst>
       <p:ext uri="{BB962C8B-B14F-4D97-AF65-F5344CB8AC3E}">

--- a/random/fig/fig.pptx
+++ b/random/fig/fig.pptx
@@ -3045,480 +3045,522 @@
           </p:txBody>
         </p:sp>
       </p:grpSp>
-      <p:pic>
-        <p:nvPicPr>
-          <p:cNvPr id="9" name="Picture 2" descr="éããå®ç®±ã®ã¤ã©ã¹ã"/>
-          <p:cNvPicPr>
-            <a:picLocks noChangeAspect="1" noChangeArrowheads="1"/>
-          </p:cNvPicPr>
-          <p:nvPr/>
-        </p:nvPicPr>
-        <p:blipFill>
-          <a:blip r:embed="rId2" cstate="print">
-            <a:extLst>
-              <a:ext uri="{28A0092B-C50C-407E-A947-70E740481C1C}">
-                <a14:useLocalDpi xmlns:a14="http://schemas.microsoft.com/office/drawing/2010/main" val="0"/>
-              </a:ext>
-            </a:extLst>
-          </a:blip>
-          <a:srcRect/>
-          <a:stretch>
-            <a:fillRect/>
-          </a:stretch>
-        </p:blipFill>
-        <p:spPr bwMode="auto">
-          <a:xfrm>
-            <a:off x="395536" y="3496110"/>
-            <a:ext cx="569774" cy="569774"/>
-          </a:xfrm>
-          <a:prstGeom prst="rect">
-            <a:avLst/>
-          </a:prstGeom>
-          <a:noFill/>
-          <a:extLst>
-            <a:ext uri="{909E8E84-426E-40DD-AFC4-6F175D3DCCD1}">
-              <a14:hiddenFill xmlns:a14="http://schemas.microsoft.com/office/drawing/2010/main">
-                <a:solidFill>
-                  <a:srgbClr val="FFFFFF"/>
-                </a:solidFill>
-              </a14:hiddenFill>
-            </a:ext>
-          </a:extLst>
-        </p:spPr>
-      </p:pic>
-      <p:pic>
-        <p:nvPicPr>
-          <p:cNvPr id="10" name="Picture 8" descr="è©±ãåãäººãã¡ã®ã¤ã©ã¹ãï¼å¥³æ§4ï¼"/>
-          <p:cNvPicPr>
-            <a:picLocks noChangeAspect="1" noChangeArrowheads="1"/>
-          </p:cNvPicPr>
-          <p:nvPr/>
-        </p:nvPicPr>
-        <p:blipFill>
-          <a:blip r:embed="rId3" cstate="print">
-            <a:extLst>
-              <a:ext uri="{28A0092B-C50C-407E-A947-70E740481C1C}">
-                <a14:useLocalDpi xmlns:a14="http://schemas.microsoft.com/office/drawing/2010/main" val="0"/>
-              </a:ext>
-            </a:extLst>
-          </a:blip>
-          <a:srcRect/>
-          <a:stretch>
-            <a:fillRect/>
-          </a:stretch>
-        </p:blipFill>
-        <p:spPr bwMode="auto">
-          <a:xfrm>
-            <a:off x="1290281" y="2372535"/>
-            <a:ext cx="458198" cy="596612"/>
-          </a:xfrm>
-          <a:prstGeom prst="rect">
-            <a:avLst/>
-          </a:prstGeom>
-          <a:noFill/>
-          <a:extLst>
-            <a:ext uri="{909E8E84-426E-40DD-AFC4-6F175D3DCCD1}">
-              <a14:hiddenFill xmlns:a14="http://schemas.microsoft.com/office/drawing/2010/main">
-                <a:solidFill>
-                  <a:srgbClr val="FFFFFF"/>
-                </a:solidFill>
-              </a14:hiddenFill>
-            </a:ext>
-          </a:extLst>
-        </p:spPr>
-      </p:pic>
-      <p:pic>
-        <p:nvPicPr>
-          <p:cNvPr id="12" name="Picture 2" descr="éããå®ç®±ã®ã¤ã©ã¹ã"/>
-          <p:cNvPicPr>
-            <a:picLocks noChangeAspect="1" noChangeArrowheads="1"/>
-          </p:cNvPicPr>
-          <p:nvPr/>
-        </p:nvPicPr>
-        <p:blipFill>
-          <a:blip r:embed="rId2" cstate="print">
-            <a:extLst>
-              <a:ext uri="{28A0092B-C50C-407E-A947-70E740481C1C}">
-                <a14:useLocalDpi xmlns:a14="http://schemas.microsoft.com/office/drawing/2010/main" val="0"/>
-              </a:ext>
-            </a:extLst>
-          </a:blip>
-          <a:srcRect/>
-          <a:stretch>
-            <a:fillRect/>
-          </a:stretch>
-        </p:blipFill>
-        <p:spPr bwMode="auto">
-          <a:xfrm>
-            <a:off x="2194138" y="3496109"/>
-            <a:ext cx="569774" cy="569774"/>
-          </a:xfrm>
-          <a:prstGeom prst="rect">
-            <a:avLst/>
-          </a:prstGeom>
-          <a:noFill/>
-          <a:extLst>
-            <a:ext uri="{909E8E84-426E-40DD-AFC4-6F175D3DCCD1}">
-              <a14:hiddenFill xmlns:a14="http://schemas.microsoft.com/office/drawing/2010/main">
-                <a:solidFill>
-                  <a:srgbClr val="FFFFFF"/>
-                </a:solidFill>
-              </a14:hiddenFill>
-            </a:ext>
-          </a:extLst>
-        </p:spPr>
-      </p:pic>
-      <p:sp>
-        <p:nvSpPr>
-          <p:cNvPr id="13" name="右矢印 12"/>
-          <p:cNvSpPr/>
-          <p:nvPr/>
-        </p:nvSpPr>
-        <p:spPr>
-          <a:xfrm rot="8103042">
-            <a:off x="880675" y="3107002"/>
-            <a:ext cx="539316" cy="269658"/>
-          </a:xfrm>
-          <a:prstGeom prst="rightArrow">
-            <a:avLst/>
-          </a:prstGeom>
-          <a:solidFill>
-            <a:srgbClr val="FF0000"/>
-          </a:solidFill>
-          <a:ln>
-            <a:solidFill>
-              <a:schemeClr val="tx1"/>
-            </a:solidFill>
-          </a:ln>
-        </p:spPr>
-        <p:style>
-          <a:lnRef idx="2">
-            <a:schemeClr val="accent1">
-              <a:shade val="50000"/>
-            </a:schemeClr>
-          </a:lnRef>
-          <a:fillRef idx="1">
-            <a:schemeClr val="accent1"/>
-          </a:fillRef>
-          <a:effectRef idx="0">
-            <a:schemeClr val="accent1"/>
-          </a:effectRef>
-          <a:fontRef idx="minor">
-            <a:schemeClr val="lt1"/>
-          </a:fontRef>
-        </p:style>
-        <p:txBody>
-          <a:bodyPr rtlCol="0" anchor="ctr"/>
-          <a:lstStyle/>
-          <a:p>
-            <a:pPr algn="ctr"/>
-            <a:endParaRPr kumimoji="1" lang="ja-JP" altLang="en-US"/>
-          </a:p>
-        </p:txBody>
-      </p:sp>
-      <p:pic>
-        <p:nvPicPr>
-          <p:cNvPr id="15" name="Picture 2" descr="éããå®ç®±ã®ã¤ã©ã¹ã"/>
-          <p:cNvPicPr>
-            <a:picLocks noChangeAspect="1" noChangeArrowheads="1"/>
-          </p:cNvPicPr>
-          <p:nvPr/>
-        </p:nvPicPr>
-        <p:blipFill>
-          <a:blip r:embed="rId2" cstate="print">
-            <a:extLst>
-              <a:ext uri="{28A0092B-C50C-407E-A947-70E740481C1C}">
-                <a14:useLocalDpi xmlns:a14="http://schemas.microsoft.com/office/drawing/2010/main" val="0"/>
-              </a:ext>
-            </a:extLst>
-          </a:blip>
-          <a:srcRect/>
-          <a:stretch>
-            <a:fillRect/>
-          </a:stretch>
-        </p:blipFill>
-        <p:spPr bwMode="auto">
-          <a:xfrm>
-            <a:off x="467544" y="5716421"/>
-            <a:ext cx="569774" cy="569774"/>
-          </a:xfrm>
-          <a:prstGeom prst="rect">
-            <a:avLst/>
-          </a:prstGeom>
-          <a:noFill/>
-          <a:extLst>
-            <a:ext uri="{909E8E84-426E-40DD-AFC4-6F175D3DCCD1}">
-              <a14:hiddenFill xmlns:a14="http://schemas.microsoft.com/office/drawing/2010/main">
-                <a:solidFill>
-                  <a:srgbClr val="FFFFFF"/>
-                </a:solidFill>
-              </a14:hiddenFill>
-            </a:ext>
-          </a:extLst>
-        </p:spPr>
-      </p:pic>
-      <p:pic>
-        <p:nvPicPr>
-          <p:cNvPr id="16" name="Picture 8" descr="è©±ãåãäººãã¡ã®ã¤ã©ã¹ãï¼å¥³æ§4ï¼"/>
-          <p:cNvPicPr>
-            <a:picLocks noChangeAspect="1" noChangeArrowheads="1"/>
-          </p:cNvPicPr>
-          <p:nvPr/>
-        </p:nvPicPr>
-        <p:blipFill>
-          <a:blip r:embed="rId3" cstate="print">
-            <a:extLst>
-              <a:ext uri="{28A0092B-C50C-407E-A947-70E740481C1C}">
-                <a14:useLocalDpi xmlns:a14="http://schemas.microsoft.com/office/drawing/2010/main" val="0"/>
-              </a:ext>
-            </a:extLst>
-          </a:blip>
-          <a:srcRect/>
-          <a:stretch>
-            <a:fillRect/>
-          </a:stretch>
-        </p:blipFill>
-        <p:spPr bwMode="auto">
-          <a:xfrm>
-            <a:off x="1362289" y="4592846"/>
-            <a:ext cx="458198" cy="596612"/>
-          </a:xfrm>
-          <a:prstGeom prst="rect">
-            <a:avLst/>
-          </a:prstGeom>
-          <a:noFill/>
-          <a:extLst>
-            <a:ext uri="{909E8E84-426E-40DD-AFC4-6F175D3DCCD1}">
-              <a14:hiddenFill xmlns:a14="http://schemas.microsoft.com/office/drawing/2010/main">
-                <a:solidFill>
-                  <a:srgbClr val="FFFFFF"/>
-                </a:solidFill>
-              </a14:hiddenFill>
-            </a:ext>
-          </a:extLst>
-        </p:spPr>
-      </p:pic>
-      <p:pic>
-        <p:nvPicPr>
-          <p:cNvPr id="18" name="Picture 2" descr="éããå®ç®±ã®ã¤ã©ã¹ã"/>
-          <p:cNvPicPr>
-            <a:picLocks noChangeAspect="1" noChangeArrowheads="1"/>
-          </p:cNvPicPr>
-          <p:nvPr/>
-        </p:nvPicPr>
-        <p:blipFill>
-          <a:blip r:embed="rId2" cstate="print">
-            <a:extLst>
-              <a:ext uri="{28A0092B-C50C-407E-A947-70E740481C1C}">
-                <a14:useLocalDpi xmlns:a14="http://schemas.microsoft.com/office/drawing/2010/main" val="0"/>
-              </a:ext>
-            </a:extLst>
-          </a:blip>
-          <a:srcRect/>
-          <a:stretch>
-            <a:fillRect/>
-          </a:stretch>
-        </p:blipFill>
-        <p:spPr bwMode="auto">
-          <a:xfrm>
-            <a:off x="2266146" y="5716420"/>
-            <a:ext cx="569774" cy="569774"/>
-          </a:xfrm>
-          <a:prstGeom prst="rect">
-            <a:avLst/>
-          </a:prstGeom>
-          <a:noFill/>
-          <a:extLst>
-            <a:ext uri="{909E8E84-426E-40DD-AFC4-6F175D3DCCD1}">
-              <a14:hiddenFill xmlns:a14="http://schemas.microsoft.com/office/drawing/2010/main">
-                <a:solidFill>
-                  <a:srgbClr val="FFFFFF"/>
-                </a:solidFill>
-              </a14:hiddenFill>
-            </a:ext>
-          </a:extLst>
-        </p:spPr>
-      </p:pic>
-      <p:sp>
-        <p:nvSpPr>
-          <p:cNvPr id="19" name="右矢印 18"/>
-          <p:cNvSpPr/>
-          <p:nvPr/>
-        </p:nvSpPr>
-        <p:spPr>
-          <a:xfrm rot="8103042">
-            <a:off x="952683" y="5327313"/>
-            <a:ext cx="539316" cy="269658"/>
-          </a:xfrm>
-          <a:prstGeom prst="rightArrow">
-            <a:avLst/>
-          </a:prstGeom>
-          <a:solidFill>
-            <a:srgbClr val="FF0000"/>
-          </a:solidFill>
-          <a:ln>
-            <a:solidFill>
-              <a:schemeClr val="tx1"/>
-            </a:solidFill>
-          </a:ln>
-        </p:spPr>
-        <p:style>
-          <a:lnRef idx="2">
-            <a:schemeClr val="accent1">
-              <a:shade val="50000"/>
-            </a:schemeClr>
-          </a:lnRef>
-          <a:fillRef idx="1">
-            <a:schemeClr val="accent1"/>
-          </a:fillRef>
-          <a:effectRef idx="0">
-            <a:schemeClr val="accent1"/>
-          </a:effectRef>
-          <a:fontRef idx="minor">
-            <a:schemeClr val="lt1"/>
-          </a:fontRef>
-        </p:style>
-        <p:txBody>
-          <a:bodyPr rtlCol="0" anchor="ctr"/>
-          <a:lstStyle/>
-          <a:p>
-            <a:pPr algn="ctr"/>
-            <a:endParaRPr kumimoji="1" lang="ja-JP" altLang="en-US"/>
-          </a:p>
-        </p:txBody>
-      </p:sp>
-      <p:pic>
-        <p:nvPicPr>
-          <p:cNvPr id="21" name="Picture 6" descr="ãããã¯ã®ã¤ã©ã¹ã"/>
-          <p:cNvPicPr>
-            <a:picLocks noChangeAspect="1" noChangeArrowheads="1"/>
-          </p:cNvPicPr>
-          <p:nvPr/>
-        </p:nvPicPr>
-        <p:blipFill>
-          <a:blip r:embed="rId4" cstate="print">
-            <a:extLst>
-              <a:ext uri="{28A0092B-C50C-407E-A947-70E740481C1C}">
-                <a14:useLocalDpi xmlns:a14="http://schemas.microsoft.com/office/drawing/2010/main" val="0"/>
-              </a:ext>
-            </a:extLst>
-          </a:blip>
-          <a:srcRect/>
-          <a:stretch>
-            <a:fillRect/>
-          </a:stretch>
-        </p:blipFill>
-        <p:spPr bwMode="auto">
-          <a:xfrm>
-            <a:off x="1298344" y="3499487"/>
-            <a:ext cx="586088" cy="586088"/>
-          </a:xfrm>
-          <a:prstGeom prst="rect">
-            <a:avLst/>
-          </a:prstGeom>
-          <a:noFill/>
-          <a:extLst>
-            <a:ext uri="{909E8E84-426E-40DD-AFC4-6F175D3DCCD1}">
-              <a14:hiddenFill xmlns:a14="http://schemas.microsoft.com/office/drawing/2010/main">
-                <a:solidFill>
-                  <a:srgbClr val="FFFFFF"/>
-                </a:solidFill>
-              </a14:hiddenFill>
-            </a:ext>
-          </a:extLst>
-        </p:spPr>
-      </p:pic>
-      <p:pic>
-        <p:nvPicPr>
-          <p:cNvPr id="23" name="Picture 6" descr="ãããã¯ã®ã¤ã©ã¹ã"/>
-          <p:cNvPicPr>
-            <a:picLocks noChangeAspect="1" noChangeArrowheads="1"/>
-          </p:cNvPicPr>
-          <p:nvPr/>
-        </p:nvPicPr>
-        <p:blipFill>
-          <a:blip r:embed="rId4" cstate="print">
-            <a:extLst>
-              <a:ext uri="{28A0092B-C50C-407E-A947-70E740481C1C}">
-                <a14:useLocalDpi xmlns:a14="http://schemas.microsoft.com/office/drawing/2010/main" val="0"/>
-              </a:ext>
-            </a:extLst>
-          </a:blip>
-          <a:srcRect/>
-          <a:stretch>
-            <a:fillRect/>
-          </a:stretch>
-        </p:blipFill>
-        <p:spPr bwMode="auto">
-          <a:xfrm>
-            <a:off x="1395882" y="5705301"/>
-            <a:ext cx="586088" cy="586088"/>
-          </a:xfrm>
-          <a:prstGeom prst="rect">
-            <a:avLst/>
-          </a:prstGeom>
-          <a:noFill/>
-          <a:extLst>
-            <a:ext uri="{909E8E84-426E-40DD-AFC4-6F175D3DCCD1}">
-              <a14:hiddenFill xmlns:a14="http://schemas.microsoft.com/office/drawing/2010/main">
-                <a:solidFill>
-                  <a:srgbClr val="FFFFFF"/>
-                </a:solidFill>
-              </a14:hiddenFill>
-            </a:ext>
-          </a:extLst>
-        </p:spPr>
-      </p:pic>
-      <p:sp>
-        <p:nvSpPr>
-          <p:cNvPr id="24" name="右矢印 23"/>
-          <p:cNvSpPr/>
-          <p:nvPr/>
-        </p:nvSpPr>
-        <p:spPr>
-          <a:xfrm rot="2615014">
-            <a:off x="1839113" y="5298020"/>
-            <a:ext cx="539316" cy="269658"/>
-          </a:xfrm>
-          <a:prstGeom prst="rightArrow">
-            <a:avLst/>
-          </a:prstGeom>
-          <a:solidFill>
-            <a:schemeClr val="accent1">
-              <a:lumMod val="75000"/>
-            </a:schemeClr>
-          </a:solidFill>
-          <a:ln>
-            <a:solidFill>
-              <a:schemeClr val="tx1"/>
-            </a:solidFill>
-          </a:ln>
-        </p:spPr>
-        <p:style>
-          <a:lnRef idx="2">
-            <a:schemeClr val="accent1">
-              <a:shade val="50000"/>
-            </a:schemeClr>
-          </a:lnRef>
-          <a:fillRef idx="1">
-            <a:schemeClr val="accent1"/>
-          </a:fillRef>
-          <a:effectRef idx="0">
-            <a:schemeClr val="accent1"/>
-          </a:effectRef>
-          <a:fontRef idx="minor">
-            <a:schemeClr val="lt1"/>
-          </a:fontRef>
-        </p:style>
-        <p:txBody>
-          <a:bodyPr rtlCol="0" anchor="ctr"/>
-          <a:lstStyle/>
-          <a:p>
-            <a:pPr algn="ctr"/>
-            <a:endParaRPr kumimoji="1" lang="ja-JP" altLang="en-US"/>
-          </a:p>
-        </p:txBody>
-      </p:sp>
+      <p:grpSp>
+        <p:nvGrpSpPr>
+          <p:cNvPr id="8" name="グループ化 7">
+            <a:extLst>
+              <a:ext uri="{FF2B5EF4-FFF2-40B4-BE49-F238E27FC236}">
+                <a16:creationId xmlns:a16="http://schemas.microsoft.com/office/drawing/2014/main" id="{0D0E4E58-EAEA-E243-B937-9F79869E9E8C}"/>
+              </a:ext>
+            </a:extLst>
+          </p:cNvPr>
+          <p:cNvGrpSpPr/>
+          <p:nvPr/>
+        </p:nvGrpSpPr>
+        <p:grpSpPr>
+          <a:xfrm>
+            <a:off x="395536" y="2372535"/>
+            <a:ext cx="2369974" cy="1713040"/>
+            <a:chOff x="395536" y="2372535"/>
+            <a:chExt cx="2369974" cy="1713040"/>
+          </a:xfrm>
+        </p:grpSpPr>
+        <p:pic>
+          <p:nvPicPr>
+            <p:cNvPr id="9" name="Picture 2" descr="éããå®ç®±ã®ã¤ã©ã¹ã"/>
+            <p:cNvPicPr>
+              <a:picLocks noChangeAspect="1" noChangeArrowheads="1"/>
+            </p:cNvPicPr>
+            <p:nvPr/>
+          </p:nvPicPr>
+          <p:blipFill>
+            <a:blip r:embed="rId2" cstate="print">
+              <a:extLst>
+                <a:ext uri="{28A0092B-C50C-407E-A947-70E740481C1C}">
+                  <a14:useLocalDpi xmlns:a14="http://schemas.microsoft.com/office/drawing/2010/main" val="0"/>
+                </a:ext>
+              </a:extLst>
+            </a:blip>
+            <a:srcRect/>
+            <a:stretch>
+              <a:fillRect/>
+            </a:stretch>
+          </p:blipFill>
+          <p:spPr bwMode="auto">
+            <a:xfrm>
+              <a:off x="395536" y="3496110"/>
+              <a:ext cx="569774" cy="569774"/>
+            </a:xfrm>
+            <a:prstGeom prst="rect">
+              <a:avLst/>
+            </a:prstGeom>
+            <a:noFill/>
+            <a:extLst>
+              <a:ext uri="{909E8E84-426E-40DD-AFC4-6F175D3DCCD1}">
+                <a14:hiddenFill xmlns:a14="http://schemas.microsoft.com/office/drawing/2010/main">
+                  <a:solidFill>
+                    <a:srgbClr val="FFFFFF"/>
+                  </a:solidFill>
+                </a14:hiddenFill>
+              </a:ext>
+            </a:extLst>
+          </p:spPr>
+        </p:pic>
+        <p:pic>
+          <p:nvPicPr>
+            <p:cNvPr id="10" name="Picture 8" descr="è©±ãåãäººãã¡ã®ã¤ã©ã¹ãï¼å¥³æ§4ï¼"/>
+            <p:cNvPicPr>
+              <a:picLocks noChangeAspect="1" noChangeArrowheads="1"/>
+            </p:cNvPicPr>
+            <p:nvPr/>
+          </p:nvPicPr>
+          <p:blipFill>
+            <a:blip r:embed="rId3" cstate="print">
+              <a:extLst>
+                <a:ext uri="{28A0092B-C50C-407E-A947-70E740481C1C}">
+                  <a14:useLocalDpi xmlns:a14="http://schemas.microsoft.com/office/drawing/2010/main" val="0"/>
+                </a:ext>
+              </a:extLst>
+            </a:blip>
+            <a:srcRect/>
+            <a:stretch>
+              <a:fillRect/>
+            </a:stretch>
+          </p:blipFill>
+          <p:spPr bwMode="auto">
+            <a:xfrm>
+              <a:off x="1290281" y="2372535"/>
+              <a:ext cx="458198" cy="596612"/>
+            </a:xfrm>
+            <a:prstGeom prst="rect">
+              <a:avLst/>
+            </a:prstGeom>
+            <a:noFill/>
+            <a:extLst>
+              <a:ext uri="{909E8E84-426E-40DD-AFC4-6F175D3DCCD1}">
+                <a14:hiddenFill xmlns:a14="http://schemas.microsoft.com/office/drawing/2010/main">
+                  <a:solidFill>
+                    <a:srgbClr val="FFFFFF"/>
+                  </a:solidFill>
+                </a14:hiddenFill>
+              </a:ext>
+            </a:extLst>
+          </p:spPr>
+        </p:pic>
+        <p:pic>
+          <p:nvPicPr>
+            <p:cNvPr id="12" name="Picture 2" descr="éããå®ç®±ã®ã¤ã©ã¹ã"/>
+            <p:cNvPicPr>
+              <a:picLocks noChangeAspect="1" noChangeArrowheads="1"/>
+            </p:cNvPicPr>
+            <p:nvPr/>
+          </p:nvPicPr>
+          <p:blipFill>
+            <a:blip r:embed="rId2" cstate="print">
+              <a:extLst>
+                <a:ext uri="{28A0092B-C50C-407E-A947-70E740481C1C}">
+                  <a14:useLocalDpi xmlns:a14="http://schemas.microsoft.com/office/drawing/2010/main" val="0"/>
+                </a:ext>
+              </a:extLst>
+            </a:blip>
+            <a:srcRect/>
+            <a:stretch>
+              <a:fillRect/>
+            </a:stretch>
+          </p:blipFill>
+          <p:spPr bwMode="auto">
+            <a:xfrm>
+              <a:off x="2195736" y="3501008"/>
+              <a:ext cx="569774" cy="569774"/>
+            </a:xfrm>
+            <a:prstGeom prst="rect">
+              <a:avLst/>
+            </a:prstGeom>
+            <a:noFill/>
+            <a:extLst>
+              <a:ext uri="{909E8E84-426E-40DD-AFC4-6F175D3DCCD1}">
+                <a14:hiddenFill xmlns:a14="http://schemas.microsoft.com/office/drawing/2010/main">
+                  <a:solidFill>
+                    <a:srgbClr val="FFFFFF"/>
+                  </a:solidFill>
+                </a14:hiddenFill>
+              </a:ext>
+            </a:extLst>
+          </p:spPr>
+        </p:pic>
+        <p:sp>
+          <p:nvSpPr>
+            <p:cNvPr id="13" name="右矢印 12"/>
+            <p:cNvSpPr/>
+            <p:nvPr/>
+          </p:nvSpPr>
+          <p:spPr>
+            <a:xfrm rot="8103042">
+              <a:off x="880675" y="3107002"/>
+              <a:ext cx="539316" cy="269658"/>
+            </a:xfrm>
+            <a:prstGeom prst="rightArrow">
+              <a:avLst/>
+            </a:prstGeom>
+            <a:solidFill>
+              <a:srgbClr val="FF0000"/>
+            </a:solidFill>
+            <a:ln>
+              <a:solidFill>
+                <a:schemeClr val="tx1"/>
+              </a:solidFill>
+            </a:ln>
+          </p:spPr>
+          <p:style>
+            <a:lnRef idx="2">
+              <a:schemeClr val="accent1">
+                <a:shade val="50000"/>
+              </a:schemeClr>
+            </a:lnRef>
+            <a:fillRef idx="1">
+              <a:schemeClr val="accent1"/>
+            </a:fillRef>
+            <a:effectRef idx="0">
+              <a:schemeClr val="accent1"/>
+            </a:effectRef>
+            <a:fontRef idx="minor">
+              <a:schemeClr val="lt1"/>
+            </a:fontRef>
+          </p:style>
+          <p:txBody>
+            <a:bodyPr rtlCol="0" anchor="ctr"/>
+            <a:lstStyle/>
+            <a:p>
+              <a:pPr algn="ctr"/>
+              <a:endParaRPr kumimoji="1" lang="ja-JP" altLang="en-US"/>
+            </a:p>
+          </p:txBody>
+        </p:sp>
+        <p:pic>
+          <p:nvPicPr>
+            <p:cNvPr id="21" name="Picture 6" descr="ãããã¯ã®ã¤ã©ã¹ã"/>
+            <p:cNvPicPr>
+              <a:picLocks noChangeAspect="1" noChangeArrowheads="1"/>
+            </p:cNvPicPr>
+            <p:nvPr/>
+          </p:nvPicPr>
+          <p:blipFill>
+            <a:blip r:embed="rId4" cstate="print">
+              <a:extLst>
+                <a:ext uri="{28A0092B-C50C-407E-A947-70E740481C1C}">
+                  <a14:useLocalDpi xmlns:a14="http://schemas.microsoft.com/office/drawing/2010/main" val="0"/>
+                </a:ext>
+              </a:extLst>
+            </a:blip>
+            <a:srcRect/>
+            <a:stretch>
+              <a:fillRect/>
+            </a:stretch>
+          </p:blipFill>
+          <p:spPr bwMode="auto">
+            <a:xfrm>
+              <a:off x="1298344" y="3499487"/>
+              <a:ext cx="586088" cy="586088"/>
+            </a:xfrm>
+            <a:prstGeom prst="rect">
+              <a:avLst/>
+            </a:prstGeom>
+            <a:noFill/>
+            <a:extLst>
+              <a:ext uri="{909E8E84-426E-40DD-AFC4-6F175D3DCCD1}">
+                <a14:hiddenFill xmlns:a14="http://schemas.microsoft.com/office/drawing/2010/main">
+                  <a:solidFill>
+                    <a:srgbClr val="FFFFFF"/>
+                  </a:solidFill>
+                </a14:hiddenFill>
+              </a:ext>
+            </a:extLst>
+          </p:spPr>
+        </p:pic>
+      </p:grpSp>
+      <p:grpSp>
+        <p:nvGrpSpPr>
+          <p:cNvPr id="11" name="グループ化 10">
+            <a:extLst>
+              <a:ext uri="{FF2B5EF4-FFF2-40B4-BE49-F238E27FC236}">
+                <a16:creationId xmlns:a16="http://schemas.microsoft.com/office/drawing/2014/main" id="{DAE35746-D669-DE46-96C6-074413262535}"/>
+              </a:ext>
+            </a:extLst>
+          </p:cNvPr>
+          <p:cNvGrpSpPr/>
+          <p:nvPr/>
+        </p:nvGrpSpPr>
+        <p:grpSpPr>
+          <a:xfrm>
+            <a:off x="467544" y="4592846"/>
+            <a:ext cx="2368376" cy="1698543"/>
+            <a:chOff x="467544" y="4592846"/>
+            <a:chExt cx="2368376" cy="1698543"/>
+          </a:xfrm>
+        </p:grpSpPr>
+        <p:pic>
+          <p:nvPicPr>
+            <p:cNvPr id="15" name="Picture 2" descr="éããå®ç®±ã®ã¤ã©ã¹ã"/>
+            <p:cNvPicPr>
+              <a:picLocks noChangeAspect="1" noChangeArrowheads="1"/>
+            </p:cNvPicPr>
+            <p:nvPr/>
+          </p:nvPicPr>
+          <p:blipFill>
+            <a:blip r:embed="rId2" cstate="print">
+              <a:extLst>
+                <a:ext uri="{28A0092B-C50C-407E-A947-70E740481C1C}">
+                  <a14:useLocalDpi xmlns:a14="http://schemas.microsoft.com/office/drawing/2010/main" val="0"/>
+                </a:ext>
+              </a:extLst>
+            </a:blip>
+            <a:srcRect/>
+            <a:stretch>
+              <a:fillRect/>
+            </a:stretch>
+          </p:blipFill>
+          <p:spPr bwMode="auto">
+            <a:xfrm>
+              <a:off x="467544" y="5716421"/>
+              <a:ext cx="569774" cy="569774"/>
+            </a:xfrm>
+            <a:prstGeom prst="rect">
+              <a:avLst/>
+            </a:prstGeom>
+            <a:noFill/>
+            <a:extLst>
+              <a:ext uri="{909E8E84-426E-40DD-AFC4-6F175D3DCCD1}">
+                <a14:hiddenFill xmlns:a14="http://schemas.microsoft.com/office/drawing/2010/main">
+                  <a:solidFill>
+                    <a:srgbClr val="FFFFFF"/>
+                  </a:solidFill>
+                </a14:hiddenFill>
+              </a:ext>
+            </a:extLst>
+          </p:spPr>
+        </p:pic>
+        <p:pic>
+          <p:nvPicPr>
+            <p:cNvPr id="16" name="Picture 8" descr="è©±ãåãäººãã¡ã®ã¤ã©ã¹ãï¼å¥³æ§4ï¼"/>
+            <p:cNvPicPr>
+              <a:picLocks noChangeAspect="1" noChangeArrowheads="1"/>
+            </p:cNvPicPr>
+            <p:nvPr/>
+          </p:nvPicPr>
+          <p:blipFill>
+            <a:blip r:embed="rId3" cstate="print">
+              <a:extLst>
+                <a:ext uri="{28A0092B-C50C-407E-A947-70E740481C1C}">
+                  <a14:useLocalDpi xmlns:a14="http://schemas.microsoft.com/office/drawing/2010/main" val="0"/>
+                </a:ext>
+              </a:extLst>
+            </a:blip>
+            <a:srcRect/>
+            <a:stretch>
+              <a:fillRect/>
+            </a:stretch>
+          </p:blipFill>
+          <p:spPr bwMode="auto">
+            <a:xfrm>
+              <a:off x="1362289" y="4592846"/>
+              <a:ext cx="458198" cy="596612"/>
+            </a:xfrm>
+            <a:prstGeom prst="rect">
+              <a:avLst/>
+            </a:prstGeom>
+            <a:noFill/>
+            <a:extLst>
+              <a:ext uri="{909E8E84-426E-40DD-AFC4-6F175D3DCCD1}">
+                <a14:hiddenFill xmlns:a14="http://schemas.microsoft.com/office/drawing/2010/main">
+                  <a:solidFill>
+                    <a:srgbClr val="FFFFFF"/>
+                  </a:solidFill>
+                </a14:hiddenFill>
+              </a:ext>
+            </a:extLst>
+          </p:spPr>
+        </p:pic>
+        <p:pic>
+          <p:nvPicPr>
+            <p:cNvPr id="18" name="Picture 2" descr="éããå®ç®±ã®ã¤ã©ã¹ã"/>
+            <p:cNvPicPr>
+              <a:picLocks noChangeAspect="1" noChangeArrowheads="1"/>
+            </p:cNvPicPr>
+            <p:nvPr/>
+          </p:nvPicPr>
+          <p:blipFill>
+            <a:blip r:embed="rId2" cstate="print">
+              <a:extLst>
+                <a:ext uri="{28A0092B-C50C-407E-A947-70E740481C1C}">
+                  <a14:useLocalDpi xmlns:a14="http://schemas.microsoft.com/office/drawing/2010/main" val="0"/>
+                </a:ext>
+              </a:extLst>
+            </a:blip>
+            <a:srcRect/>
+            <a:stretch>
+              <a:fillRect/>
+            </a:stretch>
+          </p:blipFill>
+          <p:spPr bwMode="auto">
+            <a:xfrm>
+              <a:off x="2266146" y="5716420"/>
+              <a:ext cx="569774" cy="569774"/>
+            </a:xfrm>
+            <a:prstGeom prst="rect">
+              <a:avLst/>
+            </a:prstGeom>
+            <a:noFill/>
+            <a:extLst>
+              <a:ext uri="{909E8E84-426E-40DD-AFC4-6F175D3DCCD1}">
+                <a14:hiddenFill xmlns:a14="http://schemas.microsoft.com/office/drawing/2010/main">
+                  <a:solidFill>
+                    <a:srgbClr val="FFFFFF"/>
+                  </a:solidFill>
+                </a14:hiddenFill>
+              </a:ext>
+            </a:extLst>
+          </p:spPr>
+        </p:pic>
+        <p:sp>
+          <p:nvSpPr>
+            <p:cNvPr id="19" name="右矢印 18"/>
+            <p:cNvSpPr/>
+            <p:nvPr/>
+          </p:nvSpPr>
+          <p:spPr>
+            <a:xfrm rot="8103042">
+              <a:off x="952683" y="5327313"/>
+              <a:ext cx="539316" cy="269658"/>
+            </a:xfrm>
+            <a:prstGeom prst="rightArrow">
+              <a:avLst/>
+            </a:prstGeom>
+            <a:solidFill>
+              <a:srgbClr val="FF0000"/>
+            </a:solidFill>
+            <a:ln>
+              <a:solidFill>
+                <a:schemeClr val="tx1"/>
+              </a:solidFill>
+            </a:ln>
+          </p:spPr>
+          <p:style>
+            <a:lnRef idx="2">
+              <a:schemeClr val="accent1">
+                <a:shade val="50000"/>
+              </a:schemeClr>
+            </a:lnRef>
+            <a:fillRef idx="1">
+              <a:schemeClr val="accent1"/>
+            </a:fillRef>
+            <a:effectRef idx="0">
+              <a:schemeClr val="accent1"/>
+            </a:effectRef>
+            <a:fontRef idx="minor">
+              <a:schemeClr val="lt1"/>
+            </a:fontRef>
+          </p:style>
+          <p:txBody>
+            <a:bodyPr rtlCol="0" anchor="ctr"/>
+            <a:lstStyle/>
+            <a:p>
+              <a:pPr algn="ctr"/>
+              <a:endParaRPr kumimoji="1" lang="ja-JP" altLang="en-US"/>
+            </a:p>
+          </p:txBody>
+        </p:sp>
+        <p:pic>
+          <p:nvPicPr>
+            <p:cNvPr id="23" name="Picture 6" descr="ãããã¯ã®ã¤ã©ã¹ã"/>
+            <p:cNvPicPr>
+              <a:picLocks noChangeAspect="1" noChangeArrowheads="1"/>
+            </p:cNvPicPr>
+            <p:nvPr/>
+          </p:nvPicPr>
+          <p:blipFill>
+            <a:blip r:embed="rId4" cstate="print">
+              <a:extLst>
+                <a:ext uri="{28A0092B-C50C-407E-A947-70E740481C1C}">
+                  <a14:useLocalDpi xmlns:a14="http://schemas.microsoft.com/office/drawing/2010/main" val="0"/>
+                </a:ext>
+              </a:extLst>
+            </a:blip>
+            <a:srcRect/>
+            <a:stretch>
+              <a:fillRect/>
+            </a:stretch>
+          </p:blipFill>
+          <p:spPr bwMode="auto">
+            <a:xfrm>
+              <a:off x="1395882" y="5705301"/>
+              <a:ext cx="586088" cy="586088"/>
+            </a:xfrm>
+            <a:prstGeom prst="rect">
+              <a:avLst/>
+            </a:prstGeom>
+            <a:noFill/>
+            <a:extLst>
+              <a:ext uri="{909E8E84-426E-40DD-AFC4-6F175D3DCCD1}">
+                <a14:hiddenFill xmlns:a14="http://schemas.microsoft.com/office/drawing/2010/main">
+                  <a:solidFill>
+                    <a:srgbClr val="FFFFFF"/>
+                  </a:solidFill>
+                </a14:hiddenFill>
+              </a:ext>
+            </a:extLst>
+          </p:spPr>
+        </p:pic>
+        <p:sp>
+          <p:nvSpPr>
+            <p:cNvPr id="24" name="右矢印 23"/>
+            <p:cNvSpPr/>
+            <p:nvPr/>
+          </p:nvSpPr>
+          <p:spPr>
+            <a:xfrm rot="2615014">
+              <a:off x="1839113" y="5298020"/>
+              <a:ext cx="539316" cy="269658"/>
+            </a:xfrm>
+            <a:prstGeom prst="rightArrow">
+              <a:avLst/>
+            </a:prstGeom>
+            <a:solidFill>
+              <a:schemeClr val="accent1">
+                <a:lumMod val="75000"/>
+              </a:schemeClr>
+            </a:solidFill>
+            <a:ln>
+              <a:solidFill>
+                <a:schemeClr val="tx1"/>
+              </a:solidFill>
+            </a:ln>
+          </p:spPr>
+          <p:style>
+            <a:lnRef idx="2">
+              <a:schemeClr val="accent1">
+                <a:shade val="50000"/>
+              </a:schemeClr>
+            </a:lnRef>
+            <a:fillRef idx="1">
+              <a:schemeClr val="accent1"/>
+            </a:fillRef>
+            <a:effectRef idx="0">
+              <a:schemeClr val="accent1"/>
+            </a:effectRef>
+            <a:fontRef idx="minor">
+              <a:schemeClr val="lt1"/>
+            </a:fontRef>
+          </p:style>
+          <p:txBody>
+            <a:bodyPr rtlCol="0" anchor="ctr"/>
+            <a:lstStyle/>
+            <a:p>
+              <a:pPr algn="ctr"/>
+              <a:endParaRPr kumimoji="1" lang="ja-JP" altLang="en-US"/>
+            </a:p>
+          </p:txBody>
+        </p:sp>
+      </p:grpSp>
       <p:sp>
         <p:nvSpPr>
           <p:cNvPr id="25" name="テキスト ボックス 24"/>

--- a/random/fig/fig.pptx
+++ b/random/fig/fig.pptx
@@ -12496,397 +12496,6 @@
       </p:sp>
       <p:sp>
         <p:nvSpPr>
-          <p:cNvPr id="4" name="円/楕円 3">
-            <a:extLst>
-              <a:ext uri="{FF2B5EF4-FFF2-40B4-BE49-F238E27FC236}">
-                <a16:creationId xmlns:a16="http://schemas.microsoft.com/office/drawing/2014/main" id="{5803F0E8-4F20-A74C-BEEF-98F584B1EC00}"/>
-              </a:ext>
-            </a:extLst>
-          </p:cNvPr>
-          <p:cNvSpPr/>
-          <p:nvPr/>
-        </p:nvSpPr>
-        <p:spPr>
-          <a:xfrm>
-            <a:off x="2267744" y="1268760"/>
-            <a:ext cx="432048" cy="432048"/>
-          </a:xfrm>
-          <a:prstGeom prst="ellipse">
-            <a:avLst/>
-          </a:prstGeom>
-          <a:solidFill>
-            <a:srgbClr val="FF0000"/>
-          </a:solidFill>
-          <a:ln>
-            <a:solidFill>
-              <a:schemeClr val="tx1"/>
-            </a:solidFill>
-          </a:ln>
-        </p:spPr>
-        <p:style>
-          <a:lnRef idx="2">
-            <a:schemeClr val="accent1">
-              <a:shade val="50000"/>
-            </a:schemeClr>
-          </a:lnRef>
-          <a:fillRef idx="1">
-            <a:schemeClr val="accent1"/>
-          </a:fillRef>
-          <a:effectRef idx="0">
-            <a:schemeClr val="accent1"/>
-          </a:effectRef>
-          <a:fontRef idx="minor">
-            <a:schemeClr val="lt1"/>
-          </a:fontRef>
-        </p:style>
-        <p:txBody>
-          <a:bodyPr rtlCol="0" anchor="ctr"/>
-          <a:lstStyle/>
-          <a:p>
-            <a:pPr algn="ctr"/>
-            <a:r>
-              <a:rPr kumimoji="1" lang="en-US" altLang="ja-JP">
-                <a:solidFill>
-                  <a:schemeClr val="tx1"/>
-                </a:solidFill>
-              </a:rPr>
-              <a:t>1</a:t>
-            </a:r>
-            <a:endParaRPr kumimoji="1" lang="ja-JP" altLang="en-US">
-              <a:solidFill>
-                <a:schemeClr val="tx1"/>
-              </a:solidFill>
-            </a:endParaRPr>
-          </a:p>
-        </p:txBody>
-      </p:sp>
-      <p:sp>
-        <p:nvSpPr>
-          <p:cNvPr id="5" name="円/楕円 4">
-            <a:extLst>
-              <a:ext uri="{FF2B5EF4-FFF2-40B4-BE49-F238E27FC236}">
-                <a16:creationId xmlns:a16="http://schemas.microsoft.com/office/drawing/2014/main" id="{42F2D4BE-2759-154F-AB82-6678B64C9825}"/>
-              </a:ext>
-            </a:extLst>
-          </p:cNvPr>
-          <p:cNvSpPr/>
-          <p:nvPr/>
-        </p:nvSpPr>
-        <p:spPr>
-          <a:xfrm>
-            <a:off x="1835696" y="1916832"/>
-            <a:ext cx="432048" cy="432048"/>
-          </a:xfrm>
-          <a:prstGeom prst="ellipse">
-            <a:avLst/>
-          </a:prstGeom>
-          <a:noFill/>
-          <a:ln>
-            <a:solidFill>
-              <a:schemeClr val="tx1"/>
-            </a:solidFill>
-          </a:ln>
-        </p:spPr>
-        <p:style>
-          <a:lnRef idx="2">
-            <a:schemeClr val="accent1">
-              <a:shade val="50000"/>
-            </a:schemeClr>
-          </a:lnRef>
-          <a:fillRef idx="1">
-            <a:schemeClr val="accent1"/>
-          </a:fillRef>
-          <a:effectRef idx="0">
-            <a:schemeClr val="accent1"/>
-          </a:effectRef>
-          <a:fontRef idx="minor">
-            <a:schemeClr val="lt1"/>
-          </a:fontRef>
-        </p:style>
-        <p:txBody>
-          <a:bodyPr rtlCol="0" anchor="ctr"/>
-          <a:lstStyle/>
-          <a:p>
-            <a:pPr algn="ctr"/>
-            <a:r>
-              <a:rPr kumimoji="1" lang="en-US" altLang="ja-JP">
-                <a:solidFill>
-                  <a:schemeClr val="tx1"/>
-                </a:solidFill>
-              </a:rPr>
-              <a:t>2</a:t>
-            </a:r>
-            <a:endParaRPr kumimoji="1" lang="ja-JP" altLang="en-US">
-              <a:solidFill>
-                <a:schemeClr val="tx1"/>
-              </a:solidFill>
-            </a:endParaRPr>
-          </a:p>
-        </p:txBody>
-      </p:sp>
-      <p:sp>
-        <p:nvSpPr>
-          <p:cNvPr id="6" name="円/楕円 5">
-            <a:extLst>
-              <a:ext uri="{FF2B5EF4-FFF2-40B4-BE49-F238E27FC236}">
-                <a16:creationId xmlns:a16="http://schemas.microsoft.com/office/drawing/2014/main" id="{726B0BB8-28AE-0F48-A53C-4E56CBD8CF15}"/>
-              </a:ext>
-            </a:extLst>
-          </p:cNvPr>
-          <p:cNvSpPr/>
-          <p:nvPr/>
-        </p:nvSpPr>
-        <p:spPr>
-          <a:xfrm>
-            <a:off x="2627784" y="1916832"/>
-            <a:ext cx="432048" cy="432048"/>
-          </a:xfrm>
-          <a:prstGeom prst="ellipse">
-            <a:avLst/>
-          </a:prstGeom>
-          <a:noFill/>
-          <a:ln>
-            <a:solidFill>
-              <a:schemeClr val="tx1"/>
-            </a:solidFill>
-          </a:ln>
-        </p:spPr>
-        <p:style>
-          <a:lnRef idx="2">
-            <a:schemeClr val="accent1">
-              <a:shade val="50000"/>
-            </a:schemeClr>
-          </a:lnRef>
-          <a:fillRef idx="1">
-            <a:schemeClr val="accent1"/>
-          </a:fillRef>
-          <a:effectRef idx="0">
-            <a:schemeClr val="accent1"/>
-          </a:effectRef>
-          <a:fontRef idx="minor">
-            <a:schemeClr val="lt1"/>
-          </a:fontRef>
-        </p:style>
-        <p:txBody>
-          <a:bodyPr rtlCol="0" anchor="ctr"/>
-          <a:lstStyle/>
-          <a:p>
-            <a:pPr algn="ctr"/>
-            <a:r>
-              <a:rPr kumimoji="1" lang="en-US" altLang="ja-JP">
-                <a:solidFill>
-                  <a:schemeClr val="tx1"/>
-                </a:solidFill>
-              </a:rPr>
-              <a:t>3</a:t>
-            </a:r>
-            <a:endParaRPr kumimoji="1" lang="ja-JP" altLang="en-US">
-              <a:solidFill>
-                <a:schemeClr val="tx1"/>
-              </a:solidFill>
-            </a:endParaRPr>
-          </a:p>
-        </p:txBody>
-      </p:sp>
-      <p:sp>
-        <p:nvSpPr>
-          <p:cNvPr id="7" name="円/楕円 6">
-            <a:extLst>
-              <a:ext uri="{FF2B5EF4-FFF2-40B4-BE49-F238E27FC236}">
-                <a16:creationId xmlns:a16="http://schemas.microsoft.com/office/drawing/2014/main" id="{A394B18F-92D5-F544-96CE-CA93C1ADCF71}"/>
-              </a:ext>
-            </a:extLst>
-          </p:cNvPr>
-          <p:cNvSpPr/>
-          <p:nvPr/>
-        </p:nvSpPr>
-        <p:spPr>
-          <a:xfrm>
-            <a:off x="1403648" y="2564904"/>
-            <a:ext cx="432048" cy="432048"/>
-          </a:xfrm>
-          <a:prstGeom prst="ellipse">
-            <a:avLst/>
-          </a:prstGeom>
-          <a:noFill/>
-          <a:ln>
-            <a:solidFill>
-              <a:schemeClr val="tx1"/>
-            </a:solidFill>
-          </a:ln>
-        </p:spPr>
-        <p:style>
-          <a:lnRef idx="2">
-            <a:schemeClr val="accent1">
-              <a:shade val="50000"/>
-            </a:schemeClr>
-          </a:lnRef>
-          <a:fillRef idx="1">
-            <a:schemeClr val="accent1"/>
-          </a:fillRef>
-          <a:effectRef idx="0">
-            <a:schemeClr val="accent1"/>
-          </a:effectRef>
-          <a:fontRef idx="minor">
-            <a:schemeClr val="lt1"/>
-          </a:fontRef>
-        </p:style>
-        <p:txBody>
-          <a:bodyPr rtlCol="0" anchor="ctr"/>
-          <a:lstStyle/>
-          <a:p>
-            <a:pPr algn="ctr"/>
-            <a:r>
-              <a:rPr kumimoji="1" lang="en-US" altLang="ja-JP">
-                <a:solidFill>
-                  <a:schemeClr val="tx1"/>
-                </a:solidFill>
-              </a:rPr>
-              <a:t>4</a:t>
-            </a:r>
-            <a:endParaRPr kumimoji="1" lang="ja-JP" altLang="en-US">
-              <a:solidFill>
-                <a:schemeClr val="tx1"/>
-              </a:solidFill>
-            </a:endParaRPr>
-          </a:p>
-        </p:txBody>
-      </p:sp>
-      <p:sp>
-        <p:nvSpPr>
-          <p:cNvPr id="8" name="円/楕円 7">
-            <a:extLst>
-              <a:ext uri="{FF2B5EF4-FFF2-40B4-BE49-F238E27FC236}">
-                <a16:creationId xmlns:a16="http://schemas.microsoft.com/office/drawing/2014/main" id="{A186CAF9-7CEE-864F-90B4-351B5C902C13}"/>
-              </a:ext>
-            </a:extLst>
-          </p:cNvPr>
-          <p:cNvSpPr/>
-          <p:nvPr/>
-        </p:nvSpPr>
-        <p:spPr>
-          <a:xfrm>
-            <a:off x="2267744" y="2564904"/>
-            <a:ext cx="432048" cy="432048"/>
-          </a:xfrm>
-          <a:prstGeom prst="ellipse">
-            <a:avLst/>
-          </a:prstGeom>
-          <a:noFill/>
-          <a:ln>
-            <a:solidFill>
-              <a:schemeClr val="tx1"/>
-            </a:solidFill>
-          </a:ln>
-        </p:spPr>
-        <p:style>
-          <a:lnRef idx="2">
-            <a:schemeClr val="accent1">
-              <a:shade val="50000"/>
-            </a:schemeClr>
-          </a:lnRef>
-          <a:fillRef idx="1">
-            <a:schemeClr val="accent1"/>
-          </a:fillRef>
-          <a:effectRef idx="0">
-            <a:schemeClr val="accent1"/>
-          </a:effectRef>
-          <a:fontRef idx="minor">
-            <a:schemeClr val="lt1"/>
-          </a:fontRef>
-        </p:style>
-        <p:txBody>
-          <a:bodyPr rtlCol="0" anchor="ctr"/>
-          <a:lstStyle/>
-          <a:p>
-            <a:pPr algn="ctr"/>
-            <a:r>
-              <a:rPr kumimoji="1" lang="en-US" altLang="ja-JP">
-                <a:solidFill>
-                  <a:schemeClr val="tx1"/>
-                </a:solidFill>
-              </a:rPr>
-              <a:t>5</a:t>
-            </a:r>
-            <a:endParaRPr kumimoji="1" lang="ja-JP" altLang="en-US">
-              <a:solidFill>
-                <a:schemeClr val="tx1"/>
-              </a:solidFill>
-            </a:endParaRPr>
-          </a:p>
-        </p:txBody>
-      </p:sp>
-      <p:sp>
-        <p:nvSpPr>
-          <p:cNvPr id="9" name="円/楕円 8">
-            <a:extLst>
-              <a:ext uri="{FF2B5EF4-FFF2-40B4-BE49-F238E27FC236}">
-                <a16:creationId xmlns:a16="http://schemas.microsoft.com/office/drawing/2014/main" id="{F2232284-0741-B64C-B5F0-485FA5099D4C}"/>
-              </a:ext>
-            </a:extLst>
-          </p:cNvPr>
-          <p:cNvSpPr/>
-          <p:nvPr/>
-        </p:nvSpPr>
-        <p:spPr>
-          <a:xfrm>
-            <a:off x="3059832" y="2564904"/>
-            <a:ext cx="432048" cy="432048"/>
-          </a:xfrm>
-          <a:prstGeom prst="ellipse">
-            <a:avLst/>
-          </a:prstGeom>
-          <a:solidFill>
-            <a:schemeClr val="accent1">
-              <a:lumMod val="40000"/>
-              <a:lumOff val="60000"/>
-            </a:schemeClr>
-          </a:solidFill>
-          <a:ln>
-            <a:solidFill>
-              <a:schemeClr val="tx1"/>
-            </a:solidFill>
-          </a:ln>
-        </p:spPr>
-        <p:style>
-          <a:lnRef idx="2">
-            <a:schemeClr val="accent1">
-              <a:shade val="50000"/>
-            </a:schemeClr>
-          </a:lnRef>
-          <a:fillRef idx="1">
-            <a:schemeClr val="accent1"/>
-          </a:fillRef>
-          <a:effectRef idx="0">
-            <a:schemeClr val="accent1"/>
-          </a:effectRef>
-          <a:fontRef idx="minor">
-            <a:schemeClr val="lt1"/>
-          </a:fontRef>
-        </p:style>
-        <p:txBody>
-          <a:bodyPr rtlCol="0" anchor="ctr"/>
-          <a:lstStyle/>
-          <a:p>
-            <a:pPr algn="ctr"/>
-            <a:r>
-              <a:rPr kumimoji="1" lang="en-US" altLang="ja-JP">
-                <a:solidFill>
-                  <a:schemeClr val="tx1"/>
-                </a:solidFill>
-              </a:rPr>
-              <a:t>6</a:t>
-            </a:r>
-            <a:endParaRPr kumimoji="1" lang="ja-JP" altLang="en-US">
-              <a:solidFill>
-                <a:schemeClr val="tx1"/>
-              </a:solidFill>
-            </a:endParaRPr>
-          </a:p>
-        </p:txBody>
-      </p:sp>
-      <p:sp>
-        <p:nvSpPr>
           <p:cNvPr id="22" name="テキスト ボックス 21">
             <a:extLst>
               <a:ext uri="{FF2B5EF4-FFF2-40B4-BE49-F238E27FC236}">
@@ -13072,500 +12681,6 @@
       </p:sp>
       <p:sp>
         <p:nvSpPr>
-          <p:cNvPr id="26" name="円/楕円 25">
-            <a:extLst>
-              <a:ext uri="{FF2B5EF4-FFF2-40B4-BE49-F238E27FC236}">
-                <a16:creationId xmlns:a16="http://schemas.microsoft.com/office/drawing/2014/main" id="{84CAA7FE-7E73-4F4E-9221-CB27C6FD09E1}"/>
-              </a:ext>
-            </a:extLst>
-          </p:cNvPr>
-          <p:cNvSpPr/>
-          <p:nvPr/>
-        </p:nvSpPr>
-        <p:spPr>
-          <a:xfrm>
-            <a:off x="1691680" y="4078813"/>
-            <a:ext cx="432048" cy="432048"/>
-          </a:xfrm>
-          <a:prstGeom prst="ellipse">
-            <a:avLst/>
-          </a:prstGeom>
-          <a:solidFill>
-            <a:srgbClr val="FF0000"/>
-          </a:solidFill>
-          <a:ln>
-            <a:solidFill>
-              <a:schemeClr val="tx1"/>
-            </a:solidFill>
-          </a:ln>
-        </p:spPr>
-        <p:style>
-          <a:lnRef idx="2">
-            <a:schemeClr val="accent1">
-              <a:shade val="50000"/>
-            </a:schemeClr>
-          </a:lnRef>
-          <a:fillRef idx="1">
-            <a:schemeClr val="accent1"/>
-          </a:fillRef>
-          <a:effectRef idx="0">
-            <a:schemeClr val="accent1"/>
-          </a:effectRef>
-          <a:fontRef idx="minor">
-            <a:schemeClr val="lt1"/>
-          </a:fontRef>
-        </p:style>
-        <p:txBody>
-          <a:bodyPr rtlCol="0" anchor="ctr"/>
-          <a:lstStyle/>
-          <a:p>
-            <a:pPr algn="ctr"/>
-            <a:r>
-              <a:rPr kumimoji="1" lang="en-US" altLang="ja-JP">
-                <a:solidFill>
-                  <a:schemeClr val="tx1"/>
-                </a:solidFill>
-              </a:rPr>
-              <a:t>1</a:t>
-            </a:r>
-            <a:endParaRPr kumimoji="1" lang="ja-JP" altLang="en-US">
-              <a:solidFill>
-                <a:schemeClr val="tx1"/>
-              </a:solidFill>
-            </a:endParaRPr>
-          </a:p>
-        </p:txBody>
-      </p:sp>
-      <p:sp>
-        <p:nvSpPr>
-          <p:cNvPr id="27" name="円/楕円 26">
-            <a:extLst>
-              <a:ext uri="{FF2B5EF4-FFF2-40B4-BE49-F238E27FC236}">
-                <a16:creationId xmlns:a16="http://schemas.microsoft.com/office/drawing/2014/main" id="{60A35061-CF35-8A44-B4A9-3F9EC88A39DE}"/>
-              </a:ext>
-            </a:extLst>
-          </p:cNvPr>
-          <p:cNvSpPr/>
-          <p:nvPr/>
-        </p:nvSpPr>
-        <p:spPr>
-          <a:xfrm>
-            <a:off x="1259632" y="4726885"/>
-            <a:ext cx="432048" cy="432048"/>
-          </a:xfrm>
-          <a:prstGeom prst="ellipse">
-            <a:avLst/>
-          </a:prstGeom>
-          <a:noFill/>
-          <a:ln>
-            <a:solidFill>
-              <a:schemeClr val="tx1"/>
-            </a:solidFill>
-          </a:ln>
-        </p:spPr>
-        <p:style>
-          <a:lnRef idx="2">
-            <a:schemeClr val="accent1">
-              <a:shade val="50000"/>
-            </a:schemeClr>
-          </a:lnRef>
-          <a:fillRef idx="1">
-            <a:schemeClr val="accent1"/>
-          </a:fillRef>
-          <a:effectRef idx="0">
-            <a:schemeClr val="accent1"/>
-          </a:effectRef>
-          <a:fontRef idx="minor">
-            <a:schemeClr val="lt1"/>
-          </a:fontRef>
-        </p:style>
-        <p:txBody>
-          <a:bodyPr rtlCol="0" anchor="ctr"/>
-          <a:lstStyle/>
-          <a:p>
-            <a:pPr algn="ctr"/>
-            <a:r>
-              <a:rPr kumimoji="1" lang="en-US" altLang="ja-JP">
-                <a:solidFill>
-                  <a:schemeClr val="tx1"/>
-                </a:solidFill>
-              </a:rPr>
-              <a:t>2</a:t>
-            </a:r>
-            <a:endParaRPr kumimoji="1" lang="ja-JP" altLang="en-US">
-              <a:solidFill>
-                <a:schemeClr val="tx1"/>
-              </a:solidFill>
-            </a:endParaRPr>
-          </a:p>
-        </p:txBody>
-      </p:sp>
-      <p:sp>
-        <p:nvSpPr>
-          <p:cNvPr id="28" name="円/楕円 27">
-            <a:extLst>
-              <a:ext uri="{FF2B5EF4-FFF2-40B4-BE49-F238E27FC236}">
-                <a16:creationId xmlns:a16="http://schemas.microsoft.com/office/drawing/2014/main" id="{9685AE05-8C41-FD44-B6F5-E40C3A45A6E2}"/>
-              </a:ext>
-            </a:extLst>
-          </p:cNvPr>
-          <p:cNvSpPr/>
-          <p:nvPr/>
-        </p:nvSpPr>
-        <p:spPr>
-          <a:xfrm>
-            <a:off x="2051720" y="4726885"/>
-            <a:ext cx="432048" cy="432048"/>
-          </a:xfrm>
-          <a:prstGeom prst="ellipse">
-            <a:avLst/>
-          </a:prstGeom>
-          <a:solidFill>
-            <a:schemeClr val="accent1">
-              <a:lumMod val="40000"/>
-              <a:lumOff val="60000"/>
-            </a:schemeClr>
-          </a:solidFill>
-          <a:ln>
-            <a:solidFill>
-              <a:schemeClr val="tx1"/>
-            </a:solidFill>
-          </a:ln>
-        </p:spPr>
-        <p:style>
-          <a:lnRef idx="2">
-            <a:schemeClr val="accent1">
-              <a:shade val="50000"/>
-            </a:schemeClr>
-          </a:lnRef>
-          <a:fillRef idx="1">
-            <a:schemeClr val="accent1"/>
-          </a:fillRef>
-          <a:effectRef idx="0">
-            <a:schemeClr val="accent1"/>
-          </a:effectRef>
-          <a:fontRef idx="minor">
-            <a:schemeClr val="lt1"/>
-          </a:fontRef>
-        </p:style>
-        <p:txBody>
-          <a:bodyPr rtlCol="0" anchor="ctr"/>
-          <a:lstStyle/>
-          <a:p>
-            <a:pPr algn="ctr"/>
-            <a:r>
-              <a:rPr kumimoji="1" lang="en-US" altLang="ja-JP">
-                <a:solidFill>
-                  <a:schemeClr val="tx1"/>
-                </a:solidFill>
-              </a:rPr>
-              <a:t>3</a:t>
-            </a:r>
-            <a:endParaRPr kumimoji="1" lang="ja-JP" altLang="en-US">
-              <a:solidFill>
-                <a:schemeClr val="tx1"/>
-              </a:solidFill>
-            </a:endParaRPr>
-          </a:p>
-        </p:txBody>
-      </p:sp>
-      <p:cxnSp>
-        <p:nvCxnSpPr>
-          <p:cNvPr id="29" name="直線コネクタ 28">
-            <a:extLst>
-              <a:ext uri="{FF2B5EF4-FFF2-40B4-BE49-F238E27FC236}">
-                <a16:creationId xmlns:a16="http://schemas.microsoft.com/office/drawing/2014/main" id="{8C289219-BC5B-1F43-ABC1-BA794C12197D}"/>
-              </a:ext>
-            </a:extLst>
-          </p:cNvPr>
-          <p:cNvCxnSpPr>
-            <a:cxnSpLocks/>
-            <a:stCxn id="26" idx="3"/>
-            <a:endCxn id="27" idx="0"/>
-          </p:cNvCxnSpPr>
-          <p:nvPr/>
-        </p:nvCxnSpPr>
-        <p:spPr>
-          <a:xfrm flipH="1">
-            <a:off x="1475656" y="4447589"/>
-            <a:ext cx="279296" cy="279296"/>
-          </a:xfrm>
-          <a:prstGeom prst="line">
-            <a:avLst/>
-          </a:prstGeom>
-          <a:ln w="12700">
-            <a:solidFill>
-              <a:schemeClr val="tx1"/>
-            </a:solidFill>
-            <a:headEnd type="triangle" w="med" len="med"/>
-            <a:tailEnd type="none" w="med" len="med"/>
-          </a:ln>
-        </p:spPr>
-        <p:style>
-          <a:lnRef idx="1">
-            <a:schemeClr val="accent1"/>
-          </a:lnRef>
-          <a:fillRef idx="0">
-            <a:schemeClr val="accent1"/>
-          </a:fillRef>
-          <a:effectRef idx="0">
-            <a:schemeClr val="accent1"/>
-          </a:effectRef>
-          <a:fontRef idx="minor">
-            <a:schemeClr val="tx1"/>
-          </a:fontRef>
-        </p:style>
-      </p:cxnSp>
-      <p:cxnSp>
-        <p:nvCxnSpPr>
-          <p:cNvPr id="32" name="直線コネクタ 31">
-            <a:extLst>
-              <a:ext uri="{FF2B5EF4-FFF2-40B4-BE49-F238E27FC236}">
-                <a16:creationId xmlns:a16="http://schemas.microsoft.com/office/drawing/2014/main" id="{EF5F7282-D3D0-E548-B5AA-A6198F5FD945}"/>
-              </a:ext>
-            </a:extLst>
-          </p:cNvPr>
-          <p:cNvCxnSpPr>
-            <a:cxnSpLocks/>
-            <a:stCxn id="26" idx="5"/>
-            <a:endCxn id="28" idx="0"/>
-          </p:cNvCxnSpPr>
-          <p:nvPr/>
-        </p:nvCxnSpPr>
-        <p:spPr>
-          <a:xfrm>
-            <a:off x="2060456" y="4447589"/>
-            <a:ext cx="207288" cy="279296"/>
-          </a:xfrm>
-          <a:prstGeom prst="line">
-            <a:avLst/>
-          </a:prstGeom>
-          <a:ln w="12700">
-            <a:solidFill>
-              <a:schemeClr val="tx1"/>
-            </a:solidFill>
-            <a:headEnd type="triangle" w="med" len="med"/>
-            <a:tailEnd type="none" w="med" len="med"/>
-          </a:ln>
-        </p:spPr>
-        <p:style>
-          <a:lnRef idx="1">
-            <a:schemeClr val="accent1"/>
-          </a:lnRef>
-          <a:fillRef idx="0">
-            <a:schemeClr val="accent1"/>
-          </a:fillRef>
-          <a:effectRef idx="0">
-            <a:schemeClr val="accent1"/>
-          </a:effectRef>
-          <a:fontRef idx="minor">
-            <a:schemeClr val="tx1"/>
-          </a:fontRef>
-        </p:style>
-      </p:cxnSp>
-      <p:sp>
-        <p:nvSpPr>
-          <p:cNvPr id="33" name="円/楕円 32">
-            <a:extLst>
-              <a:ext uri="{FF2B5EF4-FFF2-40B4-BE49-F238E27FC236}">
-                <a16:creationId xmlns:a16="http://schemas.microsoft.com/office/drawing/2014/main" id="{ACFBE2F6-C8B4-EE44-A545-BB20A23BDB83}"/>
-              </a:ext>
-            </a:extLst>
-          </p:cNvPr>
-          <p:cNvSpPr/>
-          <p:nvPr/>
-        </p:nvSpPr>
-        <p:spPr>
-          <a:xfrm>
-            <a:off x="3203848" y="4078813"/>
-            <a:ext cx="432048" cy="432048"/>
-          </a:xfrm>
-          <a:prstGeom prst="ellipse">
-            <a:avLst/>
-          </a:prstGeom>
-          <a:solidFill>
-            <a:srgbClr val="FF0000"/>
-          </a:solidFill>
-          <a:ln>
-            <a:solidFill>
-              <a:schemeClr val="tx1"/>
-            </a:solidFill>
-          </a:ln>
-        </p:spPr>
-        <p:style>
-          <a:lnRef idx="2">
-            <a:schemeClr val="accent1">
-              <a:shade val="50000"/>
-            </a:schemeClr>
-          </a:lnRef>
-          <a:fillRef idx="1">
-            <a:schemeClr val="accent1"/>
-          </a:fillRef>
-          <a:effectRef idx="0">
-            <a:schemeClr val="accent1"/>
-          </a:effectRef>
-          <a:fontRef idx="minor">
-            <a:schemeClr val="lt1"/>
-          </a:fontRef>
-        </p:style>
-        <p:txBody>
-          <a:bodyPr rtlCol="0" anchor="ctr"/>
-          <a:lstStyle/>
-          <a:p>
-            <a:pPr algn="ctr"/>
-            <a:r>
-              <a:rPr kumimoji="1" lang="en-US" altLang="ja-JP">
-                <a:solidFill>
-                  <a:schemeClr val="tx1"/>
-                </a:solidFill>
-              </a:rPr>
-              <a:t>4</a:t>
-            </a:r>
-            <a:endParaRPr kumimoji="1" lang="ja-JP" altLang="en-US">
-              <a:solidFill>
-                <a:schemeClr val="tx1"/>
-              </a:solidFill>
-            </a:endParaRPr>
-          </a:p>
-        </p:txBody>
-      </p:sp>
-      <p:sp>
-        <p:nvSpPr>
-          <p:cNvPr id="34" name="円/楕円 33">
-            <a:extLst>
-              <a:ext uri="{FF2B5EF4-FFF2-40B4-BE49-F238E27FC236}">
-                <a16:creationId xmlns:a16="http://schemas.microsoft.com/office/drawing/2014/main" id="{79E2F906-C6EC-AC41-9CD7-C0B1263EB0C3}"/>
-              </a:ext>
-            </a:extLst>
-          </p:cNvPr>
-          <p:cNvSpPr/>
-          <p:nvPr/>
-        </p:nvSpPr>
-        <p:spPr>
-          <a:xfrm>
-            <a:off x="2771800" y="4726885"/>
-            <a:ext cx="432048" cy="432048"/>
-          </a:xfrm>
-          <a:prstGeom prst="ellipse">
-            <a:avLst/>
-          </a:prstGeom>
-          <a:solidFill>
-            <a:schemeClr val="accent1">
-              <a:lumMod val="40000"/>
-              <a:lumOff val="60000"/>
-            </a:schemeClr>
-          </a:solidFill>
-          <a:ln>
-            <a:solidFill>
-              <a:schemeClr val="tx1"/>
-            </a:solidFill>
-          </a:ln>
-        </p:spPr>
-        <p:style>
-          <a:lnRef idx="2">
-            <a:schemeClr val="accent1">
-              <a:shade val="50000"/>
-            </a:schemeClr>
-          </a:lnRef>
-          <a:fillRef idx="1">
-            <a:schemeClr val="accent1"/>
-          </a:fillRef>
-          <a:effectRef idx="0">
-            <a:schemeClr val="accent1"/>
-          </a:effectRef>
-          <a:fontRef idx="minor">
-            <a:schemeClr val="lt1"/>
-          </a:fontRef>
-        </p:style>
-        <p:txBody>
-          <a:bodyPr rtlCol="0" anchor="ctr"/>
-          <a:lstStyle/>
-          <a:p>
-            <a:pPr algn="ctr"/>
-            <a:r>
-              <a:rPr kumimoji="1" lang="en-US" altLang="ja-JP">
-                <a:solidFill>
-                  <a:schemeClr val="tx1"/>
-                </a:solidFill>
-              </a:rPr>
-              <a:t>5</a:t>
-            </a:r>
-            <a:endParaRPr kumimoji="1" lang="ja-JP" altLang="en-US">
-              <a:solidFill>
-                <a:schemeClr val="tx1"/>
-              </a:solidFill>
-            </a:endParaRPr>
-          </a:p>
-        </p:txBody>
-      </p:sp>
-      <p:sp>
-        <p:nvSpPr>
-          <p:cNvPr id="35" name="円/楕円 34">
-            <a:extLst>
-              <a:ext uri="{FF2B5EF4-FFF2-40B4-BE49-F238E27FC236}">
-                <a16:creationId xmlns:a16="http://schemas.microsoft.com/office/drawing/2014/main" id="{3EB72924-A353-B142-B160-12324AF642AC}"/>
-              </a:ext>
-            </a:extLst>
-          </p:cNvPr>
-          <p:cNvSpPr/>
-          <p:nvPr/>
-        </p:nvSpPr>
-        <p:spPr>
-          <a:xfrm>
-            <a:off x="3563888" y="4726885"/>
-            <a:ext cx="432048" cy="432048"/>
-          </a:xfrm>
-          <a:prstGeom prst="ellipse">
-            <a:avLst/>
-          </a:prstGeom>
-          <a:solidFill>
-            <a:schemeClr val="bg1"/>
-          </a:solidFill>
-          <a:ln>
-            <a:solidFill>
-              <a:schemeClr val="tx1"/>
-            </a:solidFill>
-          </a:ln>
-        </p:spPr>
-        <p:style>
-          <a:lnRef idx="2">
-            <a:schemeClr val="accent1">
-              <a:shade val="50000"/>
-            </a:schemeClr>
-          </a:lnRef>
-          <a:fillRef idx="1">
-            <a:schemeClr val="accent1"/>
-          </a:fillRef>
-          <a:effectRef idx="0">
-            <a:schemeClr val="accent1"/>
-          </a:effectRef>
-          <a:fontRef idx="minor">
-            <a:schemeClr val="lt1"/>
-          </a:fontRef>
-        </p:style>
-        <p:txBody>
-          <a:bodyPr rtlCol="0" anchor="ctr"/>
-          <a:lstStyle/>
-          <a:p>
-            <a:pPr algn="ctr"/>
-            <a:r>
-              <a:rPr kumimoji="1" lang="en-US" altLang="ja-JP">
-                <a:solidFill>
-                  <a:schemeClr val="tx1"/>
-                </a:solidFill>
-              </a:rPr>
-              <a:t>6</a:t>
-            </a:r>
-            <a:endParaRPr kumimoji="1" lang="ja-JP" altLang="en-US">
-              <a:solidFill>
-                <a:schemeClr val="tx1"/>
-              </a:solidFill>
-            </a:endParaRPr>
-          </a:p>
-        </p:txBody>
-      </p:sp>
-      <p:sp>
-        <p:nvSpPr>
           <p:cNvPr id="38" name="テキスト ボックス 37">
             <a:extLst>
               <a:ext uri="{FF2B5EF4-FFF2-40B4-BE49-F238E27FC236}">
@@ -13611,539 +12726,6 @@
           </a:p>
         </p:txBody>
       </p:sp>
-      <p:sp>
-        <p:nvSpPr>
-          <p:cNvPr id="39" name="円/楕円 38">
-            <a:extLst>
-              <a:ext uri="{FF2B5EF4-FFF2-40B4-BE49-F238E27FC236}">
-                <a16:creationId xmlns:a16="http://schemas.microsoft.com/office/drawing/2014/main" id="{C318AFA8-0F27-0F48-87FC-48351DABA872}"/>
-              </a:ext>
-            </a:extLst>
-          </p:cNvPr>
-          <p:cNvSpPr/>
-          <p:nvPr/>
-        </p:nvSpPr>
-        <p:spPr>
-          <a:xfrm>
-            <a:off x="5868144" y="4078813"/>
-            <a:ext cx="432048" cy="432048"/>
-          </a:xfrm>
-          <a:prstGeom prst="ellipse">
-            <a:avLst/>
-          </a:prstGeom>
-          <a:solidFill>
-            <a:srgbClr val="FF0000"/>
-          </a:solidFill>
-          <a:ln>
-            <a:solidFill>
-              <a:schemeClr val="tx1"/>
-            </a:solidFill>
-          </a:ln>
-        </p:spPr>
-        <p:style>
-          <a:lnRef idx="2">
-            <a:schemeClr val="accent1">
-              <a:shade val="50000"/>
-            </a:schemeClr>
-          </a:lnRef>
-          <a:fillRef idx="1">
-            <a:schemeClr val="accent1"/>
-          </a:fillRef>
-          <a:effectRef idx="0">
-            <a:schemeClr val="accent1"/>
-          </a:effectRef>
-          <a:fontRef idx="minor">
-            <a:schemeClr val="lt1"/>
-          </a:fontRef>
-        </p:style>
-        <p:txBody>
-          <a:bodyPr rtlCol="0" anchor="ctr"/>
-          <a:lstStyle/>
-          <a:p>
-            <a:pPr algn="ctr"/>
-            <a:r>
-              <a:rPr kumimoji="1" lang="en-US" altLang="ja-JP">
-                <a:solidFill>
-                  <a:schemeClr val="tx1"/>
-                </a:solidFill>
-              </a:rPr>
-              <a:t>1</a:t>
-            </a:r>
-            <a:endParaRPr kumimoji="1" lang="ja-JP" altLang="en-US">
-              <a:solidFill>
-                <a:schemeClr val="tx1"/>
-              </a:solidFill>
-            </a:endParaRPr>
-          </a:p>
-        </p:txBody>
-      </p:sp>
-      <p:sp>
-        <p:nvSpPr>
-          <p:cNvPr id="40" name="円/楕円 39">
-            <a:extLst>
-              <a:ext uri="{FF2B5EF4-FFF2-40B4-BE49-F238E27FC236}">
-                <a16:creationId xmlns:a16="http://schemas.microsoft.com/office/drawing/2014/main" id="{733752BB-E654-5D4C-A1C7-469A0E8AE9D6}"/>
-              </a:ext>
-            </a:extLst>
-          </p:cNvPr>
-          <p:cNvSpPr/>
-          <p:nvPr/>
-        </p:nvSpPr>
-        <p:spPr>
-          <a:xfrm>
-            <a:off x="5076056" y="4726885"/>
-            <a:ext cx="432048" cy="432048"/>
-          </a:xfrm>
-          <a:prstGeom prst="ellipse">
-            <a:avLst/>
-          </a:prstGeom>
-          <a:noFill/>
-          <a:ln>
-            <a:solidFill>
-              <a:schemeClr val="tx1"/>
-            </a:solidFill>
-          </a:ln>
-        </p:spPr>
-        <p:style>
-          <a:lnRef idx="2">
-            <a:schemeClr val="accent1">
-              <a:shade val="50000"/>
-            </a:schemeClr>
-          </a:lnRef>
-          <a:fillRef idx="1">
-            <a:schemeClr val="accent1"/>
-          </a:fillRef>
-          <a:effectRef idx="0">
-            <a:schemeClr val="accent1"/>
-          </a:effectRef>
-          <a:fontRef idx="minor">
-            <a:schemeClr val="lt1"/>
-          </a:fontRef>
-        </p:style>
-        <p:txBody>
-          <a:bodyPr rtlCol="0" anchor="ctr"/>
-          <a:lstStyle/>
-          <a:p>
-            <a:pPr algn="ctr"/>
-            <a:r>
-              <a:rPr kumimoji="1" lang="en-US" altLang="ja-JP">
-                <a:solidFill>
-                  <a:schemeClr val="tx1"/>
-                </a:solidFill>
-              </a:rPr>
-              <a:t>2</a:t>
-            </a:r>
-            <a:endParaRPr kumimoji="1" lang="ja-JP" altLang="en-US">
-              <a:solidFill>
-                <a:schemeClr val="tx1"/>
-              </a:solidFill>
-            </a:endParaRPr>
-          </a:p>
-        </p:txBody>
-      </p:sp>
-      <p:sp>
-        <p:nvSpPr>
-          <p:cNvPr id="41" name="円/楕円 40">
-            <a:extLst>
-              <a:ext uri="{FF2B5EF4-FFF2-40B4-BE49-F238E27FC236}">
-                <a16:creationId xmlns:a16="http://schemas.microsoft.com/office/drawing/2014/main" id="{B8B7D27C-7D69-014D-9B23-ADE9A857C0B4}"/>
-              </a:ext>
-            </a:extLst>
-          </p:cNvPr>
-          <p:cNvSpPr/>
-          <p:nvPr/>
-        </p:nvSpPr>
-        <p:spPr>
-          <a:xfrm>
-            <a:off x="5868144" y="4726885"/>
-            <a:ext cx="432048" cy="432048"/>
-          </a:xfrm>
-          <a:prstGeom prst="ellipse">
-            <a:avLst/>
-          </a:prstGeom>
-          <a:solidFill>
-            <a:schemeClr val="bg1"/>
-          </a:solidFill>
-          <a:ln>
-            <a:solidFill>
-              <a:schemeClr val="tx1"/>
-            </a:solidFill>
-          </a:ln>
-        </p:spPr>
-        <p:style>
-          <a:lnRef idx="2">
-            <a:schemeClr val="accent1">
-              <a:shade val="50000"/>
-            </a:schemeClr>
-          </a:lnRef>
-          <a:fillRef idx="1">
-            <a:schemeClr val="accent1"/>
-          </a:fillRef>
-          <a:effectRef idx="0">
-            <a:schemeClr val="accent1"/>
-          </a:effectRef>
-          <a:fontRef idx="minor">
-            <a:schemeClr val="lt1"/>
-          </a:fontRef>
-        </p:style>
-        <p:txBody>
-          <a:bodyPr rtlCol="0" anchor="ctr"/>
-          <a:lstStyle/>
-          <a:p>
-            <a:pPr algn="ctr"/>
-            <a:r>
-              <a:rPr kumimoji="1" lang="en-US" altLang="ja-JP">
-                <a:solidFill>
-                  <a:schemeClr val="tx1"/>
-                </a:solidFill>
-              </a:rPr>
-              <a:t>3</a:t>
-            </a:r>
-            <a:endParaRPr kumimoji="1" lang="ja-JP" altLang="en-US">
-              <a:solidFill>
-                <a:schemeClr val="tx1"/>
-              </a:solidFill>
-            </a:endParaRPr>
-          </a:p>
-        </p:txBody>
-      </p:sp>
-      <p:cxnSp>
-        <p:nvCxnSpPr>
-          <p:cNvPr id="42" name="直線コネクタ 41">
-            <a:extLst>
-              <a:ext uri="{FF2B5EF4-FFF2-40B4-BE49-F238E27FC236}">
-                <a16:creationId xmlns:a16="http://schemas.microsoft.com/office/drawing/2014/main" id="{E80BB144-7E6C-3F4C-8BF7-81E719ED5ABE}"/>
-              </a:ext>
-            </a:extLst>
-          </p:cNvPr>
-          <p:cNvCxnSpPr>
-            <a:cxnSpLocks/>
-            <a:stCxn id="39" idx="3"/>
-            <a:endCxn id="40" idx="0"/>
-          </p:cNvCxnSpPr>
-          <p:nvPr/>
-        </p:nvCxnSpPr>
-        <p:spPr>
-          <a:xfrm flipH="1">
-            <a:off x="5292080" y="4447589"/>
-            <a:ext cx="639336" cy="279296"/>
-          </a:xfrm>
-          <a:prstGeom prst="line">
-            <a:avLst/>
-          </a:prstGeom>
-          <a:ln w="12700">
-            <a:solidFill>
-              <a:schemeClr val="tx1"/>
-            </a:solidFill>
-            <a:headEnd type="triangle" w="med" len="med"/>
-            <a:tailEnd type="none" w="med" len="med"/>
-          </a:ln>
-        </p:spPr>
-        <p:style>
-          <a:lnRef idx="1">
-            <a:schemeClr val="accent1"/>
-          </a:lnRef>
-          <a:fillRef idx="0">
-            <a:schemeClr val="accent1"/>
-          </a:fillRef>
-          <a:effectRef idx="0">
-            <a:schemeClr val="accent1"/>
-          </a:effectRef>
-          <a:fontRef idx="minor">
-            <a:schemeClr val="tx1"/>
-          </a:fontRef>
-        </p:style>
-      </p:cxnSp>
-      <p:cxnSp>
-        <p:nvCxnSpPr>
-          <p:cNvPr id="43" name="直線コネクタ 42">
-            <a:extLst>
-              <a:ext uri="{FF2B5EF4-FFF2-40B4-BE49-F238E27FC236}">
-                <a16:creationId xmlns:a16="http://schemas.microsoft.com/office/drawing/2014/main" id="{7A30024E-C4E9-8F49-8B4A-DC1E60F10C27}"/>
-              </a:ext>
-            </a:extLst>
-          </p:cNvPr>
-          <p:cNvCxnSpPr>
-            <a:cxnSpLocks/>
-            <a:stCxn id="39" idx="4"/>
-            <a:endCxn id="41" idx="0"/>
-          </p:cNvCxnSpPr>
-          <p:nvPr/>
-        </p:nvCxnSpPr>
-        <p:spPr>
-          <a:xfrm>
-            <a:off x="6084168" y="4510861"/>
-            <a:ext cx="0" cy="216024"/>
-          </a:xfrm>
-          <a:prstGeom prst="line">
-            <a:avLst/>
-          </a:prstGeom>
-          <a:ln w="12700">
-            <a:solidFill>
-              <a:schemeClr val="tx1"/>
-            </a:solidFill>
-            <a:headEnd type="triangle" w="med" len="med"/>
-            <a:tailEnd type="none" w="med" len="med"/>
-          </a:ln>
-        </p:spPr>
-        <p:style>
-          <a:lnRef idx="1">
-            <a:schemeClr val="accent1"/>
-          </a:lnRef>
-          <a:fillRef idx="0">
-            <a:schemeClr val="accent1"/>
-          </a:fillRef>
-          <a:effectRef idx="0">
-            <a:schemeClr val="accent1"/>
-          </a:effectRef>
-          <a:fontRef idx="minor">
-            <a:schemeClr val="tx1"/>
-          </a:fontRef>
-        </p:style>
-      </p:cxnSp>
-      <p:sp>
-        <p:nvSpPr>
-          <p:cNvPr id="44" name="円/楕円 43">
-            <a:extLst>
-              <a:ext uri="{FF2B5EF4-FFF2-40B4-BE49-F238E27FC236}">
-                <a16:creationId xmlns:a16="http://schemas.microsoft.com/office/drawing/2014/main" id="{85BDB8BB-FCB6-9F4C-BCD9-023AA1A917EA}"/>
-              </a:ext>
-            </a:extLst>
-          </p:cNvPr>
-          <p:cNvSpPr/>
-          <p:nvPr/>
-        </p:nvSpPr>
-        <p:spPr>
-          <a:xfrm>
-            <a:off x="6660232" y="4726885"/>
-            <a:ext cx="432048" cy="432048"/>
-          </a:xfrm>
-          <a:prstGeom prst="ellipse">
-            <a:avLst/>
-          </a:prstGeom>
-          <a:solidFill>
-            <a:srgbClr val="FF40FF"/>
-          </a:solidFill>
-          <a:ln>
-            <a:solidFill>
-              <a:schemeClr val="tx1"/>
-            </a:solidFill>
-          </a:ln>
-        </p:spPr>
-        <p:style>
-          <a:lnRef idx="2">
-            <a:schemeClr val="accent1">
-              <a:shade val="50000"/>
-            </a:schemeClr>
-          </a:lnRef>
-          <a:fillRef idx="1">
-            <a:schemeClr val="accent1"/>
-          </a:fillRef>
-          <a:effectRef idx="0">
-            <a:schemeClr val="accent1"/>
-          </a:effectRef>
-          <a:fontRef idx="minor">
-            <a:schemeClr val="lt1"/>
-          </a:fontRef>
-        </p:style>
-        <p:txBody>
-          <a:bodyPr rtlCol="0" anchor="ctr"/>
-          <a:lstStyle/>
-          <a:p>
-            <a:pPr algn="ctr"/>
-            <a:r>
-              <a:rPr kumimoji="1" lang="en-US" altLang="ja-JP">
-                <a:solidFill>
-                  <a:schemeClr val="tx1"/>
-                </a:solidFill>
-              </a:rPr>
-              <a:t>4</a:t>
-            </a:r>
-            <a:endParaRPr kumimoji="1" lang="ja-JP" altLang="en-US">
-              <a:solidFill>
-                <a:schemeClr val="tx1"/>
-              </a:solidFill>
-            </a:endParaRPr>
-          </a:p>
-        </p:txBody>
-      </p:sp>
-      <p:sp>
-        <p:nvSpPr>
-          <p:cNvPr id="45" name="円/楕円 44">
-            <a:extLst>
-              <a:ext uri="{FF2B5EF4-FFF2-40B4-BE49-F238E27FC236}">
-                <a16:creationId xmlns:a16="http://schemas.microsoft.com/office/drawing/2014/main" id="{9F2F8BA7-70B2-BC4B-B247-36B4FABF7878}"/>
-              </a:ext>
-            </a:extLst>
-          </p:cNvPr>
-          <p:cNvSpPr/>
-          <p:nvPr/>
-        </p:nvSpPr>
-        <p:spPr>
-          <a:xfrm>
-            <a:off x="6228184" y="5374957"/>
-            <a:ext cx="432048" cy="432048"/>
-          </a:xfrm>
-          <a:prstGeom prst="ellipse">
-            <a:avLst/>
-          </a:prstGeom>
-          <a:noFill/>
-          <a:ln>
-            <a:solidFill>
-              <a:schemeClr val="tx1"/>
-            </a:solidFill>
-          </a:ln>
-        </p:spPr>
-        <p:style>
-          <a:lnRef idx="2">
-            <a:schemeClr val="accent1">
-              <a:shade val="50000"/>
-            </a:schemeClr>
-          </a:lnRef>
-          <a:fillRef idx="1">
-            <a:schemeClr val="accent1"/>
-          </a:fillRef>
-          <a:effectRef idx="0">
-            <a:schemeClr val="accent1"/>
-          </a:effectRef>
-          <a:fontRef idx="minor">
-            <a:schemeClr val="lt1"/>
-          </a:fontRef>
-        </p:style>
-        <p:txBody>
-          <a:bodyPr rtlCol="0" anchor="ctr"/>
-          <a:lstStyle/>
-          <a:p>
-            <a:pPr algn="ctr"/>
-            <a:r>
-              <a:rPr kumimoji="1" lang="en-US" altLang="ja-JP">
-                <a:solidFill>
-                  <a:schemeClr val="tx1"/>
-                </a:solidFill>
-              </a:rPr>
-              <a:t>5</a:t>
-            </a:r>
-            <a:endParaRPr kumimoji="1" lang="ja-JP" altLang="en-US">
-              <a:solidFill>
-                <a:schemeClr val="tx1"/>
-              </a:solidFill>
-            </a:endParaRPr>
-          </a:p>
-        </p:txBody>
-      </p:sp>
-      <p:sp>
-        <p:nvSpPr>
-          <p:cNvPr id="46" name="円/楕円 45">
-            <a:extLst>
-              <a:ext uri="{FF2B5EF4-FFF2-40B4-BE49-F238E27FC236}">
-                <a16:creationId xmlns:a16="http://schemas.microsoft.com/office/drawing/2014/main" id="{36BE7BC6-683F-3C4A-9545-1F8A641D1EA5}"/>
-              </a:ext>
-            </a:extLst>
-          </p:cNvPr>
-          <p:cNvSpPr/>
-          <p:nvPr/>
-        </p:nvSpPr>
-        <p:spPr>
-          <a:xfrm>
-            <a:off x="7020272" y="5374957"/>
-            <a:ext cx="432048" cy="432048"/>
-          </a:xfrm>
-          <a:prstGeom prst="ellipse">
-            <a:avLst/>
-          </a:prstGeom>
-          <a:solidFill>
-            <a:schemeClr val="bg1"/>
-          </a:solidFill>
-          <a:ln>
-            <a:solidFill>
-              <a:schemeClr val="tx1"/>
-            </a:solidFill>
-          </a:ln>
-        </p:spPr>
-        <p:style>
-          <a:lnRef idx="2">
-            <a:schemeClr val="accent1">
-              <a:shade val="50000"/>
-            </a:schemeClr>
-          </a:lnRef>
-          <a:fillRef idx="1">
-            <a:schemeClr val="accent1"/>
-          </a:fillRef>
-          <a:effectRef idx="0">
-            <a:schemeClr val="accent1"/>
-          </a:effectRef>
-          <a:fontRef idx="minor">
-            <a:schemeClr val="lt1"/>
-          </a:fontRef>
-        </p:style>
-        <p:txBody>
-          <a:bodyPr rtlCol="0" anchor="ctr"/>
-          <a:lstStyle/>
-          <a:p>
-            <a:pPr algn="ctr"/>
-            <a:r>
-              <a:rPr kumimoji="1" lang="en-US" altLang="ja-JP">
-                <a:solidFill>
-                  <a:schemeClr val="tx1"/>
-                </a:solidFill>
-              </a:rPr>
-              <a:t>6</a:t>
-            </a:r>
-            <a:endParaRPr kumimoji="1" lang="ja-JP" altLang="en-US">
-              <a:solidFill>
-                <a:schemeClr val="tx1"/>
-              </a:solidFill>
-            </a:endParaRPr>
-          </a:p>
-        </p:txBody>
-      </p:sp>
-      <p:cxnSp>
-        <p:nvCxnSpPr>
-          <p:cNvPr id="51" name="直線コネクタ 50">
-            <a:extLst>
-              <a:ext uri="{FF2B5EF4-FFF2-40B4-BE49-F238E27FC236}">
-                <a16:creationId xmlns:a16="http://schemas.microsoft.com/office/drawing/2014/main" id="{03C07464-B5D3-5745-A090-EB50BC9B8F71}"/>
-              </a:ext>
-            </a:extLst>
-          </p:cNvPr>
-          <p:cNvCxnSpPr>
-            <a:cxnSpLocks/>
-            <a:stCxn id="39" idx="5"/>
-            <a:endCxn id="44" idx="0"/>
-          </p:cNvCxnSpPr>
-          <p:nvPr/>
-        </p:nvCxnSpPr>
-        <p:spPr>
-          <a:xfrm>
-            <a:off x="6236920" y="4447589"/>
-            <a:ext cx="639336" cy="279296"/>
-          </a:xfrm>
-          <a:prstGeom prst="line">
-            <a:avLst/>
-          </a:prstGeom>
-          <a:ln w="12700">
-            <a:solidFill>
-              <a:schemeClr val="tx1"/>
-            </a:solidFill>
-            <a:headEnd type="triangle" w="med" len="med"/>
-            <a:tailEnd type="none" w="med" len="med"/>
-          </a:ln>
-        </p:spPr>
-        <p:style>
-          <a:lnRef idx="1">
-            <a:schemeClr val="accent1"/>
-          </a:lnRef>
-          <a:fillRef idx="0">
-            <a:schemeClr val="accent1"/>
-          </a:fillRef>
-          <a:effectRef idx="0">
-            <a:schemeClr val="accent1"/>
-          </a:effectRef>
-          <a:fontRef idx="minor">
-            <a:schemeClr val="tx1"/>
-          </a:fontRef>
-        </p:style>
-      </p:cxnSp>
       <p:sp>
         <p:nvSpPr>
           <p:cNvPr id="55" name="右矢印 54">
@@ -14368,903 +12950,2384 @@
           </a:p>
         </p:txBody>
       </p:sp>
-      <p:sp>
-        <p:nvSpPr>
-          <p:cNvPr id="61" name="フリーフォーム 60">
-            <a:extLst>
-              <a:ext uri="{FF2B5EF4-FFF2-40B4-BE49-F238E27FC236}">
-                <a16:creationId xmlns:a16="http://schemas.microsoft.com/office/drawing/2014/main" id="{4BAD12FF-F2F7-7741-96DC-8141ABE413A6}"/>
-              </a:ext>
-            </a:extLst>
-          </p:cNvPr>
-          <p:cNvSpPr/>
-          <p:nvPr/>
-        </p:nvSpPr>
-        <p:spPr>
-          <a:xfrm>
-            <a:off x="2555776" y="1052736"/>
-            <a:ext cx="373277" cy="410592"/>
-          </a:xfrm>
-          <a:custGeom>
-            <a:avLst/>
-            <a:gdLst>
-              <a:gd name="connsiteX0" fmla="*/ 442909 w 1196782"/>
-              <a:gd name="connsiteY0" fmla="*/ 1052396 h 1052396"/>
-              <a:gd name="connsiteX1" fmla="*/ 1143949 w 1196782"/>
-              <a:gd name="connsiteY1" fmla="*/ 778076 h 1052396"/>
-              <a:gd name="connsiteX2" fmla="*/ 1072829 w 1196782"/>
-              <a:gd name="connsiteY2" fmla="*/ 87196 h 1052396"/>
-              <a:gd name="connsiteX3" fmla="*/ 483549 w 1196782"/>
-              <a:gd name="connsiteY3" fmla="*/ 36396 h 1052396"/>
-              <a:gd name="connsiteX4" fmla="*/ 66989 w 1196782"/>
-              <a:gd name="connsiteY4" fmla="*/ 331036 h 1052396"/>
-              <a:gd name="connsiteX5" fmla="*/ 6029 w 1196782"/>
-              <a:gd name="connsiteY5" fmla="*/ 564716 h 1052396"/>
-            </a:gdLst>
-            <a:ahLst/>
-            <a:cxnLst>
-              <a:cxn ang="0">
-                <a:pos x="connsiteX0" y="connsiteY0"/>
-              </a:cxn>
-              <a:cxn ang="0">
-                <a:pos x="connsiteX1" y="connsiteY1"/>
-              </a:cxn>
-              <a:cxn ang="0">
-                <a:pos x="connsiteX2" y="connsiteY2"/>
-              </a:cxn>
-              <a:cxn ang="0">
-                <a:pos x="connsiteX3" y="connsiteY3"/>
-              </a:cxn>
-              <a:cxn ang="0">
-                <a:pos x="connsiteX4" y="connsiteY4"/>
-              </a:cxn>
-              <a:cxn ang="0">
-                <a:pos x="connsiteX5" y="connsiteY5"/>
-              </a:cxn>
-            </a:cxnLst>
-            <a:rect l="l" t="t" r="r" b="b"/>
-            <a:pathLst>
-              <a:path w="1196782" h="1052396">
-                <a:moveTo>
-                  <a:pt x="442909" y="1052396"/>
-                </a:moveTo>
-                <a:cubicBezTo>
-                  <a:pt x="740935" y="995669"/>
-                  <a:pt x="1038962" y="938943"/>
-                  <a:pt x="1143949" y="778076"/>
-                </a:cubicBezTo>
-                <a:cubicBezTo>
-                  <a:pt x="1248936" y="617209"/>
-                  <a:pt x="1182896" y="210809"/>
-                  <a:pt x="1072829" y="87196"/>
-                </a:cubicBezTo>
-                <a:cubicBezTo>
-                  <a:pt x="962762" y="-36417"/>
-                  <a:pt x="651189" y="-4244"/>
-                  <a:pt x="483549" y="36396"/>
-                </a:cubicBezTo>
-                <a:cubicBezTo>
-                  <a:pt x="315909" y="77036"/>
-                  <a:pt x="146576" y="242983"/>
-                  <a:pt x="66989" y="331036"/>
-                </a:cubicBezTo>
-                <a:cubicBezTo>
-                  <a:pt x="-12598" y="419089"/>
-                  <a:pt x="-3285" y="491902"/>
-                  <a:pt x="6029" y="564716"/>
-                </a:cubicBezTo>
-              </a:path>
-            </a:pathLst>
-          </a:custGeom>
-          <a:noFill/>
-          <a:ln w="28575">
+      <p:grpSp>
+        <p:nvGrpSpPr>
+          <p:cNvPr id="11" name="グループ化 10">
+            <a:extLst>
+              <a:ext uri="{FF2B5EF4-FFF2-40B4-BE49-F238E27FC236}">
+                <a16:creationId xmlns:a16="http://schemas.microsoft.com/office/drawing/2014/main" id="{137342C8-269F-E143-9110-C37342A77E05}"/>
+              </a:ext>
+            </a:extLst>
+          </p:cNvPr>
+          <p:cNvGrpSpPr/>
+          <p:nvPr/>
+        </p:nvGrpSpPr>
+        <p:grpSpPr>
+          <a:xfrm>
+            <a:off x="1259632" y="3862789"/>
+            <a:ext cx="2736304" cy="1296144"/>
+            <a:chOff x="1259632" y="3862789"/>
+            <a:chExt cx="2736304" cy="1296144"/>
+          </a:xfrm>
+        </p:grpSpPr>
+        <p:sp>
+          <p:nvSpPr>
+            <p:cNvPr id="26" name="円/楕円 25">
+              <a:extLst>
+                <a:ext uri="{FF2B5EF4-FFF2-40B4-BE49-F238E27FC236}">
+                  <a16:creationId xmlns:a16="http://schemas.microsoft.com/office/drawing/2014/main" id="{84CAA7FE-7E73-4F4E-9221-CB27C6FD09E1}"/>
+                </a:ext>
+              </a:extLst>
+            </p:cNvPr>
+            <p:cNvSpPr/>
+            <p:nvPr/>
+          </p:nvSpPr>
+          <p:spPr>
+            <a:xfrm>
+              <a:off x="1691680" y="4078813"/>
+              <a:ext cx="432048" cy="432048"/>
+            </a:xfrm>
+            <a:prstGeom prst="ellipse">
+              <a:avLst/>
+            </a:prstGeom>
             <a:solidFill>
               <a:srgbClr val="FF0000"/>
             </a:solidFill>
-            <a:headEnd type="none" w="med" len="med"/>
-            <a:tailEnd type="triangle" w="med" len="med"/>
-          </a:ln>
-        </p:spPr>
-        <p:style>
-          <a:lnRef idx="2">
-            <a:schemeClr val="accent1">
-              <a:shade val="50000"/>
-            </a:schemeClr>
-          </a:lnRef>
-          <a:fillRef idx="1">
-            <a:schemeClr val="accent1"/>
-          </a:fillRef>
-          <a:effectRef idx="0">
-            <a:schemeClr val="accent1"/>
-          </a:effectRef>
-          <a:fontRef idx="minor">
-            <a:schemeClr val="lt1"/>
-          </a:fontRef>
-        </p:style>
-        <p:txBody>
-          <a:bodyPr rtlCol="0" anchor="ctr"/>
-          <a:lstStyle/>
-          <a:p>
-            <a:pPr algn="ctr"/>
-            <a:endParaRPr kumimoji="1" lang="ja-JP" altLang="en-US"/>
-          </a:p>
-        </p:txBody>
-      </p:sp>
-      <p:sp>
-        <p:nvSpPr>
-          <p:cNvPr id="62" name="フリーフォーム 61">
-            <a:extLst>
-              <a:ext uri="{FF2B5EF4-FFF2-40B4-BE49-F238E27FC236}">
-                <a16:creationId xmlns:a16="http://schemas.microsoft.com/office/drawing/2014/main" id="{17E38AF2-29A7-6244-9635-AF49E8E650BD}"/>
-              </a:ext>
-            </a:extLst>
-          </p:cNvPr>
-          <p:cNvSpPr/>
-          <p:nvPr/>
-        </p:nvSpPr>
-        <p:spPr>
-          <a:xfrm>
-            <a:off x="1979712" y="3862789"/>
-            <a:ext cx="373277" cy="410592"/>
-          </a:xfrm>
-          <a:custGeom>
-            <a:avLst/>
-            <a:gdLst>
-              <a:gd name="connsiteX0" fmla="*/ 442909 w 1196782"/>
-              <a:gd name="connsiteY0" fmla="*/ 1052396 h 1052396"/>
-              <a:gd name="connsiteX1" fmla="*/ 1143949 w 1196782"/>
-              <a:gd name="connsiteY1" fmla="*/ 778076 h 1052396"/>
-              <a:gd name="connsiteX2" fmla="*/ 1072829 w 1196782"/>
-              <a:gd name="connsiteY2" fmla="*/ 87196 h 1052396"/>
-              <a:gd name="connsiteX3" fmla="*/ 483549 w 1196782"/>
-              <a:gd name="connsiteY3" fmla="*/ 36396 h 1052396"/>
-              <a:gd name="connsiteX4" fmla="*/ 66989 w 1196782"/>
-              <a:gd name="connsiteY4" fmla="*/ 331036 h 1052396"/>
-              <a:gd name="connsiteX5" fmla="*/ 6029 w 1196782"/>
-              <a:gd name="connsiteY5" fmla="*/ 564716 h 1052396"/>
-            </a:gdLst>
-            <a:ahLst/>
-            <a:cxnLst>
-              <a:cxn ang="0">
-                <a:pos x="connsiteX0" y="connsiteY0"/>
-              </a:cxn>
-              <a:cxn ang="0">
-                <a:pos x="connsiteX1" y="connsiteY1"/>
-              </a:cxn>
-              <a:cxn ang="0">
-                <a:pos x="connsiteX2" y="connsiteY2"/>
-              </a:cxn>
-              <a:cxn ang="0">
-                <a:pos x="connsiteX3" y="connsiteY3"/>
-              </a:cxn>
-              <a:cxn ang="0">
-                <a:pos x="connsiteX4" y="connsiteY4"/>
-              </a:cxn>
-              <a:cxn ang="0">
-                <a:pos x="connsiteX5" y="connsiteY5"/>
-              </a:cxn>
-            </a:cxnLst>
-            <a:rect l="l" t="t" r="r" b="b"/>
-            <a:pathLst>
-              <a:path w="1196782" h="1052396">
-                <a:moveTo>
-                  <a:pt x="442909" y="1052396"/>
-                </a:moveTo>
-                <a:cubicBezTo>
-                  <a:pt x="740935" y="995669"/>
-                  <a:pt x="1038962" y="938943"/>
-                  <a:pt x="1143949" y="778076"/>
-                </a:cubicBezTo>
-                <a:cubicBezTo>
-                  <a:pt x="1248936" y="617209"/>
-                  <a:pt x="1182896" y="210809"/>
-                  <a:pt x="1072829" y="87196"/>
-                </a:cubicBezTo>
-                <a:cubicBezTo>
-                  <a:pt x="962762" y="-36417"/>
-                  <a:pt x="651189" y="-4244"/>
-                  <a:pt x="483549" y="36396"/>
-                </a:cubicBezTo>
-                <a:cubicBezTo>
-                  <a:pt x="315909" y="77036"/>
-                  <a:pt x="146576" y="242983"/>
-                  <a:pt x="66989" y="331036"/>
-                </a:cubicBezTo>
-                <a:cubicBezTo>
-                  <a:pt x="-12598" y="419089"/>
-                  <a:pt x="-3285" y="491902"/>
-                  <a:pt x="6029" y="564716"/>
-                </a:cubicBezTo>
-              </a:path>
-            </a:pathLst>
-          </a:custGeom>
-          <a:noFill/>
-          <a:ln>
-            <a:solidFill>
-              <a:schemeClr val="tx1"/>
-            </a:solidFill>
-            <a:headEnd type="none" w="med" len="med"/>
-            <a:tailEnd type="triangle" w="med" len="med"/>
-          </a:ln>
-        </p:spPr>
-        <p:style>
-          <a:lnRef idx="2">
-            <a:schemeClr val="accent1">
-              <a:shade val="50000"/>
-            </a:schemeClr>
-          </a:lnRef>
-          <a:fillRef idx="1">
-            <a:schemeClr val="accent1"/>
-          </a:fillRef>
-          <a:effectRef idx="0">
-            <a:schemeClr val="accent1"/>
-          </a:effectRef>
-          <a:fontRef idx="minor">
-            <a:schemeClr val="lt1"/>
-          </a:fontRef>
-        </p:style>
-        <p:txBody>
-          <a:bodyPr rtlCol="0" anchor="ctr"/>
-          <a:lstStyle/>
-          <a:p>
-            <a:pPr algn="ctr"/>
-            <a:endParaRPr kumimoji="1" lang="ja-JP" altLang="en-US"/>
-          </a:p>
-        </p:txBody>
-      </p:sp>
-      <p:sp>
-        <p:nvSpPr>
-          <p:cNvPr id="63" name="フリーフォーム 62">
-            <a:extLst>
-              <a:ext uri="{FF2B5EF4-FFF2-40B4-BE49-F238E27FC236}">
-                <a16:creationId xmlns:a16="http://schemas.microsoft.com/office/drawing/2014/main" id="{1E95F99C-43ED-8241-8904-EB260978859C}"/>
-              </a:ext>
-            </a:extLst>
-          </p:cNvPr>
-          <p:cNvSpPr/>
-          <p:nvPr/>
-        </p:nvSpPr>
-        <p:spPr>
-          <a:xfrm>
-            <a:off x="3491880" y="3862789"/>
-            <a:ext cx="373277" cy="410592"/>
-          </a:xfrm>
-          <a:custGeom>
-            <a:avLst/>
-            <a:gdLst>
-              <a:gd name="connsiteX0" fmla="*/ 442909 w 1196782"/>
-              <a:gd name="connsiteY0" fmla="*/ 1052396 h 1052396"/>
-              <a:gd name="connsiteX1" fmla="*/ 1143949 w 1196782"/>
-              <a:gd name="connsiteY1" fmla="*/ 778076 h 1052396"/>
-              <a:gd name="connsiteX2" fmla="*/ 1072829 w 1196782"/>
-              <a:gd name="connsiteY2" fmla="*/ 87196 h 1052396"/>
-              <a:gd name="connsiteX3" fmla="*/ 483549 w 1196782"/>
-              <a:gd name="connsiteY3" fmla="*/ 36396 h 1052396"/>
-              <a:gd name="connsiteX4" fmla="*/ 66989 w 1196782"/>
-              <a:gd name="connsiteY4" fmla="*/ 331036 h 1052396"/>
-              <a:gd name="connsiteX5" fmla="*/ 6029 w 1196782"/>
-              <a:gd name="connsiteY5" fmla="*/ 564716 h 1052396"/>
-            </a:gdLst>
-            <a:ahLst/>
-            <a:cxnLst>
-              <a:cxn ang="0">
-                <a:pos x="connsiteX0" y="connsiteY0"/>
-              </a:cxn>
-              <a:cxn ang="0">
-                <a:pos x="connsiteX1" y="connsiteY1"/>
-              </a:cxn>
-              <a:cxn ang="0">
-                <a:pos x="connsiteX2" y="connsiteY2"/>
-              </a:cxn>
-              <a:cxn ang="0">
-                <a:pos x="connsiteX3" y="connsiteY3"/>
-              </a:cxn>
-              <a:cxn ang="0">
-                <a:pos x="connsiteX4" y="connsiteY4"/>
-              </a:cxn>
-              <a:cxn ang="0">
-                <a:pos x="connsiteX5" y="connsiteY5"/>
-              </a:cxn>
-            </a:cxnLst>
-            <a:rect l="l" t="t" r="r" b="b"/>
-            <a:pathLst>
-              <a:path w="1196782" h="1052396">
-                <a:moveTo>
-                  <a:pt x="442909" y="1052396"/>
-                </a:moveTo>
-                <a:cubicBezTo>
-                  <a:pt x="740935" y="995669"/>
-                  <a:pt x="1038962" y="938943"/>
-                  <a:pt x="1143949" y="778076"/>
-                </a:cubicBezTo>
-                <a:cubicBezTo>
-                  <a:pt x="1248936" y="617209"/>
-                  <a:pt x="1182896" y="210809"/>
-                  <a:pt x="1072829" y="87196"/>
-                </a:cubicBezTo>
-                <a:cubicBezTo>
-                  <a:pt x="962762" y="-36417"/>
-                  <a:pt x="651189" y="-4244"/>
-                  <a:pt x="483549" y="36396"/>
-                </a:cubicBezTo>
-                <a:cubicBezTo>
-                  <a:pt x="315909" y="77036"/>
-                  <a:pt x="146576" y="242983"/>
-                  <a:pt x="66989" y="331036"/>
-                </a:cubicBezTo>
-                <a:cubicBezTo>
-                  <a:pt x="-12598" y="419089"/>
-                  <a:pt x="-3285" y="491902"/>
-                  <a:pt x="6029" y="564716"/>
-                </a:cubicBezTo>
-              </a:path>
-            </a:pathLst>
-          </a:custGeom>
-          <a:noFill/>
-          <a:ln>
-            <a:solidFill>
-              <a:schemeClr val="tx1"/>
-            </a:solidFill>
-            <a:headEnd type="none" w="med" len="med"/>
-            <a:tailEnd type="triangle" w="med" len="med"/>
-          </a:ln>
-        </p:spPr>
-        <p:style>
-          <a:lnRef idx="2">
-            <a:schemeClr val="accent1">
-              <a:shade val="50000"/>
-            </a:schemeClr>
-          </a:lnRef>
-          <a:fillRef idx="1">
-            <a:schemeClr val="accent1"/>
-          </a:fillRef>
-          <a:effectRef idx="0">
-            <a:schemeClr val="accent1"/>
-          </a:effectRef>
-          <a:fontRef idx="minor">
-            <a:schemeClr val="lt1"/>
-          </a:fontRef>
-        </p:style>
-        <p:txBody>
-          <a:bodyPr rtlCol="0" anchor="ctr"/>
-          <a:lstStyle/>
-          <a:p>
-            <a:pPr algn="ctr"/>
-            <a:endParaRPr kumimoji="1" lang="ja-JP" altLang="en-US"/>
-          </a:p>
-        </p:txBody>
-      </p:sp>
-      <p:sp>
-        <p:nvSpPr>
-          <p:cNvPr id="64" name="フリーフォーム 63">
-            <a:extLst>
-              <a:ext uri="{FF2B5EF4-FFF2-40B4-BE49-F238E27FC236}">
-                <a16:creationId xmlns:a16="http://schemas.microsoft.com/office/drawing/2014/main" id="{16C49FB5-1769-CD4F-B160-206A3F8253FB}"/>
-              </a:ext>
-            </a:extLst>
-          </p:cNvPr>
-          <p:cNvSpPr/>
-          <p:nvPr/>
-        </p:nvSpPr>
-        <p:spPr>
-          <a:xfrm>
-            <a:off x="6156176" y="3862789"/>
-            <a:ext cx="373277" cy="410592"/>
-          </a:xfrm>
-          <a:custGeom>
-            <a:avLst/>
-            <a:gdLst>
-              <a:gd name="connsiteX0" fmla="*/ 442909 w 1196782"/>
-              <a:gd name="connsiteY0" fmla="*/ 1052396 h 1052396"/>
-              <a:gd name="connsiteX1" fmla="*/ 1143949 w 1196782"/>
-              <a:gd name="connsiteY1" fmla="*/ 778076 h 1052396"/>
-              <a:gd name="connsiteX2" fmla="*/ 1072829 w 1196782"/>
-              <a:gd name="connsiteY2" fmla="*/ 87196 h 1052396"/>
-              <a:gd name="connsiteX3" fmla="*/ 483549 w 1196782"/>
-              <a:gd name="connsiteY3" fmla="*/ 36396 h 1052396"/>
-              <a:gd name="connsiteX4" fmla="*/ 66989 w 1196782"/>
-              <a:gd name="connsiteY4" fmla="*/ 331036 h 1052396"/>
-              <a:gd name="connsiteX5" fmla="*/ 6029 w 1196782"/>
-              <a:gd name="connsiteY5" fmla="*/ 564716 h 1052396"/>
-            </a:gdLst>
-            <a:ahLst/>
-            <a:cxnLst>
-              <a:cxn ang="0">
-                <a:pos x="connsiteX0" y="connsiteY0"/>
-              </a:cxn>
-              <a:cxn ang="0">
-                <a:pos x="connsiteX1" y="connsiteY1"/>
-              </a:cxn>
-              <a:cxn ang="0">
-                <a:pos x="connsiteX2" y="connsiteY2"/>
-              </a:cxn>
-              <a:cxn ang="0">
-                <a:pos x="connsiteX3" y="connsiteY3"/>
-              </a:cxn>
-              <a:cxn ang="0">
-                <a:pos x="connsiteX4" y="connsiteY4"/>
-              </a:cxn>
-              <a:cxn ang="0">
-                <a:pos x="connsiteX5" y="connsiteY5"/>
-              </a:cxn>
-            </a:cxnLst>
-            <a:rect l="l" t="t" r="r" b="b"/>
-            <a:pathLst>
-              <a:path w="1196782" h="1052396">
-                <a:moveTo>
-                  <a:pt x="442909" y="1052396"/>
-                </a:moveTo>
-                <a:cubicBezTo>
-                  <a:pt x="740935" y="995669"/>
-                  <a:pt x="1038962" y="938943"/>
-                  <a:pt x="1143949" y="778076"/>
-                </a:cubicBezTo>
-                <a:cubicBezTo>
-                  <a:pt x="1248936" y="617209"/>
-                  <a:pt x="1182896" y="210809"/>
-                  <a:pt x="1072829" y="87196"/>
-                </a:cubicBezTo>
-                <a:cubicBezTo>
-                  <a:pt x="962762" y="-36417"/>
-                  <a:pt x="651189" y="-4244"/>
-                  <a:pt x="483549" y="36396"/>
-                </a:cubicBezTo>
-                <a:cubicBezTo>
-                  <a:pt x="315909" y="77036"/>
-                  <a:pt x="146576" y="242983"/>
-                  <a:pt x="66989" y="331036"/>
-                </a:cubicBezTo>
-                <a:cubicBezTo>
-                  <a:pt x="-12598" y="419089"/>
-                  <a:pt x="-3285" y="491902"/>
-                  <a:pt x="6029" y="564716"/>
-                </a:cubicBezTo>
-              </a:path>
-            </a:pathLst>
-          </a:custGeom>
-          <a:noFill/>
-          <a:ln>
-            <a:solidFill>
-              <a:schemeClr val="tx1"/>
-            </a:solidFill>
-            <a:headEnd type="none" w="med" len="med"/>
-            <a:tailEnd type="triangle" w="med" len="med"/>
-          </a:ln>
-        </p:spPr>
-        <p:style>
-          <a:lnRef idx="2">
-            <a:schemeClr val="accent1">
-              <a:shade val="50000"/>
-            </a:schemeClr>
-          </a:lnRef>
-          <a:fillRef idx="1">
-            <a:schemeClr val="accent1"/>
-          </a:fillRef>
-          <a:effectRef idx="0">
-            <a:schemeClr val="accent1"/>
-          </a:effectRef>
-          <a:fontRef idx="minor">
-            <a:schemeClr val="lt1"/>
-          </a:fontRef>
-        </p:style>
-        <p:txBody>
-          <a:bodyPr rtlCol="0" anchor="ctr"/>
-          <a:lstStyle/>
-          <a:p>
-            <a:pPr algn="ctr"/>
-            <a:endParaRPr kumimoji="1" lang="ja-JP" altLang="en-US"/>
-          </a:p>
-        </p:txBody>
-      </p:sp>
-      <p:cxnSp>
-        <p:nvCxnSpPr>
-          <p:cNvPr id="67" name="直線コネクタ 66">
-            <a:extLst>
-              <a:ext uri="{FF2B5EF4-FFF2-40B4-BE49-F238E27FC236}">
-                <a16:creationId xmlns:a16="http://schemas.microsoft.com/office/drawing/2014/main" id="{CE29469D-742F-2B41-B61E-389B1791FC10}"/>
-              </a:ext>
-            </a:extLst>
-          </p:cNvPr>
-          <p:cNvCxnSpPr>
-            <a:cxnSpLocks/>
-          </p:cNvCxnSpPr>
-          <p:nvPr/>
-        </p:nvCxnSpPr>
-        <p:spPr>
-          <a:xfrm flipH="1">
-            <a:off x="2979088" y="4438853"/>
-            <a:ext cx="279296" cy="279296"/>
-          </a:xfrm>
-          <a:prstGeom prst="line">
-            <a:avLst/>
-          </a:prstGeom>
-          <a:ln w="12700">
-            <a:solidFill>
-              <a:schemeClr val="tx1"/>
-            </a:solidFill>
-            <a:headEnd type="triangle" w="med" len="med"/>
-            <a:tailEnd type="none" w="med" len="med"/>
-          </a:ln>
-        </p:spPr>
-        <p:style>
-          <a:lnRef idx="1">
-            <a:schemeClr val="accent1"/>
-          </a:lnRef>
-          <a:fillRef idx="0">
-            <a:schemeClr val="accent1"/>
-          </a:fillRef>
-          <a:effectRef idx="0">
-            <a:schemeClr val="accent1"/>
-          </a:effectRef>
-          <a:fontRef idx="minor">
-            <a:schemeClr val="tx1"/>
-          </a:fontRef>
-        </p:style>
-      </p:cxnSp>
-      <p:cxnSp>
-        <p:nvCxnSpPr>
-          <p:cNvPr id="68" name="直線コネクタ 67">
-            <a:extLst>
-              <a:ext uri="{FF2B5EF4-FFF2-40B4-BE49-F238E27FC236}">
-                <a16:creationId xmlns:a16="http://schemas.microsoft.com/office/drawing/2014/main" id="{B1B974BC-5C72-9944-BD8F-E72574D1B389}"/>
-              </a:ext>
-            </a:extLst>
-          </p:cNvPr>
-          <p:cNvCxnSpPr>
-            <a:cxnSpLocks/>
-          </p:cNvCxnSpPr>
-          <p:nvPr/>
-        </p:nvCxnSpPr>
-        <p:spPr>
-          <a:xfrm>
-            <a:off x="3563888" y="4438853"/>
-            <a:ext cx="207288" cy="279296"/>
-          </a:xfrm>
-          <a:prstGeom prst="line">
-            <a:avLst/>
-          </a:prstGeom>
-          <a:ln w="12700">
-            <a:solidFill>
-              <a:schemeClr val="tx1"/>
-            </a:solidFill>
-            <a:headEnd type="triangle" w="med" len="med"/>
-            <a:tailEnd type="none" w="med" len="med"/>
-          </a:ln>
-        </p:spPr>
-        <p:style>
-          <a:lnRef idx="1">
-            <a:schemeClr val="accent1"/>
-          </a:lnRef>
-          <a:fillRef idx="0">
-            <a:schemeClr val="accent1"/>
-          </a:fillRef>
-          <a:effectRef idx="0">
-            <a:schemeClr val="accent1"/>
-          </a:effectRef>
-          <a:fontRef idx="minor">
-            <a:schemeClr val="tx1"/>
-          </a:fontRef>
-        </p:style>
-      </p:cxnSp>
-      <p:cxnSp>
-        <p:nvCxnSpPr>
-          <p:cNvPr id="69" name="直線コネクタ 68">
-            <a:extLst>
-              <a:ext uri="{FF2B5EF4-FFF2-40B4-BE49-F238E27FC236}">
-                <a16:creationId xmlns:a16="http://schemas.microsoft.com/office/drawing/2014/main" id="{62745394-64A4-C146-9193-CF759A999FEF}"/>
-              </a:ext>
-            </a:extLst>
-          </p:cNvPr>
-          <p:cNvCxnSpPr>
-            <a:cxnSpLocks/>
-          </p:cNvCxnSpPr>
-          <p:nvPr/>
-        </p:nvCxnSpPr>
-        <p:spPr>
-          <a:xfrm flipH="1">
-            <a:off x="1610936" y="2276872"/>
-            <a:ext cx="279296" cy="279296"/>
-          </a:xfrm>
-          <a:prstGeom prst="line">
-            <a:avLst/>
-          </a:prstGeom>
-          <a:ln w="12700">
-            <a:solidFill>
-              <a:schemeClr val="tx1"/>
-            </a:solidFill>
-            <a:headEnd type="triangle" w="med" len="med"/>
-            <a:tailEnd type="none" w="med" len="med"/>
-          </a:ln>
-        </p:spPr>
-        <p:style>
-          <a:lnRef idx="1">
-            <a:schemeClr val="accent1"/>
-          </a:lnRef>
-          <a:fillRef idx="0">
-            <a:schemeClr val="accent1"/>
-          </a:fillRef>
-          <a:effectRef idx="0">
-            <a:schemeClr val="accent1"/>
-          </a:effectRef>
-          <a:fontRef idx="minor">
-            <a:schemeClr val="tx1"/>
-          </a:fontRef>
-        </p:style>
-      </p:cxnSp>
-      <p:cxnSp>
-        <p:nvCxnSpPr>
-          <p:cNvPr id="70" name="直線コネクタ 69">
-            <a:extLst>
-              <a:ext uri="{FF2B5EF4-FFF2-40B4-BE49-F238E27FC236}">
-                <a16:creationId xmlns:a16="http://schemas.microsoft.com/office/drawing/2014/main" id="{46BCA7F3-5DC1-F34F-B4C1-CE8AECD707CA}"/>
-              </a:ext>
-            </a:extLst>
-          </p:cNvPr>
-          <p:cNvCxnSpPr>
-            <a:cxnSpLocks/>
-          </p:cNvCxnSpPr>
-          <p:nvPr/>
-        </p:nvCxnSpPr>
-        <p:spPr>
-          <a:xfrm>
-            <a:off x="2195736" y="2276872"/>
-            <a:ext cx="207288" cy="279296"/>
-          </a:xfrm>
-          <a:prstGeom prst="line">
-            <a:avLst/>
-          </a:prstGeom>
-          <a:ln w="12700">
-            <a:solidFill>
-              <a:schemeClr val="tx1"/>
-            </a:solidFill>
-            <a:headEnd type="triangle" w="med" len="med"/>
-            <a:tailEnd type="none" w="med" len="med"/>
-          </a:ln>
-        </p:spPr>
-        <p:style>
-          <a:lnRef idx="1">
-            <a:schemeClr val="accent1"/>
-          </a:lnRef>
-          <a:fillRef idx="0">
-            <a:schemeClr val="accent1"/>
-          </a:fillRef>
-          <a:effectRef idx="0">
-            <a:schemeClr val="accent1"/>
-          </a:effectRef>
-          <a:fontRef idx="minor">
-            <a:schemeClr val="tx1"/>
-          </a:fontRef>
-        </p:style>
-      </p:cxnSp>
-      <p:cxnSp>
-        <p:nvCxnSpPr>
-          <p:cNvPr id="72" name="直線コネクタ 71">
-            <a:extLst>
-              <a:ext uri="{FF2B5EF4-FFF2-40B4-BE49-F238E27FC236}">
-                <a16:creationId xmlns:a16="http://schemas.microsoft.com/office/drawing/2014/main" id="{834FAAD6-B520-6143-96E0-4B5F246DD0A6}"/>
-              </a:ext>
-            </a:extLst>
-          </p:cNvPr>
-          <p:cNvCxnSpPr>
-            <a:cxnSpLocks/>
-          </p:cNvCxnSpPr>
-          <p:nvPr/>
-        </p:nvCxnSpPr>
-        <p:spPr>
-          <a:xfrm>
-            <a:off x="2987824" y="2276872"/>
-            <a:ext cx="207288" cy="279296"/>
-          </a:xfrm>
-          <a:prstGeom prst="line">
-            <a:avLst/>
-          </a:prstGeom>
-          <a:ln w="28575">
+            <a:ln>
+              <a:solidFill>
+                <a:schemeClr val="tx1"/>
+              </a:solidFill>
+            </a:ln>
+          </p:spPr>
+          <p:style>
+            <a:lnRef idx="2">
+              <a:schemeClr val="accent1">
+                <a:shade val="50000"/>
+              </a:schemeClr>
+            </a:lnRef>
+            <a:fillRef idx="1">
+              <a:schemeClr val="accent1"/>
+            </a:fillRef>
+            <a:effectRef idx="0">
+              <a:schemeClr val="accent1"/>
+            </a:effectRef>
+            <a:fontRef idx="minor">
+              <a:schemeClr val="lt1"/>
+            </a:fontRef>
+          </p:style>
+          <p:txBody>
+            <a:bodyPr rtlCol="0" anchor="ctr"/>
+            <a:lstStyle/>
+            <a:p>
+              <a:pPr algn="ctr"/>
+              <a:r>
+                <a:rPr kumimoji="1" lang="en-US" altLang="ja-JP">
+                  <a:solidFill>
+                    <a:schemeClr val="tx1"/>
+                  </a:solidFill>
+                </a:rPr>
+                <a:t>1</a:t>
+              </a:r>
+              <a:endParaRPr kumimoji="1" lang="ja-JP" altLang="en-US">
+                <a:solidFill>
+                  <a:schemeClr val="tx1"/>
+                </a:solidFill>
+              </a:endParaRPr>
+            </a:p>
+          </p:txBody>
+        </p:sp>
+        <p:sp>
+          <p:nvSpPr>
+            <p:cNvPr id="27" name="円/楕円 26">
+              <a:extLst>
+                <a:ext uri="{FF2B5EF4-FFF2-40B4-BE49-F238E27FC236}">
+                  <a16:creationId xmlns:a16="http://schemas.microsoft.com/office/drawing/2014/main" id="{60A35061-CF35-8A44-B4A9-3F9EC88A39DE}"/>
+                </a:ext>
+              </a:extLst>
+            </p:cNvPr>
+            <p:cNvSpPr/>
+            <p:nvPr/>
+          </p:nvSpPr>
+          <p:spPr>
+            <a:xfrm>
+              <a:off x="1259632" y="4726885"/>
+              <a:ext cx="432048" cy="432048"/>
+            </a:xfrm>
+            <a:prstGeom prst="ellipse">
+              <a:avLst/>
+            </a:prstGeom>
+            <a:noFill/>
+            <a:ln>
+              <a:solidFill>
+                <a:schemeClr val="tx1"/>
+              </a:solidFill>
+            </a:ln>
+          </p:spPr>
+          <p:style>
+            <a:lnRef idx="2">
+              <a:schemeClr val="accent1">
+                <a:shade val="50000"/>
+              </a:schemeClr>
+            </a:lnRef>
+            <a:fillRef idx="1">
+              <a:schemeClr val="accent1"/>
+            </a:fillRef>
+            <a:effectRef idx="0">
+              <a:schemeClr val="accent1"/>
+            </a:effectRef>
+            <a:fontRef idx="minor">
+              <a:schemeClr val="lt1"/>
+            </a:fontRef>
+          </p:style>
+          <p:txBody>
+            <a:bodyPr rtlCol="0" anchor="ctr"/>
+            <a:lstStyle/>
+            <a:p>
+              <a:pPr algn="ctr"/>
+              <a:r>
+                <a:rPr kumimoji="1" lang="en-US" altLang="ja-JP">
+                  <a:solidFill>
+                    <a:schemeClr val="tx1"/>
+                  </a:solidFill>
+                </a:rPr>
+                <a:t>2</a:t>
+              </a:r>
+              <a:endParaRPr kumimoji="1" lang="ja-JP" altLang="en-US">
+                <a:solidFill>
+                  <a:schemeClr val="tx1"/>
+                </a:solidFill>
+              </a:endParaRPr>
+            </a:p>
+          </p:txBody>
+        </p:sp>
+        <p:sp>
+          <p:nvSpPr>
+            <p:cNvPr id="28" name="円/楕円 27">
+              <a:extLst>
+                <a:ext uri="{FF2B5EF4-FFF2-40B4-BE49-F238E27FC236}">
+                  <a16:creationId xmlns:a16="http://schemas.microsoft.com/office/drawing/2014/main" id="{9685AE05-8C41-FD44-B6F5-E40C3A45A6E2}"/>
+                </a:ext>
+              </a:extLst>
+            </p:cNvPr>
+            <p:cNvSpPr/>
+            <p:nvPr/>
+          </p:nvSpPr>
+          <p:spPr>
+            <a:xfrm>
+              <a:off x="2051720" y="4726885"/>
+              <a:ext cx="432048" cy="432048"/>
+            </a:xfrm>
+            <a:prstGeom prst="ellipse">
+              <a:avLst/>
+            </a:prstGeom>
+            <a:solidFill>
+              <a:schemeClr val="accent1">
+                <a:lumMod val="40000"/>
+                <a:lumOff val="60000"/>
+              </a:schemeClr>
+            </a:solidFill>
+            <a:ln>
+              <a:solidFill>
+                <a:schemeClr val="tx1"/>
+              </a:solidFill>
+            </a:ln>
+          </p:spPr>
+          <p:style>
+            <a:lnRef idx="2">
+              <a:schemeClr val="accent1">
+                <a:shade val="50000"/>
+              </a:schemeClr>
+            </a:lnRef>
+            <a:fillRef idx="1">
+              <a:schemeClr val="accent1"/>
+            </a:fillRef>
+            <a:effectRef idx="0">
+              <a:schemeClr val="accent1"/>
+            </a:effectRef>
+            <a:fontRef idx="minor">
+              <a:schemeClr val="lt1"/>
+            </a:fontRef>
+          </p:style>
+          <p:txBody>
+            <a:bodyPr rtlCol="0" anchor="ctr"/>
+            <a:lstStyle/>
+            <a:p>
+              <a:pPr algn="ctr"/>
+              <a:r>
+                <a:rPr kumimoji="1" lang="en-US" altLang="ja-JP">
+                  <a:solidFill>
+                    <a:schemeClr val="tx1"/>
+                  </a:solidFill>
+                </a:rPr>
+                <a:t>3</a:t>
+              </a:r>
+              <a:endParaRPr kumimoji="1" lang="ja-JP" altLang="en-US">
+                <a:solidFill>
+                  <a:schemeClr val="tx1"/>
+                </a:solidFill>
+              </a:endParaRPr>
+            </a:p>
+          </p:txBody>
+        </p:sp>
+        <p:cxnSp>
+          <p:nvCxnSpPr>
+            <p:cNvPr id="29" name="直線コネクタ 28">
+              <a:extLst>
+                <a:ext uri="{FF2B5EF4-FFF2-40B4-BE49-F238E27FC236}">
+                  <a16:creationId xmlns:a16="http://schemas.microsoft.com/office/drawing/2014/main" id="{8C289219-BC5B-1F43-ABC1-BA794C12197D}"/>
+                </a:ext>
+              </a:extLst>
+            </p:cNvPr>
+            <p:cNvCxnSpPr>
+              <a:cxnSpLocks/>
+              <a:stCxn id="26" idx="3"/>
+              <a:endCxn id="27" idx="0"/>
+            </p:cNvCxnSpPr>
+            <p:nvPr/>
+          </p:nvCxnSpPr>
+          <p:spPr>
+            <a:xfrm flipH="1">
+              <a:off x="1475656" y="4447589"/>
+              <a:ext cx="279296" cy="279296"/>
+            </a:xfrm>
+            <a:prstGeom prst="line">
+              <a:avLst/>
+            </a:prstGeom>
+            <a:ln w="12700">
+              <a:solidFill>
+                <a:schemeClr val="tx1"/>
+              </a:solidFill>
+              <a:headEnd type="triangle" w="med" len="med"/>
+              <a:tailEnd type="none" w="med" len="med"/>
+            </a:ln>
+          </p:spPr>
+          <p:style>
+            <a:lnRef idx="1">
+              <a:schemeClr val="accent1"/>
+            </a:lnRef>
+            <a:fillRef idx="0">
+              <a:schemeClr val="accent1"/>
+            </a:fillRef>
+            <a:effectRef idx="0">
+              <a:schemeClr val="accent1"/>
+            </a:effectRef>
+            <a:fontRef idx="minor">
+              <a:schemeClr val="tx1"/>
+            </a:fontRef>
+          </p:style>
+        </p:cxnSp>
+        <p:cxnSp>
+          <p:nvCxnSpPr>
+            <p:cNvPr id="32" name="直線コネクタ 31">
+              <a:extLst>
+                <a:ext uri="{FF2B5EF4-FFF2-40B4-BE49-F238E27FC236}">
+                  <a16:creationId xmlns:a16="http://schemas.microsoft.com/office/drawing/2014/main" id="{EF5F7282-D3D0-E548-B5AA-A6198F5FD945}"/>
+                </a:ext>
+              </a:extLst>
+            </p:cNvPr>
+            <p:cNvCxnSpPr>
+              <a:cxnSpLocks/>
+              <a:stCxn id="26" idx="5"/>
+              <a:endCxn id="28" idx="0"/>
+            </p:cNvCxnSpPr>
+            <p:nvPr/>
+          </p:nvCxnSpPr>
+          <p:spPr>
+            <a:xfrm>
+              <a:off x="2060456" y="4447589"/>
+              <a:ext cx="207288" cy="279296"/>
+            </a:xfrm>
+            <a:prstGeom prst="line">
+              <a:avLst/>
+            </a:prstGeom>
+            <a:ln w="12700">
+              <a:solidFill>
+                <a:schemeClr val="tx1"/>
+              </a:solidFill>
+              <a:headEnd type="triangle" w="med" len="med"/>
+              <a:tailEnd type="none" w="med" len="med"/>
+            </a:ln>
+          </p:spPr>
+          <p:style>
+            <a:lnRef idx="1">
+              <a:schemeClr val="accent1"/>
+            </a:lnRef>
+            <a:fillRef idx="0">
+              <a:schemeClr val="accent1"/>
+            </a:fillRef>
+            <a:effectRef idx="0">
+              <a:schemeClr val="accent1"/>
+            </a:effectRef>
+            <a:fontRef idx="minor">
+              <a:schemeClr val="tx1"/>
+            </a:fontRef>
+          </p:style>
+        </p:cxnSp>
+        <p:sp>
+          <p:nvSpPr>
+            <p:cNvPr id="33" name="円/楕円 32">
+              <a:extLst>
+                <a:ext uri="{FF2B5EF4-FFF2-40B4-BE49-F238E27FC236}">
+                  <a16:creationId xmlns:a16="http://schemas.microsoft.com/office/drawing/2014/main" id="{ACFBE2F6-C8B4-EE44-A545-BB20A23BDB83}"/>
+                </a:ext>
+              </a:extLst>
+            </p:cNvPr>
+            <p:cNvSpPr/>
+            <p:nvPr/>
+          </p:nvSpPr>
+          <p:spPr>
+            <a:xfrm>
+              <a:off x="3203848" y="4078813"/>
+              <a:ext cx="432048" cy="432048"/>
+            </a:xfrm>
+            <a:prstGeom prst="ellipse">
+              <a:avLst/>
+            </a:prstGeom>
             <a:solidFill>
               <a:srgbClr val="FF0000"/>
             </a:solidFill>
-            <a:headEnd type="triangle" w="med" len="med"/>
-            <a:tailEnd type="none" w="med" len="med"/>
-          </a:ln>
-        </p:spPr>
-        <p:style>
-          <a:lnRef idx="1">
-            <a:schemeClr val="accent1"/>
-          </a:lnRef>
-          <a:fillRef idx="0">
-            <a:schemeClr val="accent1"/>
-          </a:fillRef>
-          <a:effectRef idx="0">
-            <a:schemeClr val="accent1"/>
-          </a:effectRef>
-          <a:fontRef idx="minor">
-            <a:schemeClr val="tx1"/>
-          </a:fontRef>
-        </p:style>
-      </p:cxnSp>
-      <p:cxnSp>
-        <p:nvCxnSpPr>
-          <p:cNvPr id="73" name="直線コネクタ 72">
-            <a:extLst>
-              <a:ext uri="{FF2B5EF4-FFF2-40B4-BE49-F238E27FC236}">
-                <a16:creationId xmlns:a16="http://schemas.microsoft.com/office/drawing/2014/main" id="{AA0B541E-8D1E-D34F-B236-E2841D422951}"/>
-              </a:ext>
-            </a:extLst>
-          </p:cNvPr>
-          <p:cNvCxnSpPr>
-            <a:cxnSpLocks/>
-          </p:cNvCxnSpPr>
-          <p:nvPr/>
-        </p:nvCxnSpPr>
-        <p:spPr>
-          <a:xfrm flipH="1">
-            <a:off x="2042984" y="1628800"/>
-            <a:ext cx="279296" cy="279296"/>
-          </a:xfrm>
-          <a:prstGeom prst="line">
-            <a:avLst/>
-          </a:prstGeom>
-          <a:ln w="12700">
-            <a:solidFill>
-              <a:schemeClr val="tx1"/>
-            </a:solidFill>
-            <a:headEnd type="triangle" w="med" len="med"/>
-            <a:tailEnd type="none" w="med" len="med"/>
-          </a:ln>
-        </p:spPr>
-        <p:style>
-          <a:lnRef idx="1">
-            <a:schemeClr val="accent1"/>
-          </a:lnRef>
-          <a:fillRef idx="0">
-            <a:schemeClr val="accent1"/>
-          </a:fillRef>
-          <a:effectRef idx="0">
-            <a:schemeClr val="accent1"/>
-          </a:effectRef>
-          <a:fontRef idx="minor">
-            <a:schemeClr val="tx1"/>
-          </a:fontRef>
-        </p:style>
-      </p:cxnSp>
-      <p:cxnSp>
-        <p:nvCxnSpPr>
-          <p:cNvPr id="74" name="直線コネクタ 73">
-            <a:extLst>
-              <a:ext uri="{FF2B5EF4-FFF2-40B4-BE49-F238E27FC236}">
-                <a16:creationId xmlns:a16="http://schemas.microsoft.com/office/drawing/2014/main" id="{9BBAD9E3-BDCD-5649-8132-225D68C8CD27}"/>
-              </a:ext>
-            </a:extLst>
-          </p:cNvPr>
-          <p:cNvCxnSpPr>
-            <a:cxnSpLocks/>
-          </p:cNvCxnSpPr>
-          <p:nvPr/>
-        </p:nvCxnSpPr>
-        <p:spPr>
-          <a:xfrm>
-            <a:off x="2627784" y="1628800"/>
-            <a:ext cx="207288" cy="279296"/>
-          </a:xfrm>
-          <a:prstGeom prst="line">
-            <a:avLst/>
-          </a:prstGeom>
-          <a:ln w="28575">
+            <a:ln>
+              <a:solidFill>
+                <a:schemeClr val="tx1"/>
+              </a:solidFill>
+            </a:ln>
+          </p:spPr>
+          <p:style>
+            <a:lnRef idx="2">
+              <a:schemeClr val="accent1">
+                <a:shade val="50000"/>
+              </a:schemeClr>
+            </a:lnRef>
+            <a:fillRef idx="1">
+              <a:schemeClr val="accent1"/>
+            </a:fillRef>
+            <a:effectRef idx="0">
+              <a:schemeClr val="accent1"/>
+            </a:effectRef>
+            <a:fontRef idx="minor">
+              <a:schemeClr val="lt1"/>
+            </a:fontRef>
+          </p:style>
+          <p:txBody>
+            <a:bodyPr rtlCol="0" anchor="ctr"/>
+            <a:lstStyle/>
+            <a:p>
+              <a:pPr algn="ctr"/>
+              <a:r>
+                <a:rPr kumimoji="1" lang="en-US" altLang="ja-JP">
+                  <a:solidFill>
+                    <a:schemeClr val="tx1"/>
+                  </a:solidFill>
+                </a:rPr>
+                <a:t>4</a:t>
+              </a:r>
+              <a:endParaRPr kumimoji="1" lang="ja-JP" altLang="en-US">
+                <a:solidFill>
+                  <a:schemeClr val="tx1"/>
+                </a:solidFill>
+              </a:endParaRPr>
+            </a:p>
+          </p:txBody>
+        </p:sp>
+        <p:sp>
+          <p:nvSpPr>
+            <p:cNvPr id="34" name="円/楕円 33">
+              <a:extLst>
+                <a:ext uri="{FF2B5EF4-FFF2-40B4-BE49-F238E27FC236}">
+                  <a16:creationId xmlns:a16="http://schemas.microsoft.com/office/drawing/2014/main" id="{79E2F906-C6EC-AC41-9CD7-C0B1263EB0C3}"/>
+                </a:ext>
+              </a:extLst>
+            </p:cNvPr>
+            <p:cNvSpPr/>
+            <p:nvPr/>
+          </p:nvSpPr>
+          <p:spPr>
+            <a:xfrm>
+              <a:off x="2771800" y="4726885"/>
+              <a:ext cx="432048" cy="432048"/>
+            </a:xfrm>
+            <a:prstGeom prst="ellipse">
+              <a:avLst/>
+            </a:prstGeom>
+            <a:solidFill>
+              <a:schemeClr val="accent1">
+                <a:lumMod val="40000"/>
+                <a:lumOff val="60000"/>
+              </a:schemeClr>
+            </a:solidFill>
+            <a:ln>
+              <a:solidFill>
+                <a:schemeClr val="tx1"/>
+              </a:solidFill>
+            </a:ln>
+          </p:spPr>
+          <p:style>
+            <a:lnRef idx="2">
+              <a:schemeClr val="accent1">
+                <a:shade val="50000"/>
+              </a:schemeClr>
+            </a:lnRef>
+            <a:fillRef idx="1">
+              <a:schemeClr val="accent1"/>
+            </a:fillRef>
+            <a:effectRef idx="0">
+              <a:schemeClr val="accent1"/>
+            </a:effectRef>
+            <a:fontRef idx="minor">
+              <a:schemeClr val="lt1"/>
+            </a:fontRef>
+          </p:style>
+          <p:txBody>
+            <a:bodyPr rtlCol="0" anchor="ctr"/>
+            <a:lstStyle/>
+            <a:p>
+              <a:pPr algn="ctr"/>
+              <a:r>
+                <a:rPr kumimoji="1" lang="en-US" altLang="ja-JP">
+                  <a:solidFill>
+                    <a:schemeClr val="tx1"/>
+                  </a:solidFill>
+                </a:rPr>
+                <a:t>5</a:t>
+              </a:r>
+              <a:endParaRPr kumimoji="1" lang="ja-JP" altLang="en-US">
+                <a:solidFill>
+                  <a:schemeClr val="tx1"/>
+                </a:solidFill>
+              </a:endParaRPr>
+            </a:p>
+          </p:txBody>
+        </p:sp>
+        <p:sp>
+          <p:nvSpPr>
+            <p:cNvPr id="35" name="円/楕円 34">
+              <a:extLst>
+                <a:ext uri="{FF2B5EF4-FFF2-40B4-BE49-F238E27FC236}">
+                  <a16:creationId xmlns:a16="http://schemas.microsoft.com/office/drawing/2014/main" id="{3EB72924-A353-B142-B160-12324AF642AC}"/>
+                </a:ext>
+              </a:extLst>
+            </p:cNvPr>
+            <p:cNvSpPr/>
+            <p:nvPr/>
+          </p:nvSpPr>
+          <p:spPr>
+            <a:xfrm>
+              <a:off x="3563888" y="4726885"/>
+              <a:ext cx="432048" cy="432048"/>
+            </a:xfrm>
+            <a:prstGeom prst="ellipse">
+              <a:avLst/>
+            </a:prstGeom>
+            <a:solidFill>
+              <a:schemeClr val="bg1"/>
+            </a:solidFill>
+            <a:ln>
+              <a:solidFill>
+                <a:schemeClr val="tx1"/>
+              </a:solidFill>
+            </a:ln>
+          </p:spPr>
+          <p:style>
+            <a:lnRef idx="2">
+              <a:schemeClr val="accent1">
+                <a:shade val="50000"/>
+              </a:schemeClr>
+            </a:lnRef>
+            <a:fillRef idx="1">
+              <a:schemeClr val="accent1"/>
+            </a:fillRef>
+            <a:effectRef idx="0">
+              <a:schemeClr val="accent1"/>
+            </a:effectRef>
+            <a:fontRef idx="minor">
+              <a:schemeClr val="lt1"/>
+            </a:fontRef>
+          </p:style>
+          <p:txBody>
+            <a:bodyPr rtlCol="0" anchor="ctr"/>
+            <a:lstStyle/>
+            <a:p>
+              <a:pPr algn="ctr"/>
+              <a:r>
+                <a:rPr kumimoji="1" lang="en-US" altLang="ja-JP">
+                  <a:solidFill>
+                    <a:schemeClr val="tx1"/>
+                  </a:solidFill>
+                </a:rPr>
+                <a:t>6</a:t>
+              </a:r>
+              <a:endParaRPr kumimoji="1" lang="ja-JP" altLang="en-US">
+                <a:solidFill>
+                  <a:schemeClr val="tx1"/>
+                </a:solidFill>
+              </a:endParaRPr>
+            </a:p>
+          </p:txBody>
+        </p:sp>
+        <p:sp>
+          <p:nvSpPr>
+            <p:cNvPr id="62" name="フリーフォーム 61">
+              <a:extLst>
+                <a:ext uri="{FF2B5EF4-FFF2-40B4-BE49-F238E27FC236}">
+                  <a16:creationId xmlns:a16="http://schemas.microsoft.com/office/drawing/2014/main" id="{17E38AF2-29A7-6244-9635-AF49E8E650BD}"/>
+                </a:ext>
+              </a:extLst>
+            </p:cNvPr>
+            <p:cNvSpPr/>
+            <p:nvPr/>
+          </p:nvSpPr>
+          <p:spPr>
+            <a:xfrm>
+              <a:off x="1979712" y="3862789"/>
+              <a:ext cx="373277" cy="410592"/>
+            </a:xfrm>
+            <a:custGeom>
+              <a:avLst/>
+              <a:gdLst>
+                <a:gd name="connsiteX0" fmla="*/ 442909 w 1196782"/>
+                <a:gd name="connsiteY0" fmla="*/ 1052396 h 1052396"/>
+                <a:gd name="connsiteX1" fmla="*/ 1143949 w 1196782"/>
+                <a:gd name="connsiteY1" fmla="*/ 778076 h 1052396"/>
+                <a:gd name="connsiteX2" fmla="*/ 1072829 w 1196782"/>
+                <a:gd name="connsiteY2" fmla="*/ 87196 h 1052396"/>
+                <a:gd name="connsiteX3" fmla="*/ 483549 w 1196782"/>
+                <a:gd name="connsiteY3" fmla="*/ 36396 h 1052396"/>
+                <a:gd name="connsiteX4" fmla="*/ 66989 w 1196782"/>
+                <a:gd name="connsiteY4" fmla="*/ 331036 h 1052396"/>
+                <a:gd name="connsiteX5" fmla="*/ 6029 w 1196782"/>
+                <a:gd name="connsiteY5" fmla="*/ 564716 h 1052396"/>
+              </a:gdLst>
+              <a:ahLst/>
+              <a:cxnLst>
+                <a:cxn ang="0">
+                  <a:pos x="connsiteX0" y="connsiteY0"/>
+                </a:cxn>
+                <a:cxn ang="0">
+                  <a:pos x="connsiteX1" y="connsiteY1"/>
+                </a:cxn>
+                <a:cxn ang="0">
+                  <a:pos x="connsiteX2" y="connsiteY2"/>
+                </a:cxn>
+                <a:cxn ang="0">
+                  <a:pos x="connsiteX3" y="connsiteY3"/>
+                </a:cxn>
+                <a:cxn ang="0">
+                  <a:pos x="connsiteX4" y="connsiteY4"/>
+                </a:cxn>
+                <a:cxn ang="0">
+                  <a:pos x="connsiteX5" y="connsiteY5"/>
+                </a:cxn>
+              </a:cxnLst>
+              <a:rect l="l" t="t" r="r" b="b"/>
+              <a:pathLst>
+                <a:path w="1196782" h="1052396">
+                  <a:moveTo>
+                    <a:pt x="442909" y="1052396"/>
+                  </a:moveTo>
+                  <a:cubicBezTo>
+                    <a:pt x="740935" y="995669"/>
+                    <a:pt x="1038962" y="938943"/>
+                    <a:pt x="1143949" y="778076"/>
+                  </a:cubicBezTo>
+                  <a:cubicBezTo>
+                    <a:pt x="1248936" y="617209"/>
+                    <a:pt x="1182896" y="210809"/>
+                    <a:pt x="1072829" y="87196"/>
+                  </a:cubicBezTo>
+                  <a:cubicBezTo>
+                    <a:pt x="962762" y="-36417"/>
+                    <a:pt x="651189" y="-4244"/>
+                    <a:pt x="483549" y="36396"/>
+                  </a:cubicBezTo>
+                  <a:cubicBezTo>
+                    <a:pt x="315909" y="77036"/>
+                    <a:pt x="146576" y="242983"/>
+                    <a:pt x="66989" y="331036"/>
+                  </a:cubicBezTo>
+                  <a:cubicBezTo>
+                    <a:pt x="-12598" y="419089"/>
+                    <a:pt x="-3285" y="491902"/>
+                    <a:pt x="6029" y="564716"/>
+                  </a:cubicBezTo>
+                </a:path>
+              </a:pathLst>
+            </a:custGeom>
+            <a:noFill/>
+            <a:ln>
+              <a:solidFill>
+                <a:schemeClr val="tx1"/>
+              </a:solidFill>
+              <a:headEnd type="none" w="med" len="med"/>
+              <a:tailEnd type="triangle" w="med" len="med"/>
+            </a:ln>
+          </p:spPr>
+          <p:style>
+            <a:lnRef idx="2">
+              <a:schemeClr val="accent1">
+                <a:shade val="50000"/>
+              </a:schemeClr>
+            </a:lnRef>
+            <a:fillRef idx="1">
+              <a:schemeClr val="accent1"/>
+            </a:fillRef>
+            <a:effectRef idx="0">
+              <a:schemeClr val="accent1"/>
+            </a:effectRef>
+            <a:fontRef idx="minor">
+              <a:schemeClr val="lt1"/>
+            </a:fontRef>
+          </p:style>
+          <p:txBody>
+            <a:bodyPr rtlCol="0" anchor="ctr"/>
+            <a:lstStyle/>
+            <a:p>
+              <a:pPr algn="ctr"/>
+              <a:endParaRPr kumimoji="1" lang="ja-JP" altLang="en-US"/>
+            </a:p>
+          </p:txBody>
+        </p:sp>
+        <p:sp>
+          <p:nvSpPr>
+            <p:cNvPr id="63" name="フリーフォーム 62">
+              <a:extLst>
+                <a:ext uri="{FF2B5EF4-FFF2-40B4-BE49-F238E27FC236}">
+                  <a16:creationId xmlns:a16="http://schemas.microsoft.com/office/drawing/2014/main" id="{1E95F99C-43ED-8241-8904-EB260978859C}"/>
+                </a:ext>
+              </a:extLst>
+            </p:cNvPr>
+            <p:cNvSpPr/>
+            <p:nvPr/>
+          </p:nvSpPr>
+          <p:spPr>
+            <a:xfrm>
+              <a:off x="3491880" y="3862789"/>
+              <a:ext cx="373277" cy="410592"/>
+            </a:xfrm>
+            <a:custGeom>
+              <a:avLst/>
+              <a:gdLst>
+                <a:gd name="connsiteX0" fmla="*/ 442909 w 1196782"/>
+                <a:gd name="connsiteY0" fmla="*/ 1052396 h 1052396"/>
+                <a:gd name="connsiteX1" fmla="*/ 1143949 w 1196782"/>
+                <a:gd name="connsiteY1" fmla="*/ 778076 h 1052396"/>
+                <a:gd name="connsiteX2" fmla="*/ 1072829 w 1196782"/>
+                <a:gd name="connsiteY2" fmla="*/ 87196 h 1052396"/>
+                <a:gd name="connsiteX3" fmla="*/ 483549 w 1196782"/>
+                <a:gd name="connsiteY3" fmla="*/ 36396 h 1052396"/>
+                <a:gd name="connsiteX4" fmla="*/ 66989 w 1196782"/>
+                <a:gd name="connsiteY4" fmla="*/ 331036 h 1052396"/>
+                <a:gd name="connsiteX5" fmla="*/ 6029 w 1196782"/>
+                <a:gd name="connsiteY5" fmla="*/ 564716 h 1052396"/>
+              </a:gdLst>
+              <a:ahLst/>
+              <a:cxnLst>
+                <a:cxn ang="0">
+                  <a:pos x="connsiteX0" y="connsiteY0"/>
+                </a:cxn>
+                <a:cxn ang="0">
+                  <a:pos x="connsiteX1" y="connsiteY1"/>
+                </a:cxn>
+                <a:cxn ang="0">
+                  <a:pos x="connsiteX2" y="connsiteY2"/>
+                </a:cxn>
+                <a:cxn ang="0">
+                  <a:pos x="connsiteX3" y="connsiteY3"/>
+                </a:cxn>
+                <a:cxn ang="0">
+                  <a:pos x="connsiteX4" y="connsiteY4"/>
+                </a:cxn>
+                <a:cxn ang="0">
+                  <a:pos x="connsiteX5" y="connsiteY5"/>
+                </a:cxn>
+              </a:cxnLst>
+              <a:rect l="l" t="t" r="r" b="b"/>
+              <a:pathLst>
+                <a:path w="1196782" h="1052396">
+                  <a:moveTo>
+                    <a:pt x="442909" y="1052396"/>
+                  </a:moveTo>
+                  <a:cubicBezTo>
+                    <a:pt x="740935" y="995669"/>
+                    <a:pt x="1038962" y="938943"/>
+                    <a:pt x="1143949" y="778076"/>
+                  </a:cubicBezTo>
+                  <a:cubicBezTo>
+                    <a:pt x="1248936" y="617209"/>
+                    <a:pt x="1182896" y="210809"/>
+                    <a:pt x="1072829" y="87196"/>
+                  </a:cubicBezTo>
+                  <a:cubicBezTo>
+                    <a:pt x="962762" y="-36417"/>
+                    <a:pt x="651189" y="-4244"/>
+                    <a:pt x="483549" y="36396"/>
+                  </a:cubicBezTo>
+                  <a:cubicBezTo>
+                    <a:pt x="315909" y="77036"/>
+                    <a:pt x="146576" y="242983"/>
+                    <a:pt x="66989" y="331036"/>
+                  </a:cubicBezTo>
+                  <a:cubicBezTo>
+                    <a:pt x="-12598" y="419089"/>
+                    <a:pt x="-3285" y="491902"/>
+                    <a:pt x="6029" y="564716"/>
+                  </a:cubicBezTo>
+                </a:path>
+              </a:pathLst>
+            </a:custGeom>
+            <a:noFill/>
+            <a:ln>
+              <a:solidFill>
+                <a:schemeClr val="tx1"/>
+              </a:solidFill>
+              <a:headEnd type="none" w="med" len="med"/>
+              <a:tailEnd type="triangle" w="med" len="med"/>
+            </a:ln>
+          </p:spPr>
+          <p:style>
+            <a:lnRef idx="2">
+              <a:schemeClr val="accent1">
+                <a:shade val="50000"/>
+              </a:schemeClr>
+            </a:lnRef>
+            <a:fillRef idx="1">
+              <a:schemeClr val="accent1"/>
+            </a:fillRef>
+            <a:effectRef idx="0">
+              <a:schemeClr val="accent1"/>
+            </a:effectRef>
+            <a:fontRef idx="minor">
+              <a:schemeClr val="lt1"/>
+            </a:fontRef>
+          </p:style>
+          <p:txBody>
+            <a:bodyPr rtlCol="0" anchor="ctr"/>
+            <a:lstStyle/>
+            <a:p>
+              <a:pPr algn="ctr"/>
+              <a:endParaRPr kumimoji="1" lang="ja-JP" altLang="en-US"/>
+            </a:p>
+          </p:txBody>
+        </p:sp>
+        <p:cxnSp>
+          <p:nvCxnSpPr>
+            <p:cNvPr id="67" name="直線コネクタ 66">
+              <a:extLst>
+                <a:ext uri="{FF2B5EF4-FFF2-40B4-BE49-F238E27FC236}">
+                  <a16:creationId xmlns:a16="http://schemas.microsoft.com/office/drawing/2014/main" id="{CE29469D-742F-2B41-B61E-389B1791FC10}"/>
+                </a:ext>
+              </a:extLst>
+            </p:cNvPr>
+            <p:cNvCxnSpPr>
+              <a:cxnSpLocks/>
+            </p:cNvCxnSpPr>
+            <p:nvPr/>
+          </p:nvCxnSpPr>
+          <p:spPr>
+            <a:xfrm flipH="1">
+              <a:off x="2979088" y="4438853"/>
+              <a:ext cx="279296" cy="279296"/>
+            </a:xfrm>
+            <a:prstGeom prst="line">
+              <a:avLst/>
+            </a:prstGeom>
+            <a:ln w="12700">
+              <a:solidFill>
+                <a:schemeClr val="tx1"/>
+              </a:solidFill>
+              <a:headEnd type="triangle" w="med" len="med"/>
+              <a:tailEnd type="none" w="med" len="med"/>
+            </a:ln>
+          </p:spPr>
+          <p:style>
+            <a:lnRef idx="1">
+              <a:schemeClr val="accent1"/>
+            </a:lnRef>
+            <a:fillRef idx="0">
+              <a:schemeClr val="accent1"/>
+            </a:fillRef>
+            <a:effectRef idx="0">
+              <a:schemeClr val="accent1"/>
+            </a:effectRef>
+            <a:fontRef idx="minor">
+              <a:schemeClr val="tx1"/>
+            </a:fontRef>
+          </p:style>
+        </p:cxnSp>
+        <p:cxnSp>
+          <p:nvCxnSpPr>
+            <p:cNvPr id="68" name="直線コネクタ 67">
+              <a:extLst>
+                <a:ext uri="{FF2B5EF4-FFF2-40B4-BE49-F238E27FC236}">
+                  <a16:creationId xmlns:a16="http://schemas.microsoft.com/office/drawing/2014/main" id="{B1B974BC-5C72-9944-BD8F-E72574D1B389}"/>
+                </a:ext>
+              </a:extLst>
+            </p:cNvPr>
+            <p:cNvCxnSpPr>
+              <a:cxnSpLocks/>
+            </p:cNvCxnSpPr>
+            <p:nvPr/>
+          </p:nvCxnSpPr>
+          <p:spPr>
+            <a:xfrm>
+              <a:off x="3563888" y="4438853"/>
+              <a:ext cx="207288" cy="279296"/>
+            </a:xfrm>
+            <a:prstGeom prst="line">
+              <a:avLst/>
+            </a:prstGeom>
+            <a:ln w="12700">
+              <a:solidFill>
+                <a:schemeClr val="tx1"/>
+              </a:solidFill>
+              <a:headEnd type="triangle" w="med" len="med"/>
+              <a:tailEnd type="none" w="med" len="med"/>
+            </a:ln>
+          </p:spPr>
+          <p:style>
+            <a:lnRef idx="1">
+              <a:schemeClr val="accent1"/>
+            </a:lnRef>
+            <a:fillRef idx="0">
+              <a:schemeClr val="accent1"/>
+            </a:fillRef>
+            <a:effectRef idx="0">
+              <a:schemeClr val="accent1"/>
+            </a:effectRef>
+            <a:fontRef idx="minor">
+              <a:schemeClr val="tx1"/>
+            </a:fontRef>
+          </p:style>
+        </p:cxnSp>
+      </p:grpSp>
+      <p:grpSp>
+        <p:nvGrpSpPr>
+          <p:cNvPr id="10" name="グループ化 9">
+            <a:extLst>
+              <a:ext uri="{FF2B5EF4-FFF2-40B4-BE49-F238E27FC236}">
+                <a16:creationId xmlns:a16="http://schemas.microsoft.com/office/drawing/2014/main" id="{398BD406-8585-4A43-BB51-A9DD99F824E9}"/>
+              </a:ext>
+            </a:extLst>
+          </p:cNvPr>
+          <p:cNvGrpSpPr/>
+          <p:nvPr/>
+        </p:nvGrpSpPr>
+        <p:grpSpPr>
+          <a:xfrm>
+            <a:off x="1403648" y="1052736"/>
+            <a:ext cx="2088232" cy="1944216"/>
+            <a:chOff x="1403648" y="1052736"/>
+            <a:chExt cx="2088232" cy="1944216"/>
+          </a:xfrm>
+        </p:grpSpPr>
+        <p:sp>
+          <p:nvSpPr>
+            <p:cNvPr id="4" name="円/楕円 3">
+              <a:extLst>
+                <a:ext uri="{FF2B5EF4-FFF2-40B4-BE49-F238E27FC236}">
+                  <a16:creationId xmlns:a16="http://schemas.microsoft.com/office/drawing/2014/main" id="{5803F0E8-4F20-A74C-BEEF-98F584B1EC00}"/>
+                </a:ext>
+              </a:extLst>
+            </p:cNvPr>
+            <p:cNvSpPr/>
+            <p:nvPr/>
+          </p:nvSpPr>
+          <p:spPr>
+            <a:xfrm>
+              <a:off x="2267744" y="1268760"/>
+              <a:ext cx="432048" cy="432048"/>
+            </a:xfrm>
+            <a:prstGeom prst="ellipse">
+              <a:avLst/>
+            </a:prstGeom>
             <a:solidFill>
               <a:srgbClr val="FF0000"/>
             </a:solidFill>
-            <a:headEnd type="triangle" w="med" len="med"/>
-            <a:tailEnd type="none" w="med" len="med"/>
-          </a:ln>
-        </p:spPr>
-        <p:style>
-          <a:lnRef idx="1">
-            <a:schemeClr val="accent1"/>
-          </a:lnRef>
-          <a:fillRef idx="0">
-            <a:schemeClr val="accent1"/>
-          </a:fillRef>
-          <a:effectRef idx="0">
-            <a:schemeClr val="accent1"/>
-          </a:effectRef>
-          <a:fontRef idx="minor">
-            <a:schemeClr val="tx1"/>
-          </a:fontRef>
-        </p:style>
-      </p:cxnSp>
-      <p:cxnSp>
-        <p:nvCxnSpPr>
-          <p:cNvPr id="77" name="直線コネクタ 76">
-            <a:extLst>
-              <a:ext uri="{FF2B5EF4-FFF2-40B4-BE49-F238E27FC236}">
-                <a16:creationId xmlns:a16="http://schemas.microsoft.com/office/drawing/2014/main" id="{F8CC8230-3F4A-6F48-B1FF-CAE5C7ADC2C7}"/>
-              </a:ext>
-            </a:extLst>
-          </p:cNvPr>
-          <p:cNvCxnSpPr>
-            <a:cxnSpLocks/>
-            <a:stCxn id="44" idx="3"/>
-            <a:endCxn id="45" idx="0"/>
-          </p:cNvCxnSpPr>
-          <p:nvPr/>
-        </p:nvCxnSpPr>
-        <p:spPr>
-          <a:xfrm flipH="1">
-            <a:off x="6444208" y="5095661"/>
-            <a:ext cx="279296" cy="279296"/>
-          </a:xfrm>
-          <a:prstGeom prst="line">
-            <a:avLst/>
-          </a:prstGeom>
-          <a:ln w="12700">
-            <a:solidFill>
-              <a:schemeClr val="tx1"/>
-            </a:solidFill>
-            <a:headEnd type="triangle" w="med" len="med"/>
-            <a:tailEnd type="none" w="med" len="med"/>
-          </a:ln>
-        </p:spPr>
-        <p:style>
-          <a:lnRef idx="1">
-            <a:schemeClr val="accent1"/>
-          </a:lnRef>
-          <a:fillRef idx="0">
-            <a:schemeClr val="accent1"/>
-          </a:fillRef>
-          <a:effectRef idx="0">
-            <a:schemeClr val="accent1"/>
-          </a:effectRef>
-          <a:fontRef idx="minor">
-            <a:schemeClr val="tx1"/>
-          </a:fontRef>
-        </p:style>
-      </p:cxnSp>
-      <p:cxnSp>
-        <p:nvCxnSpPr>
-          <p:cNvPr id="78" name="直線コネクタ 77">
-            <a:extLst>
-              <a:ext uri="{FF2B5EF4-FFF2-40B4-BE49-F238E27FC236}">
-                <a16:creationId xmlns:a16="http://schemas.microsoft.com/office/drawing/2014/main" id="{386929D1-4C1C-9A43-B011-D7005D2224FC}"/>
-              </a:ext>
-            </a:extLst>
-          </p:cNvPr>
-          <p:cNvCxnSpPr>
-            <a:cxnSpLocks/>
-            <a:stCxn id="44" idx="5"/>
-            <a:endCxn id="46" idx="0"/>
-          </p:cNvCxnSpPr>
-          <p:nvPr/>
-        </p:nvCxnSpPr>
-        <p:spPr>
-          <a:xfrm>
-            <a:off x="7029008" y="5095661"/>
-            <a:ext cx="207288" cy="279296"/>
-          </a:xfrm>
-          <a:prstGeom prst="line">
-            <a:avLst/>
-          </a:prstGeom>
-          <a:ln w="12700">
-            <a:solidFill>
-              <a:schemeClr val="tx1"/>
-            </a:solidFill>
-            <a:headEnd type="triangle" w="med" len="med"/>
-            <a:tailEnd type="none" w="med" len="med"/>
-          </a:ln>
-        </p:spPr>
-        <p:style>
-          <a:lnRef idx="1">
-            <a:schemeClr val="accent1"/>
-          </a:lnRef>
-          <a:fillRef idx="0">
-            <a:schemeClr val="accent1"/>
-          </a:fillRef>
-          <a:effectRef idx="0">
-            <a:schemeClr val="accent1"/>
-          </a:effectRef>
-          <a:fontRef idx="minor">
-            <a:schemeClr val="tx1"/>
-          </a:fontRef>
-        </p:style>
-      </p:cxnSp>
+            <a:ln>
+              <a:solidFill>
+                <a:schemeClr val="tx1"/>
+              </a:solidFill>
+            </a:ln>
+          </p:spPr>
+          <p:style>
+            <a:lnRef idx="2">
+              <a:schemeClr val="accent1">
+                <a:shade val="50000"/>
+              </a:schemeClr>
+            </a:lnRef>
+            <a:fillRef idx="1">
+              <a:schemeClr val="accent1"/>
+            </a:fillRef>
+            <a:effectRef idx="0">
+              <a:schemeClr val="accent1"/>
+            </a:effectRef>
+            <a:fontRef idx="minor">
+              <a:schemeClr val="lt1"/>
+            </a:fontRef>
+          </p:style>
+          <p:txBody>
+            <a:bodyPr rtlCol="0" anchor="ctr"/>
+            <a:lstStyle/>
+            <a:p>
+              <a:pPr algn="ctr"/>
+              <a:r>
+                <a:rPr kumimoji="1" lang="en-US" altLang="ja-JP">
+                  <a:solidFill>
+                    <a:schemeClr val="tx1"/>
+                  </a:solidFill>
+                </a:rPr>
+                <a:t>1</a:t>
+              </a:r>
+              <a:endParaRPr kumimoji="1" lang="ja-JP" altLang="en-US">
+                <a:solidFill>
+                  <a:schemeClr val="tx1"/>
+                </a:solidFill>
+              </a:endParaRPr>
+            </a:p>
+          </p:txBody>
+        </p:sp>
+        <p:sp>
+          <p:nvSpPr>
+            <p:cNvPr id="5" name="円/楕円 4">
+              <a:extLst>
+                <a:ext uri="{FF2B5EF4-FFF2-40B4-BE49-F238E27FC236}">
+                  <a16:creationId xmlns:a16="http://schemas.microsoft.com/office/drawing/2014/main" id="{42F2D4BE-2759-154F-AB82-6678B64C9825}"/>
+                </a:ext>
+              </a:extLst>
+            </p:cNvPr>
+            <p:cNvSpPr/>
+            <p:nvPr/>
+          </p:nvSpPr>
+          <p:spPr>
+            <a:xfrm>
+              <a:off x="1835696" y="1916832"/>
+              <a:ext cx="432048" cy="432048"/>
+            </a:xfrm>
+            <a:prstGeom prst="ellipse">
+              <a:avLst/>
+            </a:prstGeom>
+            <a:noFill/>
+            <a:ln>
+              <a:solidFill>
+                <a:schemeClr val="tx1"/>
+              </a:solidFill>
+            </a:ln>
+          </p:spPr>
+          <p:style>
+            <a:lnRef idx="2">
+              <a:schemeClr val="accent1">
+                <a:shade val="50000"/>
+              </a:schemeClr>
+            </a:lnRef>
+            <a:fillRef idx="1">
+              <a:schemeClr val="accent1"/>
+            </a:fillRef>
+            <a:effectRef idx="0">
+              <a:schemeClr val="accent1"/>
+            </a:effectRef>
+            <a:fontRef idx="minor">
+              <a:schemeClr val="lt1"/>
+            </a:fontRef>
+          </p:style>
+          <p:txBody>
+            <a:bodyPr rtlCol="0" anchor="ctr"/>
+            <a:lstStyle/>
+            <a:p>
+              <a:pPr algn="ctr"/>
+              <a:r>
+                <a:rPr kumimoji="1" lang="en-US" altLang="ja-JP">
+                  <a:solidFill>
+                    <a:schemeClr val="tx1"/>
+                  </a:solidFill>
+                </a:rPr>
+                <a:t>2</a:t>
+              </a:r>
+              <a:endParaRPr kumimoji="1" lang="ja-JP" altLang="en-US">
+                <a:solidFill>
+                  <a:schemeClr val="tx1"/>
+                </a:solidFill>
+              </a:endParaRPr>
+            </a:p>
+          </p:txBody>
+        </p:sp>
+        <p:sp>
+          <p:nvSpPr>
+            <p:cNvPr id="6" name="円/楕円 5">
+              <a:extLst>
+                <a:ext uri="{FF2B5EF4-FFF2-40B4-BE49-F238E27FC236}">
+                  <a16:creationId xmlns:a16="http://schemas.microsoft.com/office/drawing/2014/main" id="{726B0BB8-28AE-0F48-A53C-4E56CBD8CF15}"/>
+                </a:ext>
+              </a:extLst>
+            </p:cNvPr>
+            <p:cNvSpPr/>
+            <p:nvPr/>
+          </p:nvSpPr>
+          <p:spPr>
+            <a:xfrm>
+              <a:off x="2627784" y="1916832"/>
+              <a:ext cx="432048" cy="432048"/>
+            </a:xfrm>
+            <a:prstGeom prst="ellipse">
+              <a:avLst/>
+            </a:prstGeom>
+            <a:noFill/>
+            <a:ln>
+              <a:solidFill>
+                <a:schemeClr val="tx1"/>
+              </a:solidFill>
+            </a:ln>
+          </p:spPr>
+          <p:style>
+            <a:lnRef idx="2">
+              <a:schemeClr val="accent1">
+                <a:shade val="50000"/>
+              </a:schemeClr>
+            </a:lnRef>
+            <a:fillRef idx="1">
+              <a:schemeClr val="accent1"/>
+            </a:fillRef>
+            <a:effectRef idx="0">
+              <a:schemeClr val="accent1"/>
+            </a:effectRef>
+            <a:fontRef idx="minor">
+              <a:schemeClr val="lt1"/>
+            </a:fontRef>
+          </p:style>
+          <p:txBody>
+            <a:bodyPr rtlCol="0" anchor="ctr"/>
+            <a:lstStyle/>
+            <a:p>
+              <a:pPr algn="ctr"/>
+              <a:r>
+                <a:rPr kumimoji="1" lang="en-US" altLang="ja-JP">
+                  <a:solidFill>
+                    <a:schemeClr val="tx1"/>
+                  </a:solidFill>
+                </a:rPr>
+                <a:t>3</a:t>
+              </a:r>
+              <a:endParaRPr kumimoji="1" lang="ja-JP" altLang="en-US">
+                <a:solidFill>
+                  <a:schemeClr val="tx1"/>
+                </a:solidFill>
+              </a:endParaRPr>
+            </a:p>
+          </p:txBody>
+        </p:sp>
+        <p:sp>
+          <p:nvSpPr>
+            <p:cNvPr id="7" name="円/楕円 6">
+              <a:extLst>
+                <a:ext uri="{FF2B5EF4-FFF2-40B4-BE49-F238E27FC236}">
+                  <a16:creationId xmlns:a16="http://schemas.microsoft.com/office/drawing/2014/main" id="{A394B18F-92D5-F544-96CE-CA93C1ADCF71}"/>
+                </a:ext>
+              </a:extLst>
+            </p:cNvPr>
+            <p:cNvSpPr/>
+            <p:nvPr/>
+          </p:nvSpPr>
+          <p:spPr>
+            <a:xfrm>
+              <a:off x="1403648" y="2564904"/>
+              <a:ext cx="432048" cy="432048"/>
+            </a:xfrm>
+            <a:prstGeom prst="ellipse">
+              <a:avLst/>
+            </a:prstGeom>
+            <a:noFill/>
+            <a:ln>
+              <a:solidFill>
+                <a:schemeClr val="tx1"/>
+              </a:solidFill>
+            </a:ln>
+          </p:spPr>
+          <p:style>
+            <a:lnRef idx="2">
+              <a:schemeClr val="accent1">
+                <a:shade val="50000"/>
+              </a:schemeClr>
+            </a:lnRef>
+            <a:fillRef idx="1">
+              <a:schemeClr val="accent1"/>
+            </a:fillRef>
+            <a:effectRef idx="0">
+              <a:schemeClr val="accent1"/>
+            </a:effectRef>
+            <a:fontRef idx="minor">
+              <a:schemeClr val="lt1"/>
+            </a:fontRef>
+          </p:style>
+          <p:txBody>
+            <a:bodyPr rtlCol="0" anchor="ctr"/>
+            <a:lstStyle/>
+            <a:p>
+              <a:pPr algn="ctr"/>
+              <a:r>
+                <a:rPr kumimoji="1" lang="en-US" altLang="ja-JP">
+                  <a:solidFill>
+                    <a:schemeClr val="tx1"/>
+                  </a:solidFill>
+                </a:rPr>
+                <a:t>4</a:t>
+              </a:r>
+              <a:endParaRPr kumimoji="1" lang="ja-JP" altLang="en-US">
+                <a:solidFill>
+                  <a:schemeClr val="tx1"/>
+                </a:solidFill>
+              </a:endParaRPr>
+            </a:p>
+          </p:txBody>
+        </p:sp>
+        <p:sp>
+          <p:nvSpPr>
+            <p:cNvPr id="8" name="円/楕円 7">
+              <a:extLst>
+                <a:ext uri="{FF2B5EF4-FFF2-40B4-BE49-F238E27FC236}">
+                  <a16:creationId xmlns:a16="http://schemas.microsoft.com/office/drawing/2014/main" id="{A186CAF9-7CEE-864F-90B4-351B5C902C13}"/>
+                </a:ext>
+              </a:extLst>
+            </p:cNvPr>
+            <p:cNvSpPr/>
+            <p:nvPr/>
+          </p:nvSpPr>
+          <p:spPr>
+            <a:xfrm>
+              <a:off x="2267744" y="2564904"/>
+              <a:ext cx="432048" cy="432048"/>
+            </a:xfrm>
+            <a:prstGeom prst="ellipse">
+              <a:avLst/>
+            </a:prstGeom>
+            <a:noFill/>
+            <a:ln>
+              <a:solidFill>
+                <a:schemeClr val="tx1"/>
+              </a:solidFill>
+            </a:ln>
+          </p:spPr>
+          <p:style>
+            <a:lnRef idx="2">
+              <a:schemeClr val="accent1">
+                <a:shade val="50000"/>
+              </a:schemeClr>
+            </a:lnRef>
+            <a:fillRef idx="1">
+              <a:schemeClr val="accent1"/>
+            </a:fillRef>
+            <a:effectRef idx="0">
+              <a:schemeClr val="accent1"/>
+            </a:effectRef>
+            <a:fontRef idx="minor">
+              <a:schemeClr val="lt1"/>
+            </a:fontRef>
+          </p:style>
+          <p:txBody>
+            <a:bodyPr rtlCol="0" anchor="ctr"/>
+            <a:lstStyle/>
+            <a:p>
+              <a:pPr algn="ctr"/>
+              <a:r>
+                <a:rPr kumimoji="1" lang="en-US" altLang="ja-JP">
+                  <a:solidFill>
+                    <a:schemeClr val="tx1"/>
+                  </a:solidFill>
+                </a:rPr>
+                <a:t>5</a:t>
+              </a:r>
+              <a:endParaRPr kumimoji="1" lang="ja-JP" altLang="en-US">
+                <a:solidFill>
+                  <a:schemeClr val="tx1"/>
+                </a:solidFill>
+              </a:endParaRPr>
+            </a:p>
+          </p:txBody>
+        </p:sp>
+        <p:sp>
+          <p:nvSpPr>
+            <p:cNvPr id="9" name="円/楕円 8">
+              <a:extLst>
+                <a:ext uri="{FF2B5EF4-FFF2-40B4-BE49-F238E27FC236}">
+                  <a16:creationId xmlns:a16="http://schemas.microsoft.com/office/drawing/2014/main" id="{F2232284-0741-B64C-B5F0-485FA5099D4C}"/>
+                </a:ext>
+              </a:extLst>
+            </p:cNvPr>
+            <p:cNvSpPr/>
+            <p:nvPr/>
+          </p:nvSpPr>
+          <p:spPr>
+            <a:xfrm>
+              <a:off x="3059832" y="2564904"/>
+              <a:ext cx="432048" cy="432048"/>
+            </a:xfrm>
+            <a:prstGeom prst="ellipse">
+              <a:avLst/>
+            </a:prstGeom>
+            <a:solidFill>
+              <a:schemeClr val="accent1">
+                <a:lumMod val="40000"/>
+                <a:lumOff val="60000"/>
+              </a:schemeClr>
+            </a:solidFill>
+            <a:ln>
+              <a:solidFill>
+                <a:schemeClr val="tx1"/>
+              </a:solidFill>
+            </a:ln>
+          </p:spPr>
+          <p:style>
+            <a:lnRef idx="2">
+              <a:schemeClr val="accent1">
+                <a:shade val="50000"/>
+              </a:schemeClr>
+            </a:lnRef>
+            <a:fillRef idx="1">
+              <a:schemeClr val="accent1"/>
+            </a:fillRef>
+            <a:effectRef idx="0">
+              <a:schemeClr val="accent1"/>
+            </a:effectRef>
+            <a:fontRef idx="minor">
+              <a:schemeClr val="lt1"/>
+            </a:fontRef>
+          </p:style>
+          <p:txBody>
+            <a:bodyPr rtlCol="0" anchor="ctr"/>
+            <a:lstStyle/>
+            <a:p>
+              <a:pPr algn="ctr"/>
+              <a:r>
+                <a:rPr kumimoji="1" lang="en-US" altLang="ja-JP">
+                  <a:solidFill>
+                    <a:schemeClr val="tx1"/>
+                  </a:solidFill>
+                </a:rPr>
+                <a:t>6</a:t>
+              </a:r>
+              <a:endParaRPr kumimoji="1" lang="ja-JP" altLang="en-US">
+                <a:solidFill>
+                  <a:schemeClr val="tx1"/>
+                </a:solidFill>
+              </a:endParaRPr>
+            </a:p>
+          </p:txBody>
+        </p:sp>
+        <p:sp>
+          <p:nvSpPr>
+            <p:cNvPr id="61" name="フリーフォーム 60">
+              <a:extLst>
+                <a:ext uri="{FF2B5EF4-FFF2-40B4-BE49-F238E27FC236}">
+                  <a16:creationId xmlns:a16="http://schemas.microsoft.com/office/drawing/2014/main" id="{4BAD12FF-F2F7-7741-96DC-8141ABE413A6}"/>
+                </a:ext>
+              </a:extLst>
+            </p:cNvPr>
+            <p:cNvSpPr/>
+            <p:nvPr/>
+          </p:nvSpPr>
+          <p:spPr>
+            <a:xfrm>
+              <a:off x="2555776" y="1052736"/>
+              <a:ext cx="373277" cy="410592"/>
+            </a:xfrm>
+            <a:custGeom>
+              <a:avLst/>
+              <a:gdLst>
+                <a:gd name="connsiteX0" fmla="*/ 442909 w 1196782"/>
+                <a:gd name="connsiteY0" fmla="*/ 1052396 h 1052396"/>
+                <a:gd name="connsiteX1" fmla="*/ 1143949 w 1196782"/>
+                <a:gd name="connsiteY1" fmla="*/ 778076 h 1052396"/>
+                <a:gd name="connsiteX2" fmla="*/ 1072829 w 1196782"/>
+                <a:gd name="connsiteY2" fmla="*/ 87196 h 1052396"/>
+                <a:gd name="connsiteX3" fmla="*/ 483549 w 1196782"/>
+                <a:gd name="connsiteY3" fmla="*/ 36396 h 1052396"/>
+                <a:gd name="connsiteX4" fmla="*/ 66989 w 1196782"/>
+                <a:gd name="connsiteY4" fmla="*/ 331036 h 1052396"/>
+                <a:gd name="connsiteX5" fmla="*/ 6029 w 1196782"/>
+                <a:gd name="connsiteY5" fmla="*/ 564716 h 1052396"/>
+              </a:gdLst>
+              <a:ahLst/>
+              <a:cxnLst>
+                <a:cxn ang="0">
+                  <a:pos x="connsiteX0" y="connsiteY0"/>
+                </a:cxn>
+                <a:cxn ang="0">
+                  <a:pos x="connsiteX1" y="connsiteY1"/>
+                </a:cxn>
+                <a:cxn ang="0">
+                  <a:pos x="connsiteX2" y="connsiteY2"/>
+                </a:cxn>
+                <a:cxn ang="0">
+                  <a:pos x="connsiteX3" y="connsiteY3"/>
+                </a:cxn>
+                <a:cxn ang="0">
+                  <a:pos x="connsiteX4" y="connsiteY4"/>
+                </a:cxn>
+                <a:cxn ang="0">
+                  <a:pos x="connsiteX5" y="connsiteY5"/>
+                </a:cxn>
+              </a:cxnLst>
+              <a:rect l="l" t="t" r="r" b="b"/>
+              <a:pathLst>
+                <a:path w="1196782" h="1052396">
+                  <a:moveTo>
+                    <a:pt x="442909" y="1052396"/>
+                  </a:moveTo>
+                  <a:cubicBezTo>
+                    <a:pt x="740935" y="995669"/>
+                    <a:pt x="1038962" y="938943"/>
+                    <a:pt x="1143949" y="778076"/>
+                  </a:cubicBezTo>
+                  <a:cubicBezTo>
+                    <a:pt x="1248936" y="617209"/>
+                    <a:pt x="1182896" y="210809"/>
+                    <a:pt x="1072829" y="87196"/>
+                  </a:cubicBezTo>
+                  <a:cubicBezTo>
+                    <a:pt x="962762" y="-36417"/>
+                    <a:pt x="651189" y="-4244"/>
+                    <a:pt x="483549" y="36396"/>
+                  </a:cubicBezTo>
+                  <a:cubicBezTo>
+                    <a:pt x="315909" y="77036"/>
+                    <a:pt x="146576" y="242983"/>
+                    <a:pt x="66989" y="331036"/>
+                  </a:cubicBezTo>
+                  <a:cubicBezTo>
+                    <a:pt x="-12598" y="419089"/>
+                    <a:pt x="-3285" y="491902"/>
+                    <a:pt x="6029" y="564716"/>
+                  </a:cubicBezTo>
+                </a:path>
+              </a:pathLst>
+            </a:custGeom>
+            <a:noFill/>
+            <a:ln w="28575">
+              <a:solidFill>
+                <a:srgbClr val="FF0000"/>
+              </a:solidFill>
+              <a:headEnd type="none" w="med" len="med"/>
+              <a:tailEnd type="triangle" w="med" len="med"/>
+            </a:ln>
+          </p:spPr>
+          <p:style>
+            <a:lnRef idx="2">
+              <a:schemeClr val="accent1">
+                <a:shade val="50000"/>
+              </a:schemeClr>
+            </a:lnRef>
+            <a:fillRef idx="1">
+              <a:schemeClr val="accent1"/>
+            </a:fillRef>
+            <a:effectRef idx="0">
+              <a:schemeClr val="accent1"/>
+            </a:effectRef>
+            <a:fontRef idx="minor">
+              <a:schemeClr val="lt1"/>
+            </a:fontRef>
+          </p:style>
+          <p:txBody>
+            <a:bodyPr rtlCol="0" anchor="ctr"/>
+            <a:lstStyle/>
+            <a:p>
+              <a:pPr algn="ctr"/>
+              <a:endParaRPr kumimoji="1" lang="ja-JP" altLang="en-US"/>
+            </a:p>
+          </p:txBody>
+        </p:sp>
+        <p:cxnSp>
+          <p:nvCxnSpPr>
+            <p:cNvPr id="69" name="直線コネクタ 68">
+              <a:extLst>
+                <a:ext uri="{FF2B5EF4-FFF2-40B4-BE49-F238E27FC236}">
+                  <a16:creationId xmlns:a16="http://schemas.microsoft.com/office/drawing/2014/main" id="{62745394-64A4-C146-9193-CF759A999FEF}"/>
+                </a:ext>
+              </a:extLst>
+            </p:cNvPr>
+            <p:cNvCxnSpPr>
+              <a:cxnSpLocks/>
+            </p:cNvCxnSpPr>
+            <p:nvPr/>
+          </p:nvCxnSpPr>
+          <p:spPr>
+            <a:xfrm flipH="1">
+              <a:off x="1610936" y="2276872"/>
+              <a:ext cx="279296" cy="279296"/>
+            </a:xfrm>
+            <a:prstGeom prst="line">
+              <a:avLst/>
+            </a:prstGeom>
+            <a:ln w="12700">
+              <a:solidFill>
+                <a:schemeClr val="tx1"/>
+              </a:solidFill>
+              <a:headEnd type="triangle" w="med" len="med"/>
+              <a:tailEnd type="none" w="med" len="med"/>
+            </a:ln>
+          </p:spPr>
+          <p:style>
+            <a:lnRef idx="1">
+              <a:schemeClr val="accent1"/>
+            </a:lnRef>
+            <a:fillRef idx="0">
+              <a:schemeClr val="accent1"/>
+            </a:fillRef>
+            <a:effectRef idx="0">
+              <a:schemeClr val="accent1"/>
+            </a:effectRef>
+            <a:fontRef idx="minor">
+              <a:schemeClr val="tx1"/>
+            </a:fontRef>
+          </p:style>
+        </p:cxnSp>
+        <p:cxnSp>
+          <p:nvCxnSpPr>
+            <p:cNvPr id="70" name="直線コネクタ 69">
+              <a:extLst>
+                <a:ext uri="{FF2B5EF4-FFF2-40B4-BE49-F238E27FC236}">
+                  <a16:creationId xmlns:a16="http://schemas.microsoft.com/office/drawing/2014/main" id="{46BCA7F3-5DC1-F34F-B4C1-CE8AECD707CA}"/>
+                </a:ext>
+              </a:extLst>
+            </p:cNvPr>
+            <p:cNvCxnSpPr>
+              <a:cxnSpLocks/>
+            </p:cNvCxnSpPr>
+            <p:nvPr/>
+          </p:nvCxnSpPr>
+          <p:spPr>
+            <a:xfrm>
+              <a:off x="2195736" y="2276872"/>
+              <a:ext cx="207288" cy="279296"/>
+            </a:xfrm>
+            <a:prstGeom prst="line">
+              <a:avLst/>
+            </a:prstGeom>
+            <a:ln w="12700">
+              <a:solidFill>
+                <a:schemeClr val="tx1"/>
+              </a:solidFill>
+              <a:headEnd type="triangle" w="med" len="med"/>
+              <a:tailEnd type="none" w="med" len="med"/>
+            </a:ln>
+          </p:spPr>
+          <p:style>
+            <a:lnRef idx="1">
+              <a:schemeClr val="accent1"/>
+            </a:lnRef>
+            <a:fillRef idx="0">
+              <a:schemeClr val="accent1"/>
+            </a:fillRef>
+            <a:effectRef idx="0">
+              <a:schemeClr val="accent1"/>
+            </a:effectRef>
+            <a:fontRef idx="minor">
+              <a:schemeClr val="tx1"/>
+            </a:fontRef>
+          </p:style>
+        </p:cxnSp>
+        <p:cxnSp>
+          <p:nvCxnSpPr>
+            <p:cNvPr id="72" name="直線コネクタ 71">
+              <a:extLst>
+                <a:ext uri="{FF2B5EF4-FFF2-40B4-BE49-F238E27FC236}">
+                  <a16:creationId xmlns:a16="http://schemas.microsoft.com/office/drawing/2014/main" id="{834FAAD6-B520-6143-96E0-4B5F246DD0A6}"/>
+                </a:ext>
+              </a:extLst>
+            </p:cNvPr>
+            <p:cNvCxnSpPr>
+              <a:cxnSpLocks/>
+            </p:cNvCxnSpPr>
+            <p:nvPr/>
+          </p:nvCxnSpPr>
+          <p:spPr>
+            <a:xfrm>
+              <a:off x="2987824" y="2276872"/>
+              <a:ext cx="207288" cy="279296"/>
+            </a:xfrm>
+            <a:prstGeom prst="line">
+              <a:avLst/>
+            </a:prstGeom>
+            <a:ln w="28575">
+              <a:solidFill>
+                <a:srgbClr val="FF0000"/>
+              </a:solidFill>
+              <a:headEnd type="triangle" w="med" len="med"/>
+              <a:tailEnd type="none" w="med" len="med"/>
+            </a:ln>
+          </p:spPr>
+          <p:style>
+            <a:lnRef idx="1">
+              <a:schemeClr val="accent1"/>
+            </a:lnRef>
+            <a:fillRef idx="0">
+              <a:schemeClr val="accent1"/>
+            </a:fillRef>
+            <a:effectRef idx="0">
+              <a:schemeClr val="accent1"/>
+            </a:effectRef>
+            <a:fontRef idx="minor">
+              <a:schemeClr val="tx1"/>
+            </a:fontRef>
+          </p:style>
+        </p:cxnSp>
+        <p:cxnSp>
+          <p:nvCxnSpPr>
+            <p:cNvPr id="73" name="直線コネクタ 72">
+              <a:extLst>
+                <a:ext uri="{FF2B5EF4-FFF2-40B4-BE49-F238E27FC236}">
+                  <a16:creationId xmlns:a16="http://schemas.microsoft.com/office/drawing/2014/main" id="{AA0B541E-8D1E-D34F-B236-E2841D422951}"/>
+                </a:ext>
+              </a:extLst>
+            </p:cNvPr>
+            <p:cNvCxnSpPr>
+              <a:cxnSpLocks/>
+            </p:cNvCxnSpPr>
+            <p:nvPr/>
+          </p:nvCxnSpPr>
+          <p:spPr>
+            <a:xfrm flipH="1">
+              <a:off x="2042984" y="1628800"/>
+              <a:ext cx="279296" cy="279296"/>
+            </a:xfrm>
+            <a:prstGeom prst="line">
+              <a:avLst/>
+            </a:prstGeom>
+            <a:ln w="12700">
+              <a:solidFill>
+                <a:schemeClr val="tx1"/>
+              </a:solidFill>
+              <a:headEnd type="triangle" w="med" len="med"/>
+              <a:tailEnd type="none" w="med" len="med"/>
+            </a:ln>
+          </p:spPr>
+          <p:style>
+            <a:lnRef idx="1">
+              <a:schemeClr val="accent1"/>
+            </a:lnRef>
+            <a:fillRef idx="0">
+              <a:schemeClr val="accent1"/>
+            </a:fillRef>
+            <a:effectRef idx="0">
+              <a:schemeClr val="accent1"/>
+            </a:effectRef>
+            <a:fontRef idx="minor">
+              <a:schemeClr val="tx1"/>
+            </a:fontRef>
+          </p:style>
+        </p:cxnSp>
+        <p:cxnSp>
+          <p:nvCxnSpPr>
+            <p:cNvPr id="74" name="直線コネクタ 73">
+              <a:extLst>
+                <a:ext uri="{FF2B5EF4-FFF2-40B4-BE49-F238E27FC236}">
+                  <a16:creationId xmlns:a16="http://schemas.microsoft.com/office/drawing/2014/main" id="{9BBAD9E3-BDCD-5649-8132-225D68C8CD27}"/>
+                </a:ext>
+              </a:extLst>
+            </p:cNvPr>
+            <p:cNvCxnSpPr>
+              <a:cxnSpLocks/>
+            </p:cNvCxnSpPr>
+            <p:nvPr/>
+          </p:nvCxnSpPr>
+          <p:spPr>
+            <a:xfrm>
+              <a:off x="2627784" y="1628800"/>
+              <a:ext cx="207288" cy="279296"/>
+            </a:xfrm>
+            <a:prstGeom prst="line">
+              <a:avLst/>
+            </a:prstGeom>
+            <a:ln w="28575">
+              <a:solidFill>
+                <a:srgbClr val="FF0000"/>
+              </a:solidFill>
+              <a:headEnd type="triangle" w="med" len="med"/>
+              <a:tailEnd type="none" w="med" len="med"/>
+            </a:ln>
+          </p:spPr>
+          <p:style>
+            <a:lnRef idx="1">
+              <a:schemeClr val="accent1"/>
+            </a:lnRef>
+            <a:fillRef idx="0">
+              <a:schemeClr val="accent1"/>
+            </a:fillRef>
+            <a:effectRef idx="0">
+              <a:schemeClr val="accent1"/>
+            </a:effectRef>
+            <a:fontRef idx="minor">
+              <a:schemeClr val="tx1"/>
+            </a:fontRef>
+          </p:style>
+        </p:cxnSp>
+      </p:grpSp>
+      <p:grpSp>
+        <p:nvGrpSpPr>
+          <p:cNvPr id="12" name="グループ化 11">
+            <a:extLst>
+              <a:ext uri="{FF2B5EF4-FFF2-40B4-BE49-F238E27FC236}">
+                <a16:creationId xmlns:a16="http://schemas.microsoft.com/office/drawing/2014/main" id="{DB23191B-948C-B445-B7E7-B23C965B8F4D}"/>
+              </a:ext>
+            </a:extLst>
+          </p:cNvPr>
+          <p:cNvGrpSpPr/>
+          <p:nvPr/>
+        </p:nvGrpSpPr>
+        <p:grpSpPr>
+          <a:xfrm>
+            <a:off x="5076056" y="3862789"/>
+            <a:ext cx="2376264" cy="1944216"/>
+            <a:chOff x="5076056" y="3862789"/>
+            <a:chExt cx="2376264" cy="1944216"/>
+          </a:xfrm>
+        </p:grpSpPr>
+        <p:sp>
+          <p:nvSpPr>
+            <p:cNvPr id="39" name="円/楕円 38">
+              <a:extLst>
+                <a:ext uri="{FF2B5EF4-FFF2-40B4-BE49-F238E27FC236}">
+                  <a16:creationId xmlns:a16="http://schemas.microsoft.com/office/drawing/2014/main" id="{C318AFA8-0F27-0F48-87FC-48351DABA872}"/>
+                </a:ext>
+              </a:extLst>
+            </p:cNvPr>
+            <p:cNvSpPr/>
+            <p:nvPr/>
+          </p:nvSpPr>
+          <p:spPr>
+            <a:xfrm>
+              <a:off x="5868144" y="4078813"/>
+              <a:ext cx="432048" cy="432048"/>
+            </a:xfrm>
+            <a:prstGeom prst="ellipse">
+              <a:avLst/>
+            </a:prstGeom>
+            <a:solidFill>
+              <a:srgbClr val="FF0000"/>
+            </a:solidFill>
+            <a:ln>
+              <a:solidFill>
+                <a:schemeClr val="tx1"/>
+              </a:solidFill>
+            </a:ln>
+          </p:spPr>
+          <p:style>
+            <a:lnRef idx="2">
+              <a:schemeClr val="accent1">
+                <a:shade val="50000"/>
+              </a:schemeClr>
+            </a:lnRef>
+            <a:fillRef idx="1">
+              <a:schemeClr val="accent1"/>
+            </a:fillRef>
+            <a:effectRef idx="0">
+              <a:schemeClr val="accent1"/>
+            </a:effectRef>
+            <a:fontRef idx="minor">
+              <a:schemeClr val="lt1"/>
+            </a:fontRef>
+          </p:style>
+          <p:txBody>
+            <a:bodyPr rtlCol="0" anchor="ctr"/>
+            <a:lstStyle/>
+            <a:p>
+              <a:pPr algn="ctr"/>
+              <a:r>
+                <a:rPr kumimoji="1" lang="en-US" altLang="ja-JP">
+                  <a:solidFill>
+                    <a:schemeClr val="tx1"/>
+                  </a:solidFill>
+                </a:rPr>
+                <a:t>1</a:t>
+              </a:r>
+              <a:endParaRPr kumimoji="1" lang="ja-JP" altLang="en-US">
+                <a:solidFill>
+                  <a:schemeClr val="tx1"/>
+                </a:solidFill>
+              </a:endParaRPr>
+            </a:p>
+          </p:txBody>
+        </p:sp>
+        <p:sp>
+          <p:nvSpPr>
+            <p:cNvPr id="40" name="円/楕円 39">
+              <a:extLst>
+                <a:ext uri="{FF2B5EF4-FFF2-40B4-BE49-F238E27FC236}">
+                  <a16:creationId xmlns:a16="http://schemas.microsoft.com/office/drawing/2014/main" id="{733752BB-E654-5D4C-A1C7-469A0E8AE9D6}"/>
+                </a:ext>
+              </a:extLst>
+            </p:cNvPr>
+            <p:cNvSpPr/>
+            <p:nvPr/>
+          </p:nvSpPr>
+          <p:spPr>
+            <a:xfrm>
+              <a:off x="5076056" y="4726885"/>
+              <a:ext cx="432048" cy="432048"/>
+            </a:xfrm>
+            <a:prstGeom prst="ellipse">
+              <a:avLst/>
+            </a:prstGeom>
+            <a:noFill/>
+            <a:ln>
+              <a:solidFill>
+                <a:schemeClr val="tx1"/>
+              </a:solidFill>
+            </a:ln>
+          </p:spPr>
+          <p:style>
+            <a:lnRef idx="2">
+              <a:schemeClr val="accent1">
+                <a:shade val="50000"/>
+              </a:schemeClr>
+            </a:lnRef>
+            <a:fillRef idx="1">
+              <a:schemeClr val="accent1"/>
+            </a:fillRef>
+            <a:effectRef idx="0">
+              <a:schemeClr val="accent1"/>
+            </a:effectRef>
+            <a:fontRef idx="minor">
+              <a:schemeClr val="lt1"/>
+            </a:fontRef>
+          </p:style>
+          <p:txBody>
+            <a:bodyPr rtlCol="0" anchor="ctr"/>
+            <a:lstStyle/>
+            <a:p>
+              <a:pPr algn="ctr"/>
+              <a:r>
+                <a:rPr kumimoji="1" lang="en-US" altLang="ja-JP">
+                  <a:solidFill>
+                    <a:schemeClr val="tx1"/>
+                  </a:solidFill>
+                </a:rPr>
+                <a:t>2</a:t>
+              </a:r>
+              <a:endParaRPr kumimoji="1" lang="ja-JP" altLang="en-US">
+                <a:solidFill>
+                  <a:schemeClr val="tx1"/>
+                </a:solidFill>
+              </a:endParaRPr>
+            </a:p>
+          </p:txBody>
+        </p:sp>
+        <p:sp>
+          <p:nvSpPr>
+            <p:cNvPr id="41" name="円/楕円 40">
+              <a:extLst>
+                <a:ext uri="{FF2B5EF4-FFF2-40B4-BE49-F238E27FC236}">
+                  <a16:creationId xmlns:a16="http://schemas.microsoft.com/office/drawing/2014/main" id="{B8B7D27C-7D69-014D-9B23-ADE9A857C0B4}"/>
+                </a:ext>
+              </a:extLst>
+            </p:cNvPr>
+            <p:cNvSpPr/>
+            <p:nvPr/>
+          </p:nvSpPr>
+          <p:spPr>
+            <a:xfrm>
+              <a:off x="5868144" y="4726885"/>
+              <a:ext cx="432048" cy="432048"/>
+            </a:xfrm>
+            <a:prstGeom prst="ellipse">
+              <a:avLst/>
+            </a:prstGeom>
+            <a:solidFill>
+              <a:schemeClr val="bg1"/>
+            </a:solidFill>
+            <a:ln>
+              <a:solidFill>
+                <a:schemeClr val="tx1"/>
+              </a:solidFill>
+            </a:ln>
+          </p:spPr>
+          <p:style>
+            <a:lnRef idx="2">
+              <a:schemeClr val="accent1">
+                <a:shade val="50000"/>
+              </a:schemeClr>
+            </a:lnRef>
+            <a:fillRef idx="1">
+              <a:schemeClr val="accent1"/>
+            </a:fillRef>
+            <a:effectRef idx="0">
+              <a:schemeClr val="accent1"/>
+            </a:effectRef>
+            <a:fontRef idx="minor">
+              <a:schemeClr val="lt1"/>
+            </a:fontRef>
+          </p:style>
+          <p:txBody>
+            <a:bodyPr rtlCol="0" anchor="ctr"/>
+            <a:lstStyle/>
+            <a:p>
+              <a:pPr algn="ctr"/>
+              <a:r>
+                <a:rPr kumimoji="1" lang="en-US" altLang="ja-JP">
+                  <a:solidFill>
+                    <a:schemeClr val="tx1"/>
+                  </a:solidFill>
+                </a:rPr>
+                <a:t>3</a:t>
+              </a:r>
+              <a:endParaRPr kumimoji="1" lang="ja-JP" altLang="en-US">
+                <a:solidFill>
+                  <a:schemeClr val="tx1"/>
+                </a:solidFill>
+              </a:endParaRPr>
+            </a:p>
+          </p:txBody>
+        </p:sp>
+        <p:cxnSp>
+          <p:nvCxnSpPr>
+            <p:cNvPr id="42" name="直線コネクタ 41">
+              <a:extLst>
+                <a:ext uri="{FF2B5EF4-FFF2-40B4-BE49-F238E27FC236}">
+                  <a16:creationId xmlns:a16="http://schemas.microsoft.com/office/drawing/2014/main" id="{E80BB144-7E6C-3F4C-8BF7-81E719ED5ABE}"/>
+                </a:ext>
+              </a:extLst>
+            </p:cNvPr>
+            <p:cNvCxnSpPr>
+              <a:cxnSpLocks/>
+              <a:stCxn id="39" idx="3"/>
+              <a:endCxn id="40" idx="0"/>
+            </p:cNvCxnSpPr>
+            <p:nvPr/>
+          </p:nvCxnSpPr>
+          <p:spPr>
+            <a:xfrm flipH="1">
+              <a:off x="5292080" y="4447589"/>
+              <a:ext cx="639336" cy="279296"/>
+            </a:xfrm>
+            <a:prstGeom prst="line">
+              <a:avLst/>
+            </a:prstGeom>
+            <a:ln w="12700">
+              <a:solidFill>
+                <a:schemeClr val="tx1"/>
+              </a:solidFill>
+              <a:headEnd type="triangle" w="med" len="med"/>
+              <a:tailEnd type="none" w="med" len="med"/>
+            </a:ln>
+          </p:spPr>
+          <p:style>
+            <a:lnRef idx="1">
+              <a:schemeClr val="accent1"/>
+            </a:lnRef>
+            <a:fillRef idx="0">
+              <a:schemeClr val="accent1"/>
+            </a:fillRef>
+            <a:effectRef idx="0">
+              <a:schemeClr val="accent1"/>
+            </a:effectRef>
+            <a:fontRef idx="minor">
+              <a:schemeClr val="tx1"/>
+            </a:fontRef>
+          </p:style>
+        </p:cxnSp>
+        <p:cxnSp>
+          <p:nvCxnSpPr>
+            <p:cNvPr id="43" name="直線コネクタ 42">
+              <a:extLst>
+                <a:ext uri="{FF2B5EF4-FFF2-40B4-BE49-F238E27FC236}">
+                  <a16:creationId xmlns:a16="http://schemas.microsoft.com/office/drawing/2014/main" id="{7A30024E-C4E9-8F49-8B4A-DC1E60F10C27}"/>
+                </a:ext>
+              </a:extLst>
+            </p:cNvPr>
+            <p:cNvCxnSpPr>
+              <a:cxnSpLocks/>
+              <a:stCxn id="39" idx="4"/>
+              <a:endCxn id="41" idx="0"/>
+            </p:cNvCxnSpPr>
+            <p:nvPr/>
+          </p:nvCxnSpPr>
+          <p:spPr>
+            <a:xfrm>
+              <a:off x="6084168" y="4510861"/>
+              <a:ext cx="0" cy="216024"/>
+            </a:xfrm>
+            <a:prstGeom prst="line">
+              <a:avLst/>
+            </a:prstGeom>
+            <a:ln w="12700">
+              <a:solidFill>
+                <a:schemeClr val="tx1"/>
+              </a:solidFill>
+              <a:headEnd type="triangle" w="med" len="med"/>
+              <a:tailEnd type="none" w="med" len="med"/>
+            </a:ln>
+          </p:spPr>
+          <p:style>
+            <a:lnRef idx="1">
+              <a:schemeClr val="accent1"/>
+            </a:lnRef>
+            <a:fillRef idx="0">
+              <a:schemeClr val="accent1"/>
+            </a:fillRef>
+            <a:effectRef idx="0">
+              <a:schemeClr val="accent1"/>
+            </a:effectRef>
+            <a:fontRef idx="minor">
+              <a:schemeClr val="tx1"/>
+            </a:fontRef>
+          </p:style>
+        </p:cxnSp>
+        <p:sp>
+          <p:nvSpPr>
+            <p:cNvPr id="44" name="円/楕円 43">
+              <a:extLst>
+                <a:ext uri="{FF2B5EF4-FFF2-40B4-BE49-F238E27FC236}">
+                  <a16:creationId xmlns:a16="http://schemas.microsoft.com/office/drawing/2014/main" id="{85BDB8BB-FCB6-9F4C-BCD9-023AA1A917EA}"/>
+                </a:ext>
+              </a:extLst>
+            </p:cNvPr>
+            <p:cNvSpPr/>
+            <p:nvPr/>
+          </p:nvSpPr>
+          <p:spPr>
+            <a:xfrm>
+              <a:off x="6660232" y="4726885"/>
+              <a:ext cx="432048" cy="432048"/>
+            </a:xfrm>
+            <a:prstGeom prst="ellipse">
+              <a:avLst/>
+            </a:prstGeom>
+            <a:solidFill>
+              <a:srgbClr val="FF40FF"/>
+            </a:solidFill>
+            <a:ln>
+              <a:solidFill>
+                <a:schemeClr val="tx1"/>
+              </a:solidFill>
+            </a:ln>
+          </p:spPr>
+          <p:style>
+            <a:lnRef idx="2">
+              <a:schemeClr val="accent1">
+                <a:shade val="50000"/>
+              </a:schemeClr>
+            </a:lnRef>
+            <a:fillRef idx="1">
+              <a:schemeClr val="accent1"/>
+            </a:fillRef>
+            <a:effectRef idx="0">
+              <a:schemeClr val="accent1"/>
+            </a:effectRef>
+            <a:fontRef idx="minor">
+              <a:schemeClr val="lt1"/>
+            </a:fontRef>
+          </p:style>
+          <p:txBody>
+            <a:bodyPr rtlCol="0" anchor="ctr"/>
+            <a:lstStyle/>
+            <a:p>
+              <a:pPr algn="ctr"/>
+              <a:r>
+                <a:rPr kumimoji="1" lang="en-US" altLang="ja-JP">
+                  <a:solidFill>
+                    <a:schemeClr val="tx1"/>
+                  </a:solidFill>
+                </a:rPr>
+                <a:t>4</a:t>
+              </a:r>
+              <a:endParaRPr kumimoji="1" lang="ja-JP" altLang="en-US">
+                <a:solidFill>
+                  <a:schemeClr val="tx1"/>
+                </a:solidFill>
+              </a:endParaRPr>
+            </a:p>
+          </p:txBody>
+        </p:sp>
+        <p:sp>
+          <p:nvSpPr>
+            <p:cNvPr id="45" name="円/楕円 44">
+              <a:extLst>
+                <a:ext uri="{FF2B5EF4-FFF2-40B4-BE49-F238E27FC236}">
+                  <a16:creationId xmlns:a16="http://schemas.microsoft.com/office/drawing/2014/main" id="{9F2F8BA7-70B2-BC4B-B247-36B4FABF7878}"/>
+                </a:ext>
+              </a:extLst>
+            </p:cNvPr>
+            <p:cNvSpPr/>
+            <p:nvPr/>
+          </p:nvSpPr>
+          <p:spPr>
+            <a:xfrm>
+              <a:off x="6228184" y="5374957"/>
+              <a:ext cx="432048" cy="432048"/>
+            </a:xfrm>
+            <a:prstGeom prst="ellipse">
+              <a:avLst/>
+            </a:prstGeom>
+            <a:noFill/>
+            <a:ln>
+              <a:solidFill>
+                <a:schemeClr val="tx1"/>
+              </a:solidFill>
+            </a:ln>
+          </p:spPr>
+          <p:style>
+            <a:lnRef idx="2">
+              <a:schemeClr val="accent1">
+                <a:shade val="50000"/>
+              </a:schemeClr>
+            </a:lnRef>
+            <a:fillRef idx="1">
+              <a:schemeClr val="accent1"/>
+            </a:fillRef>
+            <a:effectRef idx="0">
+              <a:schemeClr val="accent1"/>
+            </a:effectRef>
+            <a:fontRef idx="minor">
+              <a:schemeClr val="lt1"/>
+            </a:fontRef>
+          </p:style>
+          <p:txBody>
+            <a:bodyPr rtlCol="0" anchor="ctr"/>
+            <a:lstStyle/>
+            <a:p>
+              <a:pPr algn="ctr"/>
+              <a:r>
+                <a:rPr kumimoji="1" lang="en-US" altLang="ja-JP">
+                  <a:solidFill>
+                    <a:schemeClr val="tx1"/>
+                  </a:solidFill>
+                </a:rPr>
+                <a:t>5</a:t>
+              </a:r>
+              <a:endParaRPr kumimoji="1" lang="ja-JP" altLang="en-US">
+                <a:solidFill>
+                  <a:schemeClr val="tx1"/>
+                </a:solidFill>
+              </a:endParaRPr>
+            </a:p>
+          </p:txBody>
+        </p:sp>
+        <p:sp>
+          <p:nvSpPr>
+            <p:cNvPr id="46" name="円/楕円 45">
+              <a:extLst>
+                <a:ext uri="{FF2B5EF4-FFF2-40B4-BE49-F238E27FC236}">
+                  <a16:creationId xmlns:a16="http://schemas.microsoft.com/office/drawing/2014/main" id="{36BE7BC6-683F-3C4A-9545-1F8A641D1EA5}"/>
+                </a:ext>
+              </a:extLst>
+            </p:cNvPr>
+            <p:cNvSpPr/>
+            <p:nvPr/>
+          </p:nvSpPr>
+          <p:spPr>
+            <a:xfrm>
+              <a:off x="7020272" y="5374957"/>
+              <a:ext cx="432048" cy="432048"/>
+            </a:xfrm>
+            <a:prstGeom prst="ellipse">
+              <a:avLst/>
+            </a:prstGeom>
+            <a:solidFill>
+              <a:schemeClr val="bg1"/>
+            </a:solidFill>
+            <a:ln>
+              <a:solidFill>
+                <a:schemeClr val="tx1"/>
+              </a:solidFill>
+            </a:ln>
+          </p:spPr>
+          <p:style>
+            <a:lnRef idx="2">
+              <a:schemeClr val="accent1">
+                <a:shade val="50000"/>
+              </a:schemeClr>
+            </a:lnRef>
+            <a:fillRef idx="1">
+              <a:schemeClr val="accent1"/>
+            </a:fillRef>
+            <a:effectRef idx="0">
+              <a:schemeClr val="accent1"/>
+            </a:effectRef>
+            <a:fontRef idx="minor">
+              <a:schemeClr val="lt1"/>
+            </a:fontRef>
+          </p:style>
+          <p:txBody>
+            <a:bodyPr rtlCol="0" anchor="ctr"/>
+            <a:lstStyle/>
+            <a:p>
+              <a:pPr algn="ctr"/>
+              <a:r>
+                <a:rPr kumimoji="1" lang="en-US" altLang="ja-JP">
+                  <a:solidFill>
+                    <a:schemeClr val="tx1"/>
+                  </a:solidFill>
+                </a:rPr>
+                <a:t>6</a:t>
+              </a:r>
+              <a:endParaRPr kumimoji="1" lang="ja-JP" altLang="en-US">
+                <a:solidFill>
+                  <a:schemeClr val="tx1"/>
+                </a:solidFill>
+              </a:endParaRPr>
+            </a:p>
+          </p:txBody>
+        </p:sp>
+        <p:cxnSp>
+          <p:nvCxnSpPr>
+            <p:cNvPr id="51" name="直線コネクタ 50">
+              <a:extLst>
+                <a:ext uri="{FF2B5EF4-FFF2-40B4-BE49-F238E27FC236}">
+                  <a16:creationId xmlns:a16="http://schemas.microsoft.com/office/drawing/2014/main" id="{03C07464-B5D3-5745-A090-EB50BC9B8F71}"/>
+                </a:ext>
+              </a:extLst>
+            </p:cNvPr>
+            <p:cNvCxnSpPr>
+              <a:cxnSpLocks/>
+              <a:stCxn id="39" idx="5"/>
+              <a:endCxn id="44" idx="0"/>
+            </p:cNvCxnSpPr>
+            <p:nvPr/>
+          </p:nvCxnSpPr>
+          <p:spPr>
+            <a:xfrm>
+              <a:off x="6236920" y="4447589"/>
+              <a:ext cx="639336" cy="279296"/>
+            </a:xfrm>
+            <a:prstGeom prst="line">
+              <a:avLst/>
+            </a:prstGeom>
+            <a:ln w="12700">
+              <a:solidFill>
+                <a:schemeClr val="tx1"/>
+              </a:solidFill>
+              <a:headEnd type="triangle" w="med" len="med"/>
+              <a:tailEnd type="none" w="med" len="med"/>
+            </a:ln>
+          </p:spPr>
+          <p:style>
+            <a:lnRef idx="1">
+              <a:schemeClr val="accent1"/>
+            </a:lnRef>
+            <a:fillRef idx="0">
+              <a:schemeClr val="accent1"/>
+            </a:fillRef>
+            <a:effectRef idx="0">
+              <a:schemeClr val="accent1"/>
+            </a:effectRef>
+            <a:fontRef idx="minor">
+              <a:schemeClr val="tx1"/>
+            </a:fontRef>
+          </p:style>
+        </p:cxnSp>
+        <p:sp>
+          <p:nvSpPr>
+            <p:cNvPr id="64" name="フリーフォーム 63">
+              <a:extLst>
+                <a:ext uri="{FF2B5EF4-FFF2-40B4-BE49-F238E27FC236}">
+                  <a16:creationId xmlns:a16="http://schemas.microsoft.com/office/drawing/2014/main" id="{16C49FB5-1769-CD4F-B160-206A3F8253FB}"/>
+                </a:ext>
+              </a:extLst>
+            </p:cNvPr>
+            <p:cNvSpPr/>
+            <p:nvPr/>
+          </p:nvSpPr>
+          <p:spPr>
+            <a:xfrm>
+              <a:off x="6156176" y="3862789"/>
+              <a:ext cx="373277" cy="410592"/>
+            </a:xfrm>
+            <a:custGeom>
+              <a:avLst/>
+              <a:gdLst>
+                <a:gd name="connsiteX0" fmla="*/ 442909 w 1196782"/>
+                <a:gd name="connsiteY0" fmla="*/ 1052396 h 1052396"/>
+                <a:gd name="connsiteX1" fmla="*/ 1143949 w 1196782"/>
+                <a:gd name="connsiteY1" fmla="*/ 778076 h 1052396"/>
+                <a:gd name="connsiteX2" fmla="*/ 1072829 w 1196782"/>
+                <a:gd name="connsiteY2" fmla="*/ 87196 h 1052396"/>
+                <a:gd name="connsiteX3" fmla="*/ 483549 w 1196782"/>
+                <a:gd name="connsiteY3" fmla="*/ 36396 h 1052396"/>
+                <a:gd name="connsiteX4" fmla="*/ 66989 w 1196782"/>
+                <a:gd name="connsiteY4" fmla="*/ 331036 h 1052396"/>
+                <a:gd name="connsiteX5" fmla="*/ 6029 w 1196782"/>
+                <a:gd name="connsiteY5" fmla="*/ 564716 h 1052396"/>
+              </a:gdLst>
+              <a:ahLst/>
+              <a:cxnLst>
+                <a:cxn ang="0">
+                  <a:pos x="connsiteX0" y="connsiteY0"/>
+                </a:cxn>
+                <a:cxn ang="0">
+                  <a:pos x="connsiteX1" y="connsiteY1"/>
+                </a:cxn>
+                <a:cxn ang="0">
+                  <a:pos x="connsiteX2" y="connsiteY2"/>
+                </a:cxn>
+                <a:cxn ang="0">
+                  <a:pos x="connsiteX3" y="connsiteY3"/>
+                </a:cxn>
+                <a:cxn ang="0">
+                  <a:pos x="connsiteX4" y="connsiteY4"/>
+                </a:cxn>
+                <a:cxn ang="0">
+                  <a:pos x="connsiteX5" y="connsiteY5"/>
+                </a:cxn>
+              </a:cxnLst>
+              <a:rect l="l" t="t" r="r" b="b"/>
+              <a:pathLst>
+                <a:path w="1196782" h="1052396">
+                  <a:moveTo>
+                    <a:pt x="442909" y="1052396"/>
+                  </a:moveTo>
+                  <a:cubicBezTo>
+                    <a:pt x="740935" y="995669"/>
+                    <a:pt x="1038962" y="938943"/>
+                    <a:pt x="1143949" y="778076"/>
+                  </a:cubicBezTo>
+                  <a:cubicBezTo>
+                    <a:pt x="1248936" y="617209"/>
+                    <a:pt x="1182896" y="210809"/>
+                    <a:pt x="1072829" y="87196"/>
+                  </a:cubicBezTo>
+                  <a:cubicBezTo>
+                    <a:pt x="962762" y="-36417"/>
+                    <a:pt x="651189" y="-4244"/>
+                    <a:pt x="483549" y="36396"/>
+                  </a:cubicBezTo>
+                  <a:cubicBezTo>
+                    <a:pt x="315909" y="77036"/>
+                    <a:pt x="146576" y="242983"/>
+                    <a:pt x="66989" y="331036"/>
+                  </a:cubicBezTo>
+                  <a:cubicBezTo>
+                    <a:pt x="-12598" y="419089"/>
+                    <a:pt x="-3285" y="491902"/>
+                    <a:pt x="6029" y="564716"/>
+                  </a:cubicBezTo>
+                </a:path>
+              </a:pathLst>
+            </a:custGeom>
+            <a:noFill/>
+            <a:ln>
+              <a:solidFill>
+                <a:schemeClr val="tx1"/>
+              </a:solidFill>
+              <a:headEnd type="none" w="med" len="med"/>
+              <a:tailEnd type="triangle" w="med" len="med"/>
+            </a:ln>
+          </p:spPr>
+          <p:style>
+            <a:lnRef idx="2">
+              <a:schemeClr val="accent1">
+                <a:shade val="50000"/>
+              </a:schemeClr>
+            </a:lnRef>
+            <a:fillRef idx="1">
+              <a:schemeClr val="accent1"/>
+            </a:fillRef>
+            <a:effectRef idx="0">
+              <a:schemeClr val="accent1"/>
+            </a:effectRef>
+            <a:fontRef idx="minor">
+              <a:schemeClr val="lt1"/>
+            </a:fontRef>
+          </p:style>
+          <p:txBody>
+            <a:bodyPr rtlCol="0" anchor="ctr"/>
+            <a:lstStyle/>
+            <a:p>
+              <a:pPr algn="ctr"/>
+              <a:endParaRPr kumimoji="1" lang="ja-JP" altLang="en-US"/>
+            </a:p>
+          </p:txBody>
+        </p:sp>
+        <p:cxnSp>
+          <p:nvCxnSpPr>
+            <p:cNvPr id="77" name="直線コネクタ 76">
+              <a:extLst>
+                <a:ext uri="{FF2B5EF4-FFF2-40B4-BE49-F238E27FC236}">
+                  <a16:creationId xmlns:a16="http://schemas.microsoft.com/office/drawing/2014/main" id="{F8CC8230-3F4A-6F48-B1FF-CAE5C7ADC2C7}"/>
+                </a:ext>
+              </a:extLst>
+            </p:cNvPr>
+            <p:cNvCxnSpPr>
+              <a:cxnSpLocks/>
+              <a:stCxn id="44" idx="3"/>
+              <a:endCxn id="45" idx="0"/>
+            </p:cNvCxnSpPr>
+            <p:nvPr/>
+          </p:nvCxnSpPr>
+          <p:spPr>
+            <a:xfrm flipH="1">
+              <a:off x="6444208" y="5095661"/>
+              <a:ext cx="279296" cy="279296"/>
+            </a:xfrm>
+            <a:prstGeom prst="line">
+              <a:avLst/>
+            </a:prstGeom>
+            <a:ln w="12700">
+              <a:solidFill>
+                <a:schemeClr val="tx1"/>
+              </a:solidFill>
+              <a:headEnd type="triangle" w="med" len="med"/>
+              <a:tailEnd type="none" w="med" len="med"/>
+            </a:ln>
+          </p:spPr>
+          <p:style>
+            <a:lnRef idx="1">
+              <a:schemeClr val="accent1"/>
+            </a:lnRef>
+            <a:fillRef idx="0">
+              <a:schemeClr val="accent1"/>
+            </a:fillRef>
+            <a:effectRef idx="0">
+              <a:schemeClr val="accent1"/>
+            </a:effectRef>
+            <a:fontRef idx="minor">
+              <a:schemeClr val="tx1"/>
+            </a:fontRef>
+          </p:style>
+        </p:cxnSp>
+        <p:cxnSp>
+          <p:nvCxnSpPr>
+            <p:cNvPr id="78" name="直線コネクタ 77">
+              <a:extLst>
+                <a:ext uri="{FF2B5EF4-FFF2-40B4-BE49-F238E27FC236}">
+                  <a16:creationId xmlns:a16="http://schemas.microsoft.com/office/drawing/2014/main" id="{386929D1-4C1C-9A43-B011-D7005D2224FC}"/>
+                </a:ext>
+              </a:extLst>
+            </p:cNvPr>
+            <p:cNvCxnSpPr>
+              <a:cxnSpLocks/>
+              <a:stCxn id="44" idx="5"/>
+              <a:endCxn id="46" idx="0"/>
+            </p:cNvCxnSpPr>
+            <p:nvPr/>
+          </p:nvCxnSpPr>
+          <p:spPr>
+            <a:xfrm>
+              <a:off x="7029008" y="5095661"/>
+              <a:ext cx="207288" cy="279296"/>
+            </a:xfrm>
+            <a:prstGeom prst="line">
+              <a:avLst/>
+            </a:prstGeom>
+            <a:ln w="12700">
+              <a:solidFill>
+                <a:schemeClr val="tx1"/>
+              </a:solidFill>
+              <a:headEnd type="triangle" w="med" len="med"/>
+              <a:tailEnd type="none" w="med" len="med"/>
+            </a:ln>
+          </p:spPr>
+          <p:style>
+            <a:lnRef idx="1">
+              <a:schemeClr val="accent1"/>
+            </a:lnRef>
+            <a:fillRef idx="0">
+              <a:schemeClr val="accent1"/>
+            </a:fillRef>
+            <a:effectRef idx="0">
+              <a:schemeClr val="accent1"/>
+            </a:effectRef>
+            <a:fontRef idx="minor">
+              <a:schemeClr val="tx1"/>
+            </a:fontRef>
+          </p:style>
+        </p:cxnSp>
+      </p:grpSp>
       <p:sp>
         <p:nvSpPr>
           <p:cNvPr id="85" name="角丸四角形 84">
